--- a/trunk/specrunner/ppts/SpecRunner.pptx
+++ b/trunk/specrunner/ppts/SpecRunner.pptx
@@ -12,25 +12,26 @@
     <p:sldId id="259" r:id="rId6"/>
     <p:sldId id="261" r:id="rId7"/>
     <p:sldId id="260" r:id="rId8"/>
-    <p:sldId id="279" r:id="rId9"/>
-    <p:sldId id="257" r:id="rId10"/>
-    <p:sldId id="281" r:id="rId11"/>
-    <p:sldId id="272" r:id="rId12"/>
-    <p:sldId id="263" r:id="rId13"/>
-    <p:sldId id="280" r:id="rId14"/>
-    <p:sldId id="265" r:id="rId15"/>
-    <p:sldId id="278" r:id="rId16"/>
-    <p:sldId id="276" r:id="rId17"/>
-    <p:sldId id="266" r:id="rId18"/>
-    <p:sldId id="277" r:id="rId19"/>
-    <p:sldId id="268" r:id="rId20"/>
-    <p:sldId id="273" r:id="rId21"/>
-    <p:sldId id="270" r:id="rId22"/>
-    <p:sldId id="271" r:id="rId23"/>
-    <p:sldId id="274" r:id="rId24"/>
-    <p:sldId id="269" r:id="rId25"/>
-    <p:sldId id="275" r:id="rId26"/>
-    <p:sldId id="282" r:id="rId27"/>
+    <p:sldId id="283" r:id="rId9"/>
+    <p:sldId id="279" r:id="rId10"/>
+    <p:sldId id="257" r:id="rId11"/>
+    <p:sldId id="281" r:id="rId12"/>
+    <p:sldId id="272" r:id="rId13"/>
+    <p:sldId id="263" r:id="rId14"/>
+    <p:sldId id="280" r:id="rId15"/>
+    <p:sldId id="265" r:id="rId16"/>
+    <p:sldId id="278" r:id="rId17"/>
+    <p:sldId id="276" r:id="rId18"/>
+    <p:sldId id="266" r:id="rId19"/>
+    <p:sldId id="277" r:id="rId20"/>
+    <p:sldId id="268" r:id="rId21"/>
+    <p:sldId id="273" r:id="rId22"/>
+    <p:sldId id="270" r:id="rId23"/>
+    <p:sldId id="271" r:id="rId24"/>
+    <p:sldId id="274" r:id="rId25"/>
+    <p:sldId id="269" r:id="rId26"/>
+    <p:sldId id="275" r:id="rId27"/>
+    <p:sldId id="282" r:id="rId28"/>
   </p:sldIdLst>
   <p:sldSz cx="9144000" cy="6858000" type="screen4x3"/>
   <p:notesSz cx="6858000" cy="9144000"/>
@@ -791,7 +792,7 @@
             <a:fld id="{13A4C0D1-050B-4459-A1B1-D5057F7539AA}" type="datetimeFigureOut">
               <a:rPr lang="pt-BR" smtClean="0"/>
               <a:pPr/>
-              <a:t>10/11/2013</a:t>
+              <a:t>11/11/2013</a:t>
             </a:fld>
             <a:endParaRPr lang="pt-BR"/>
           </a:p>
@@ -1055,7 +1056,7 @@
             <a:fld id="{13A4C0D1-050B-4459-A1B1-D5057F7539AA}" type="datetimeFigureOut">
               <a:rPr lang="pt-BR" smtClean="0"/>
               <a:pPr/>
-              <a:t>10/11/2013</a:t>
+              <a:t>11/11/2013</a:t>
             </a:fld>
             <a:endParaRPr lang="pt-BR"/>
           </a:p>
@@ -1222,7 +1223,7 @@
             <a:fld id="{13A4C0D1-050B-4459-A1B1-D5057F7539AA}" type="datetimeFigureOut">
               <a:rPr lang="pt-BR" smtClean="0"/>
               <a:pPr/>
-              <a:t>10/11/2013</a:t>
+              <a:t>11/11/2013</a:t>
             </a:fld>
             <a:endParaRPr lang="pt-BR"/>
           </a:p>
@@ -1399,7 +1400,7 @@
             <a:fld id="{13A4C0D1-050B-4459-A1B1-D5057F7539AA}" type="datetimeFigureOut">
               <a:rPr lang="pt-BR" smtClean="0"/>
               <a:pPr/>
-              <a:t>10/11/2013</a:t>
+              <a:t>11/11/2013</a:t>
             </a:fld>
             <a:endParaRPr lang="pt-BR"/>
           </a:p>
@@ -1581,7 +1582,7 @@
             <a:fld id="{13A4C0D1-050B-4459-A1B1-D5057F7539AA}" type="datetimeFigureOut">
               <a:rPr lang="pt-BR" smtClean="0"/>
               <a:pPr/>
-              <a:t>10/11/2013</a:t>
+              <a:t>11/11/2013</a:t>
             </a:fld>
             <a:endParaRPr lang="pt-BR" dirty="0"/>
           </a:p>
@@ -1809,7 +1810,7 @@
             <a:fld id="{13A4C0D1-050B-4459-A1B1-D5057F7539AA}" type="datetimeFigureOut">
               <a:rPr lang="pt-BR" smtClean="0"/>
               <a:pPr/>
-              <a:t>10/11/2013</a:t>
+              <a:t>11/11/2013</a:t>
             </a:fld>
             <a:endParaRPr lang="pt-BR"/>
           </a:p>
@@ -2070,7 +2071,7 @@
             <a:fld id="{13A4C0D1-050B-4459-A1B1-D5057F7539AA}" type="datetimeFigureOut">
               <a:rPr lang="pt-BR" smtClean="0"/>
               <a:pPr/>
-              <a:t>10/11/2013</a:t>
+              <a:t>11/11/2013</a:t>
             </a:fld>
             <a:endParaRPr lang="pt-BR"/>
           </a:p>
@@ -2508,7 +2509,7 @@
             <a:fld id="{13A4C0D1-050B-4459-A1B1-D5057F7539AA}" type="datetimeFigureOut">
               <a:rPr lang="pt-BR" smtClean="0"/>
               <a:pPr/>
-              <a:t>10/11/2013</a:t>
+              <a:t>11/11/2013</a:t>
             </a:fld>
             <a:endParaRPr lang="pt-BR"/>
           </a:p>
@@ -2951,7 +2952,7 @@
             <a:fld id="{13A4C0D1-050B-4459-A1B1-D5057F7539AA}" type="datetimeFigureOut">
               <a:rPr lang="pt-BR" smtClean="0"/>
               <a:pPr/>
-              <a:t>10/11/2013</a:t>
+              <a:t>11/11/2013</a:t>
             </a:fld>
             <a:endParaRPr lang="pt-BR"/>
           </a:p>
@@ -3089,7 +3090,7 @@
             <a:fld id="{13A4C0D1-050B-4459-A1B1-D5057F7539AA}" type="datetimeFigureOut">
               <a:rPr lang="pt-BR" smtClean="0"/>
               <a:pPr/>
-              <a:t>10/11/2013</a:t>
+              <a:t>11/11/2013</a:t>
             </a:fld>
             <a:endParaRPr lang="pt-BR"/>
           </a:p>
@@ -3191,7 +3192,7 @@
             <a:fld id="{13A4C0D1-050B-4459-A1B1-D5057F7539AA}" type="datetimeFigureOut">
               <a:rPr lang="pt-BR" smtClean="0"/>
               <a:pPr/>
-              <a:t>10/11/2013</a:t>
+              <a:t>11/11/2013</a:t>
             </a:fld>
             <a:endParaRPr lang="pt-BR"/>
           </a:p>
@@ -3438,7 +3439,7 @@
             <a:fld id="{13A4C0D1-050B-4459-A1B1-D5057F7539AA}" type="datetimeFigureOut">
               <a:rPr lang="pt-BR" smtClean="0"/>
               <a:pPr/>
-              <a:t>10/11/2013</a:t>
+              <a:t>11/11/2013</a:t>
             </a:fld>
             <a:endParaRPr lang="pt-BR"/>
           </a:p>
@@ -4276,7 +4277,7 @@
             <a:fld id="{13A4C0D1-050B-4459-A1B1-D5057F7539AA}" type="datetimeFigureOut">
               <a:rPr lang="pt-BR" smtClean="0"/>
               <a:pPr/>
-              <a:t>10/11/2013</a:t>
+              <a:t>11/11/2013</a:t>
             </a:fld>
             <a:endParaRPr lang="pt-BR"/>
           </a:p>
@@ -4680,7 +4681,7 @@
         </p:nvSpPr>
         <p:spPr>
           <a:xfrm>
-            <a:off x="467544" y="1484784"/>
+            <a:off x="578296" y="1526927"/>
             <a:ext cx="8458200" cy="1470025"/>
           </a:xfrm>
           <a:noFill/>
@@ -4698,41 +4699,7 @@
           </a:bodyPr>
           <a:lstStyle/>
           <a:p>
-            <a:r>
-              <a:rPr lang="en-US" sz="11500" dirty="0" err="1" smtClean="0">
-                <a:effectLst>
-                  <a:outerShdw blurRad="38100" dist="38100" dir="2700000" algn="tl">
-                    <a:srgbClr val="000000">
-                      <a:alpha val="43137"/>
-                    </a:srgbClr>
-                  </a:outerShdw>
-                </a:effectLst>
-              </a:rPr>
-              <a:t>SpecRunner</a:t>
-            </a:r>
-            <a:r>
-              <a:rPr lang="en-US" sz="11500" dirty="0" smtClean="0">
-                <a:effectLst>
-                  <a:outerShdw blurRad="38100" dist="38100" dir="2700000" algn="tl">
-                    <a:srgbClr val="000000">
-                      <a:alpha val="43137"/>
-                    </a:srgbClr>
-                  </a:outerShdw>
-                </a:effectLst>
-              </a:rPr>
-              <a:t/>
-            </a:r>
-            <a:br>
-              <a:rPr lang="en-US" sz="11500" dirty="0" smtClean="0">
-                <a:effectLst>
-                  <a:outerShdw blurRad="38100" dist="38100" dir="2700000" algn="tl">
-                    <a:srgbClr val="000000">
-                      <a:alpha val="43137"/>
-                    </a:srgbClr>
-                  </a:outerShdw>
-                </a:effectLst>
-              </a:rPr>
-            </a:br>
+            <a:pPr algn="r"/>
             <a:r>
               <a:rPr lang="en-US" sz="3200" dirty="0" smtClean="0">
                 <a:effectLst>
@@ -4743,7 +4710,19 @@
                   </a:outerShdw>
                 </a:effectLst>
               </a:rPr>
-              <a:t>(www.specrunner.org)</a:t>
+              <a:t>(</a:t>
+            </a:r>
+            <a:r>
+              <a:rPr lang="en-US" sz="3200" dirty="0" smtClean="0">
+                <a:effectLst>
+                  <a:outerShdw blurRad="38100" dist="38100" dir="2700000" algn="tl">
+                    <a:srgbClr val="000000">
+                      <a:alpha val="43137"/>
+                    </a:srgbClr>
+                  </a:outerShdw>
+                </a:effectLst>
+              </a:rPr>
+              <a:t>www.specrunner.org)</a:t>
             </a:r>
             <a:endParaRPr lang="pt-BR" sz="11500" dirty="0">
               <a:effectLst>
@@ -4795,21 +4774,35 @@
               </a:rPr>
               <a:t>thiago.lvl.santos@gmail.com</a:t>
             </a:r>
-            <a:endParaRPr lang="pt-BR" dirty="0">
-              <a:solidFill>
-                <a:schemeClr val="tx1"/>
-              </a:solidFill>
-              <a:effectLst>
-                <a:outerShdw blurRad="38100" dist="38100" dir="2700000" algn="tl">
-                  <a:srgbClr val="000000">
-                    <a:alpha val="43137"/>
-                  </a:srgbClr>
-                </a:outerShdw>
-              </a:effectLst>
-            </a:endParaRPr>
-          </a:p>
-        </p:txBody>
-      </p:sp>
+          </a:p>
+        </p:txBody>
+      </p:sp>
+      <p:pic>
+        <p:nvPicPr>
+          <p:cNvPr id="2051" name="Picture 3" descr="C:\Java\googlecode\svn\trunk\specrunner-core\logos\specrunner.png"/>
+          <p:cNvPicPr>
+            <a:picLocks noChangeAspect="1" noChangeArrowheads="1"/>
+          </p:cNvPicPr>
+          <p:nvPr/>
+        </p:nvPicPr>
+        <p:blipFill>
+          <a:blip r:embed="rId2" cstate="print"/>
+          <a:srcRect/>
+          <a:stretch>
+            <a:fillRect/>
+          </a:stretch>
+        </p:blipFill>
+        <p:spPr bwMode="auto">
+          <a:xfrm>
+            <a:off x="179512" y="980728"/>
+            <a:ext cx="8784976" cy="1535427"/>
+          </a:xfrm>
+          <a:prstGeom prst="rect">
+            <a:avLst/>
+          </a:prstGeom>
+          <a:noFill/>
+        </p:spPr>
+      </p:pic>
     </p:spTree>
   </p:cSld>
   <p:clrMapOvr>
@@ -4826,6 +4819,1621 @@
 </file>
 
 <file path=ppt/slides/slide10.xml><?xml version="1.0" encoding="utf-8"?>
+<p:sld xmlns:a="http://schemas.openxmlformats.org/drawingml/2006/main" xmlns:r="http://schemas.openxmlformats.org/officeDocument/2006/relationships" xmlns:p="http://schemas.openxmlformats.org/presentationml/2006/main">
+  <p:cSld>
+    <p:spTree>
+      <p:nvGrpSpPr>
+        <p:cNvPr id="1" name=""/>
+        <p:cNvGrpSpPr/>
+        <p:nvPr/>
+      </p:nvGrpSpPr>
+      <p:grpSpPr>
+        <a:xfrm>
+          <a:off x="0" y="0"/>
+          <a:ext cx="0" cy="0"/>
+          <a:chOff x="0" y="0"/>
+          <a:chExt cx="0" cy="0"/>
+        </a:xfrm>
+      </p:grpSpPr>
+      <p:grpSp>
+        <p:nvGrpSpPr>
+          <p:cNvPr id="46" name="Group 45"/>
+          <p:cNvGrpSpPr/>
+          <p:nvPr/>
+        </p:nvGrpSpPr>
+        <p:grpSpPr>
+          <a:xfrm>
+            <a:off x="0" y="5373216"/>
+            <a:ext cx="2433351" cy="1484784"/>
+            <a:chOff x="0" y="5373216"/>
+            <a:chExt cx="2433351" cy="1484784"/>
+          </a:xfrm>
+        </p:grpSpPr>
+        <p:pic>
+          <p:nvPicPr>
+            <p:cNvPr id="17418" name="Picture 10" descr="https://encrypted-tbn0.gstatic.com/images?q=tbn:ANd9GcSPj1ERtARu9klCaeg0udod7PyPKPu1XKC65lALo_JgDBJRu6fr"/>
+            <p:cNvPicPr>
+              <a:picLocks noChangeAspect="1" noChangeArrowheads="1"/>
+            </p:cNvPicPr>
+            <p:nvPr/>
+          </p:nvPicPr>
+          <p:blipFill>
+            <a:blip r:embed="rId2" cstate="print">
+              <a:lum bright="26000" contrast="-27000"/>
+            </a:blip>
+            <a:srcRect/>
+            <a:stretch>
+              <a:fillRect/>
+            </a:stretch>
+          </p:blipFill>
+          <p:spPr bwMode="auto">
+            <a:xfrm>
+              <a:off x="0" y="5373216"/>
+              <a:ext cx="1734627" cy="1484784"/>
+            </a:xfrm>
+            <a:prstGeom prst="rect">
+              <a:avLst/>
+            </a:prstGeom>
+            <a:noFill/>
+          </p:spPr>
+        </p:pic>
+        <p:sp>
+          <p:nvSpPr>
+            <p:cNvPr id="44" name="TextBox 43"/>
+            <p:cNvSpPr txBox="1"/>
+            <p:nvPr/>
+          </p:nvSpPr>
+          <p:spPr>
+            <a:xfrm>
+              <a:off x="1259632" y="6488668"/>
+              <a:ext cx="1173719" cy="369332"/>
+            </a:xfrm>
+            <a:prstGeom prst="rect">
+              <a:avLst/>
+            </a:prstGeom>
+            <a:noFill/>
+          </p:spPr>
+          <p:txBody>
+            <a:bodyPr wrap="none" rtlCol="0">
+              <a:spAutoFit/>
+            </a:bodyPr>
+            <a:lstStyle/>
+            <a:p>
+              <a:r>
+                <a:rPr lang="en-US" dirty="0" smtClean="0"/>
+                <a:t>Black box</a:t>
+              </a:r>
+              <a:endParaRPr lang="pt-BR" dirty="0"/>
+            </a:p>
+          </p:txBody>
+        </p:sp>
+      </p:grpSp>
+      <p:grpSp>
+        <p:nvGrpSpPr>
+          <p:cNvPr id="47" name="Group 46"/>
+          <p:cNvGrpSpPr/>
+          <p:nvPr/>
+        </p:nvGrpSpPr>
+        <p:grpSpPr>
+          <a:xfrm>
+            <a:off x="5868144" y="4375247"/>
+            <a:ext cx="3240360" cy="2482753"/>
+            <a:chOff x="5868144" y="4375247"/>
+            <a:chExt cx="3240360" cy="2482753"/>
+          </a:xfrm>
+        </p:grpSpPr>
+        <p:pic>
+          <p:nvPicPr>
+            <p:cNvPr id="17410" name="Picture 2" descr="https://encrypted-tbn3.gstatic.com/images?q=tbn:ANd9GcSrX44Kq18hNUkLCU6Kzo5223T1IKS5ll9iWALNqSB841_9IVcckQ"/>
+            <p:cNvPicPr>
+              <a:picLocks noChangeAspect="1" noChangeArrowheads="1"/>
+            </p:cNvPicPr>
+            <p:nvPr/>
+          </p:nvPicPr>
+          <p:blipFill>
+            <a:blip r:embed="rId3" cstate="print"/>
+            <a:srcRect/>
+            <a:stretch>
+              <a:fillRect/>
+            </a:stretch>
+          </p:blipFill>
+          <p:spPr bwMode="auto">
+            <a:xfrm>
+              <a:off x="6917276" y="4375247"/>
+              <a:ext cx="2191228" cy="2438129"/>
+            </a:xfrm>
+            <a:prstGeom prst="rect">
+              <a:avLst/>
+            </a:prstGeom>
+            <a:noFill/>
+          </p:spPr>
+        </p:pic>
+        <p:sp>
+          <p:nvSpPr>
+            <p:cNvPr id="45" name="TextBox 44"/>
+            <p:cNvSpPr txBox="1"/>
+            <p:nvPr/>
+          </p:nvSpPr>
+          <p:spPr>
+            <a:xfrm>
+              <a:off x="5868144" y="6488668"/>
+              <a:ext cx="1231427" cy="369332"/>
+            </a:xfrm>
+            <a:prstGeom prst="rect">
+              <a:avLst/>
+            </a:prstGeom>
+            <a:noFill/>
+          </p:spPr>
+          <p:txBody>
+            <a:bodyPr wrap="none" rtlCol="0">
+              <a:spAutoFit/>
+            </a:bodyPr>
+            <a:lstStyle/>
+            <a:p>
+              <a:r>
+                <a:rPr lang="en-US" dirty="0" smtClean="0"/>
+                <a:t>White box</a:t>
+              </a:r>
+              <a:endParaRPr lang="pt-BR" dirty="0"/>
+            </a:p>
+          </p:txBody>
+        </p:sp>
+      </p:grpSp>
+      <p:sp>
+        <p:nvSpPr>
+          <p:cNvPr id="26" name="Rectangle 25"/>
+          <p:cNvSpPr/>
+          <p:nvPr/>
+        </p:nvSpPr>
+        <p:spPr>
+          <a:xfrm>
+            <a:off x="899592" y="2924944"/>
+            <a:ext cx="7272808" cy="1656184"/>
+          </a:xfrm>
+          <a:prstGeom prst="rect">
+            <a:avLst/>
+          </a:prstGeom>
+          <a:solidFill>
+            <a:schemeClr val="accent1">
+              <a:alpha val="26000"/>
+            </a:schemeClr>
+          </a:solidFill>
+          <a:ln>
+            <a:solidFill>
+              <a:schemeClr val="accent1">
+                <a:shade val="50000"/>
+                <a:alpha val="49000"/>
+              </a:schemeClr>
+            </a:solidFill>
+          </a:ln>
+          <a:effectLst>
+            <a:glow rad="139700">
+              <a:schemeClr val="accent2">
+                <a:satMod val="175000"/>
+                <a:alpha val="40000"/>
+              </a:schemeClr>
+            </a:glow>
+            <a:outerShdw blurRad="50800" dist="38100" dir="2700000" algn="tl" rotWithShape="0">
+              <a:prstClr val="black">
+                <a:alpha val="40000"/>
+              </a:prstClr>
+            </a:outerShdw>
+          </a:effectLst>
+        </p:spPr>
+        <p:style>
+          <a:lnRef idx="2">
+            <a:schemeClr val="accent1">
+              <a:shade val="50000"/>
+            </a:schemeClr>
+          </a:lnRef>
+          <a:fillRef idx="1">
+            <a:schemeClr val="accent1"/>
+          </a:fillRef>
+          <a:effectRef idx="0">
+            <a:schemeClr val="accent1"/>
+          </a:effectRef>
+          <a:fontRef idx="minor">
+            <a:schemeClr val="lt1"/>
+          </a:fontRef>
+        </p:style>
+        <p:txBody>
+          <a:bodyPr rtlCol="0" anchor="ctr"/>
+          <a:lstStyle/>
+          <a:p>
+            <a:pPr algn="ctr"/>
+            <a:endParaRPr lang="pt-BR" dirty="0"/>
+          </a:p>
+        </p:txBody>
+      </p:sp>
+      <p:sp>
+        <p:nvSpPr>
+          <p:cNvPr id="2" name="Title 1"/>
+          <p:cNvSpPr>
+            <a:spLocks noGrp="1"/>
+          </p:cNvSpPr>
+          <p:nvPr>
+            <p:ph type="title"/>
+          </p:nvPr>
+        </p:nvSpPr>
+        <p:spPr/>
+        <p:txBody>
+          <a:bodyPr>
+            <a:normAutofit fontScale="90000"/>
+          </a:bodyPr>
+          <a:lstStyle/>
+          <a:p>
+            <a:r>
+              <a:rPr lang="en-US" dirty="0" smtClean="0"/>
+              <a:t>Design – Overview</a:t>
+            </a:r>
+            <a:endParaRPr lang="pt-BR" dirty="0"/>
+          </a:p>
+        </p:txBody>
+      </p:sp>
+      <p:sp>
+        <p:nvSpPr>
+          <p:cNvPr id="7" name="Rectangle 6"/>
+          <p:cNvSpPr/>
+          <p:nvPr/>
+        </p:nvSpPr>
+        <p:spPr>
+          <a:xfrm>
+            <a:off x="1187624" y="3356992"/>
+            <a:ext cx="1584176" cy="792088"/>
+          </a:xfrm>
+          <a:prstGeom prst="rect">
+            <a:avLst/>
+          </a:prstGeom>
+          <a:effectLst>
+            <a:outerShdw blurRad="76200" dir="18900000" sy="23000" kx="-1200000" algn="bl" rotWithShape="0">
+              <a:prstClr val="black">
+                <a:alpha val="20000"/>
+              </a:prstClr>
+            </a:outerShdw>
+          </a:effectLst>
+          <a:scene3d>
+            <a:camera prst="orthographicFront"/>
+            <a:lightRig rig="threePt" dir="t"/>
+          </a:scene3d>
+          <a:sp3d>
+            <a:bevelT/>
+          </a:sp3d>
+        </p:spPr>
+        <p:style>
+          <a:lnRef idx="2">
+            <a:schemeClr val="accent1">
+              <a:shade val="50000"/>
+            </a:schemeClr>
+          </a:lnRef>
+          <a:fillRef idx="1">
+            <a:schemeClr val="accent1"/>
+          </a:fillRef>
+          <a:effectRef idx="0">
+            <a:schemeClr val="accent1"/>
+          </a:effectRef>
+          <a:fontRef idx="minor">
+            <a:schemeClr val="lt1"/>
+          </a:fontRef>
+        </p:style>
+        <p:txBody>
+          <a:bodyPr rtlCol="0" anchor="ctr"/>
+          <a:lstStyle/>
+          <a:p>
+            <a:pPr algn="ctr"/>
+            <a:r>
+              <a:rPr lang="en-US" dirty="0" smtClean="0">
+                <a:effectLst>
+                  <a:outerShdw blurRad="38100" dist="38100" dir="2700000" algn="tl">
+                    <a:srgbClr val="000000">
+                      <a:alpha val="43137"/>
+                    </a:srgbClr>
+                  </a:outerShdw>
+                </a:effectLst>
+              </a:rPr>
+              <a:t>Readers</a:t>
+            </a:r>
+            <a:endParaRPr lang="pt-BR" dirty="0">
+              <a:effectLst>
+                <a:outerShdw blurRad="38100" dist="38100" dir="2700000" algn="tl">
+                  <a:srgbClr val="000000">
+                    <a:alpha val="43137"/>
+                  </a:srgbClr>
+                </a:outerShdw>
+              </a:effectLst>
+            </a:endParaRPr>
+          </a:p>
+        </p:txBody>
+      </p:sp>
+      <p:sp>
+        <p:nvSpPr>
+          <p:cNvPr id="8" name="Rectangle 7"/>
+          <p:cNvSpPr/>
+          <p:nvPr/>
+        </p:nvSpPr>
+        <p:spPr>
+          <a:xfrm>
+            <a:off x="3707904" y="3212976"/>
+            <a:ext cx="1584176" cy="1080120"/>
+          </a:xfrm>
+          <a:prstGeom prst="rect">
+            <a:avLst/>
+          </a:prstGeom>
+          <a:effectLst>
+            <a:outerShdw blurRad="76200" dir="18900000" sy="23000" kx="-1200000" algn="bl" rotWithShape="0">
+              <a:prstClr val="black">
+                <a:alpha val="20000"/>
+              </a:prstClr>
+            </a:outerShdw>
+          </a:effectLst>
+          <a:scene3d>
+            <a:camera prst="orthographicFront"/>
+            <a:lightRig rig="threePt" dir="t"/>
+          </a:scene3d>
+          <a:sp3d>
+            <a:bevelT/>
+          </a:sp3d>
+        </p:spPr>
+        <p:style>
+          <a:lnRef idx="2">
+            <a:schemeClr val="accent1">
+              <a:shade val="50000"/>
+            </a:schemeClr>
+          </a:lnRef>
+          <a:fillRef idx="1">
+            <a:schemeClr val="accent1"/>
+          </a:fillRef>
+          <a:effectRef idx="0">
+            <a:schemeClr val="accent1"/>
+          </a:effectRef>
+          <a:fontRef idx="minor">
+            <a:schemeClr val="lt1"/>
+          </a:fontRef>
+        </p:style>
+        <p:txBody>
+          <a:bodyPr rtlCol="0" anchor="ctr"/>
+          <a:lstStyle/>
+          <a:p>
+            <a:pPr algn="ctr"/>
+            <a:r>
+              <a:rPr lang="en-US" dirty="0" smtClean="0">
+                <a:effectLst>
+                  <a:outerShdw blurRad="38100" dist="38100" dir="2700000" algn="tl">
+                    <a:srgbClr val="000000">
+                      <a:alpha val="43137"/>
+                    </a:srgbClr>
+                  </a:outerShdw>
+                </a:effectLst>
+              </a:rPr>
+              <a:t>Context, Runners &amp; </a:t>
+            </a:r>
+            <a:r>
+              <a:rPr lang="en-US" dirty="0" err="1" smtClean="0">
+                <a:effectLst>
+                  <a:outerShdw blurRad="38100" dist="38100" dir="2700000" algn="tl">
+                    <a:srgbClr val="000000">
+                      <a:alpha val="43137"/>
+                    </a:srgbClr>
+                  </a:outerShdw>
+                </a:effectLst>
+              </a:rPr>
+              <a:t>Plugins</a:t>
+            </a:r>
+            <a:endParaRPr lang="pt-BR" dirty="0">
+              <a:effectLst>
+                <a:outerShdw blurRad="38100" dist="38100" dir="2700000" algn="tl">
+                  <a:srgbClr val="000000">
+                    <a:alpha val="43137"/>
+                  </a:srgbClr>
+                </a:outerShdw>
+              </a:effectLst>
+            </a:endParaRPr>
+          </a:p>
+        </p:txBody>
+      </p:sp>
+      <p:sp>
+        <p:nvSpPr>
+          <p:cNvPr id="9" name="Rectangle 8"/>
+          <p:cNvSpPr/>
+          <p:nvPr/>
+        </p:nvSpPr>
+        <p:spPr>
+          <a:xfrm>
+            <a:off x="6300192" y="3356992"/>
+            <a:ext cx="1584176" cy="792088"/>
+          </a:xfrm>
+          <a:prstGeom prst="rect">
+            <a:avLst/>
+          </a:prstGeom>
+          <a:effectLst>
+            <a:outerShdw blurRad="76200" dir="18900000" sy="23000" kx="-1200000" algn="bl" rotWithShape="0">
+              <a:prstClr val="black">
+                <a:alpha val="20000"/>
+              </a:prstClr>
+            </a:outerShdw>
+          </a:effectLst>
+          <a:scene3d>
+            <a:camera prst="orthographicFront"/>
+            <a:lightRig rig="threePt" dir="t"/>
+          </a:scene3d>
+          <a:sp3d>
+            <a:bevelT/>
+          </a:sp3d>
+        </p:spPr>
+        <p:style>
+          <a:lnRef idx="2">
+            <a:schemeClr val="accent1">
+              <a:shade val="50000"/>
+            </a:schemeClr>
+          </a:lnRef>
+          <a:fillRef idx="1">
+            <a:schemeClr val="accent1"/>
+          </a:fillRef>
+          <a:effectRef idx="0">
+            <a:schemeClr val="accent1"/>
+          </a:effectRef>
+          <a:fontRef idx="minor">
+            <a:schemeClr val="lt1"/>
+          </a:fontRef>
+        </p:style>
+        <p:txBody>
+          <a:bodyPr rtlCol="0" anchor="ctr"/>
+          <a:lstStyle/>
+          <a:p>
+            <a:pPr algn="ctr"/>
+            <a:r>
+              <a:rPr lang="en-US" dirty="0" smtClean="0">
+                <a:effectLst>
+                  <a:outerShdw blurRad="38100" dist="38100" dir="2700000" algn="tl">
+                    <a:srgbClr val="000000">
+                      <a:alpha val="43137"/>
+                    </a:srgbClr>
+                  </a:outerShdw>
+                </a:effectLst>
+              </a:rPr>
+              <a:t>Writers</a:t>
+            </a:r>
+            <a:endParaRPr lang="pt-BR" dirty="0">
+              <a:effectLst>
+                <a:outerShdw blurRad="38100" dist="38100" dir="2700000" algn="tl">
+                  <a:srgbClr val="000000">
+                    <a:alpha val="43137"/>
+                  </a:srgbClr>
+                </a:outerShdw>
+              </a:effectLst>
+            </a:endParaRPr>
+          </a:p>
+        </p:txBody>
+      </p:sp>
+      <p:sp>
+        <p:nvSpPr>
+          <p:cNvPr id="10" name="Rectangle 9"/>
+          <p:cNvSpPr/>
+          <p:nvPr/>
+        </p:nvSpPr>
+        <p:spPr>
+          <a:xfrm>
+            <a:off x="3707904" y="1484784"/>
+            <a:ext cx="1584176" cy="792088"/>
+          </a:xfrm>
+          <a:prstGeom prst="rect">
+            <a:avLst/>
+          </a:prstGeom>
+          <a:solidFill>
+            <a:schemeClr val="tx1">
+              <a:lumMod val="65000"/>
+              <a:lumOff val="35000"/>
+            </a:schemeClr>
+          </a:solidFill>
+          <a:effectLst>
+            <a:outerShdw blurRad="76200" dir="18900000" sy="23000" kx="-1200000" algn="bl" rotWithShape="0">
+              <a:prstClr val="black">
+                <a:alpha val="20000"/>
+              </a:prstClr>
+            </a:outerShdw>
+          </a:effectLst>
+          <a:scene3d>
+            <a:camera prst="orthographicFront"/>
+            <a:lightRig rig="threePt" dir="t"/>
+          </a:scene3d>
+          <a:sp3d>
+            <a:bevelT/>
+          </a:sp3d>
+        </p:spPr>
+        <p:style>
+          <a:lnRef idx="2">
+            <a:schemeClr val="accent1">
+              <a:shade val="50000"/>
+            </a:schemeClr>
+          </a:lnRef>
+          <a:fillRef idx="1">
+            <a:schemeClr val="accent1"/>
+          </a:fillRef>
+          <a:effectRef idx="0">
+            <a:schemeClr val="accent1"/>
+          </a:effectRef>
+          <a:fontRef idx="minor">
+            <a:schemeClr val="lt1"/>
+          </a:fontRef>
+        </p:style>
+        <p:txBody>
+          <a:bodyPr rtlCol="0" anchor="ctr"/>
+          <a:lstStyle/>
+          <a:p>
+            <a:pPr algn="ctr"/>
+            <a:r>
+              <a:rPr lang="en-US" dirty="0" smtClean="0">
+                <a:effectLst>
+                  <a:outerShdw blurRad="38100" dist="38100" dir="2700000" algn="tl">
+                    <a:srgbClr val="000000">
+                      <a:alpha val="43137"/>
+                    </a:srgbClr>
+                  </a:outerShdw>
+                </a:effectLst>
+              </a:rPr>
+              <a:t>Test</a:t>
+            </a:r>
+            <a:endParaRPr lang="pt-BR" dirty="0" smtClean="0">
+              <a:effectLst>
+                <a:outerShdw blurRad="38100" dist="38100" dir="2700000" algn="tl">
+                  <a:srgbClr val="000000">
+                    <a:alpha val="43137"/>
+                  </a:srgbClr>
+                </a:outerShdw>
+              </a:effectLst>
+            </a:endParaRPr>
+          </a:p>
+        </p:txBody>
+      </p:sp>
+      <p:cxnSp>
+        <p:nvCxnSpPr>
+          <p:cNvPr id="12" name="Curved Connector 11"/>
+          <p:cNvCxnSpPr>
+            <a:stCxn id="10" idx="1"/>
+            <a:endCxn id="7" idx="1"/>
+          </p:cNvCxnSpPr>
+          <p:nvPr/>
+        </p:nvCxnSpPr>
+        <p:spPr>
+          <a:xfrm rot="10800000" flipV="1">
+            <a:off x="1187624" y="1880828"/>
+            <a:ext cx="2520280" cy="1872208"/>
+          </a:xfrm>
+          <a:prstGeom prst="curvedConnector3">
+            <a:avLst>
+              <a:gd name="adj1" fmla="val 109070"/>
+            </a:avLst>
+          </a:prstGeom>
+          <a:ln w="25400">
+            <a:solidFill>
+              <a:schemeClr val="bg2">
+                <a:lumMod val="25000"/>
+              </a:schemeClr>
+            </a:solidFill>
+            <a:headEnd type="oval"/>
+            <a:tailEnd type="triangle" w="lg" len="lg"/>
+          </a:ln>
+        </p:spPr>
+        <p:style>
+          <a:lnRef idx="1">
+            <a:schemeClr val="accent1"/>
+          </a:lnRef>
+          <a:fillRef idx="0">
+            <a:schemeClr val="accent1"/>
+          </a:fillRef>
+          <a:effectRef idx="0">
+            <a:schemeClr val="accent1"/>
+          </a:effectRef>
+          <a:fontRef idx="minor">
+            <a:schemeClr val="tx1"/>
+          </a:fontRef>
+        </p:style>
+      </p:cxnSp>
+      <p:cxnSp>
+        <p:nvCxnSpPr>
+          <p:cNvPr id="15" name="Straight Arrow Connector 14"/>
+          <p:cNvCxnSpPr>
+            <a:stCxn id="7" idx="3"/>
+            <a:endCxn id="8" idx="1"/>
+          </p:cNvCxnSpPr>
+          <p:nvPr/>
+        </p:nvCxnSpPr>
+        <p:spPr>
+          <a:xfrm>
+            <a:off x="2771800" y="3753036"/>
+            <a:ext cx="936104" cy="0"/>
+          </a:xfrm>
+          <a:prstGeom prst="straightConnector1">
+            <a:avLst/>
+          </a:prstGeom>
+          <a:ln w="25400">
+            <a:solidFill>
+              <a:schemeClr val="bg2">
+                <a:lumMod val="25000"/>
+              </a:schemeClr>
+            </a:solidFill>
+            <a:headEnd type="oval"/>
+            <a:tailEnd type="triangle" w="lg" len="lg"/>
+          </a:ln>
+        </p:spPr>
+        <p:style>
+          <a:lnRef idx="1">
+            <a:schemeClr val="accent1"/>
+          </a:lnRef>
+          <a:fillRef idx="0">
+            <a:schemeClr val="accent1"/>
+          </a:fillRef>
+          <a:effectRef idx="0">
+            <a:schemeClr val="accent1"/>
+          </a:effectRef>
+          <a:fontRef idx="minor">
+            <a:schemeClr val="tx1"/>
+          </a:fontRef>
+        </p:style>
+      </p:cxnSp>
+      <p:cxnSp>
+        <p:nvCxnSpPr>
+          <p:cNvPr id="18" name="Straight Arrow Connector 17"/>
+          <p:cNvCxnSpPr>
+            <a:stCxn id="8" idx="3"/>
+            <a:endCxn id="9" idx="1"/>
+          </p:cNvCxnSpPr>
+          <p:nvPr/>
+        </p:nvCxnSpPr>
+        <p:spPr>
+          <a:xfrm>
+            <a:off x="5292080" y="3753036"/>
+            <a:ext cx="1008112" cy="0"/>
+          </a:xfrm>
+          <a:prstGeom prst="straightConnector1">
+            <a:avLst/>
+          </a:prstGeom>
+          <a:ln w="25400">
+            <a:solidFill>
+              <a:schemeClr val="bg2">
+                <a:lumMod val="25000"/>
+              </a:schemeClr>
+            </a:solidFill>
+            <a:headEnd type="oval"/>
+            <a:tailEnd type="triangle" w="lg" len="lg"/>
+          </a:ln>
+        </p:spPr>
+        <p:style>
+          <a:lnRef idx="1">
+            <a:schemeClr val="accent1"/>
+          </a:lnRef>
+          <a:fillRef idx="0">
+            <a:schemeClr val="accent1"/>
+          </a:fillRef>
+          <a:effectRef idx="0">
+            <a:schemeClr val="accent1"/>
+          </a:effectRef>
+          <a:fontRef idx="minor">
+            <a:schemeClr val="tx1"/>
+          </a:fontRef>
+        </p:style>
+      </p:cxnSp>
+      <p:cxnSp>
+        <p:nvCxnSpPr>
+          <p:cNvPr id="24" name="Curved Connector 23"/>
+          <p:cNvCxnSpPr>
+            <a:stCxn id="9" idx="3"/>
+            <a:endCxn id="10" idx="3"/>
+          </p:cNvCxnSpPr>
+          <p:nvPr/>
+        </p:nvCxnSpPr>
+        <p:spPr>
+          <a:xfrm flipH="1" flipV="1">
+            <a:off x="5292080" y="1880828"/>
+            <a:ext cx="2592288" cy="1872208"/>
+          </a:xfrm>
+          <a:prstGeom prst="curvedConnector3">
+            <a:avLst>
+              <a:gd name="adj1" fmla="val -8818"/>
+            </a:avLst>
+          </a:prstGeom>
+          <a:ln w="25400">
+            <a:solidFill>
+              <a:schemeClr val="bg2">
+                <a:lumMod val="25000"/>
+              </a:schemeClr>
+            </a:solidFill>
+            <a:headEnd type="oval"/>
+            <a:tailEnd type="triangle" w="lg" len="lg"/>
+          </a:ln>
+        </p:spPr>
+        <p:style>
+          <a:lnRef idx="1">
+            <a:schemeClr val="accent1"/>
+          </a:lnRef>
+          <a:fillRef idx="0">
+            <a:schemeClr val="accent1"/>
+          </a:fillRef>
+          <a:effectRef idx="0">
+            <a:schemeClr val="accent1"/>
+          </a:effectRef>
+          <a:fontRef idx="minor">
+            <a:schemeClr val="tx1"/>
+          </a:fontRef>
+        </p:style>
+      </p:cxnSp>
+      <p:sp>
+        <p:nvSpPr>
+          <p:cNvPr id="29" name="Rectangle 28"/>
+          <p:cNvSpPr/>
+          <p:nvPr/>
+        </p:nvSpPr>
+        <p:spPr>
+          <a:xfrm>
+            <a:off x="3707904" y="5373216"/>
+            <a:ext cx="1584176" cy="792088"/>
+          </a:xfrm>
+          <a:prstGeom prst="rect">
+            <a:avLst/>
+          </a:prstGeom>
+          <a:solidFill>
+            <a:schemeClr val="accent2"/>
+          </a:solidFill>
+          <a:effectLst>
+            <a:outerShdw blurRad="76200" dir="18900000" sy="23000" kx="-1200000" algn="bl" rotWithShape="0">
+              <a:prstClr val="black">
+                <a:alpha val="20000"/>
+              </a:prstClr>
+            </a:outerShdw>
+          </a:effectLst>
+          <a:scene3d>
+            <a:camera prst="orthographicFront"/>
+            <a:lightRig rig="threePt" dir="t"/>
+          </a:scene3d>
+          <a:sp3d>
+            <a:bevelT/>
+          </a:sp3d>
+        </p:spPr>
+        <p:style>
+          <a:lnRef idx="2">
+            <a:schemeClr val="accent1">
+              <a:shade val="50000"/>
+            </a:schemeClr>
+          </a:lnRef>
+          <a:fillRef idx="1">
+            <a:schemeClr val="accent1"/>
+          </a:fillRef>
+          <a:effectRef idx="0">
+            <a:schemeClr val="accent1"/>
+          </a:effectRef>
+          <a:fontRef idx="minor">
+            <a:schemeClr val="lt1"/>
+          </a:fontRef>
+        </p:style>
+        <p:txBody>
+          <a:bodyPr rtlCol="0" anchor="ctr"/>
+          <a:lstStyle/>
+          <a:p>
+            <a:pPr algn="ctr"/>
+            <a:r>
+              <a:rPr lang="en-US" dirty="0" smtClean="0">
+                <a:effectLst>
+                  <a:outerShdw blurRad="38100" dist="38100" dir="2700000" algn="tl">
+                    <a:srgbClr val="000000">
+                      <a:alpha val="43137"/>
+                    </a:srgbClr>
+                  </a:outerShdw>
+                </a:effectLst>
+              </a:rPr>
+              <a:t>SUT</a:t>
+            </a:r>
+            <a:endParaRPr lang="pt-BR" dirty="0" smtClean="0">
+              <a:effectLst>
+                <a:outerShdw blurRad="38100" dist="38100" dir="2700000" algn="tl">
+                  <a:srgbClr val="000000">
+                    <a:alpha val="43137"/>
+                  </a:srgbClr>
+                </a:outerShdw>
+              </a:effectLst>
+            </a:endParaRPr>
+          </a:p>
+        </p:txBody>
+      </p:sp>
+      <p:cxnSp>
+        <p:nvCxnSpPr>
+          <p:cNvPr id="31" name="Curved Connector 30"/>
+          <p:cNvCxnSpPr>
+            <a:stCxn id="8" idx="2"/>
+            <a:endCxn id="29" idx="1"/>
+          </p:cNvCxnSpPr>
+          <p:nvPr/>
+        </p:nvCxnSpPr>
+        <p:spPr>
+          <a:xfrm rot="5400000">
+            <a:off x="3365866" y="4635134"/>
+            <a:ext cx="1476164" cy="792088"/>
+          </a:xfrm>
+          <a:prstGeom prst="curvedConnector4">
+            <a:avLst>
+              <a:gd name="adj1" fmla="val 36585"/>
+              <a:gd name="adj2" fmla="val 128860"/>
+            </a:avLst>
+          </a:prstGeom>
+          <a:ln w="25400">
+            <a:solidFill>
+              <a:schemeClr val="bg2">
+                <a:lumMod val="25000"/>
+              </a:schemeClr>
+            </a:solidFill>
+            <a:headEnd type="oval"/>
+            <a:tailEnd type="triangle" w="lg" len="lg"/>
+          </a:ln>
+        </p:spPr>
+        <p:style>
+          <a:lnRef idx="1">
+            <a:schemeClr val="accent1"/>
+          </a:lnRef>
+          <a:fillRef idx="0">
+            <a:schemeClr val="accent1"/>
+          </a:fillRef>
+          <a:effectRef idx="0">
+            <a:schemeClr val="accent1"/>
+          </a:effectRef>
+          <a:fontRef idx="minor">
+            <a:schemeClr val="tx1"/>
+          </a:fontRef>
+        </p:style>
+      </p:cxnSp>
+      <p:cxnSp>
+        <p:nvCxnSpPr>
+          <p:cNvPr id="34" name="Curved Connector 33"/>
+          <p:cNvCxnSpPr>
+            <a:stCxn id="29" idx="3"/>
+            <a:endCxn id="8" idx="2"/>
+          </p:cNvCxnSpPr>
+          <p:nvPr/>
+        </p:nvCxnSpPr>
+        <p:spPr>
+          <a:xfrm flipH="1" flipV="1">
+            <a:off x="4499992" y="4293096"/>
+            <a:ext cx="792088" cy="1476164"/>
+          </a:xfrm>
+          <a:prstGeom prst="curvedConnector4">
+            <a:avLst>
+              <a:gd name="adj1" fmla="val -28860"/>
+              <a:gd name="adj2" fmla="val 63415"/>
+            </a:avLst>
+          </a:prstGeom>
+          <a:ln w="25400">
+            <a:solidFill>
+              <a:schemeClr val="bg2">
+                <a:lumMod val="25000"/>
+              </a:schemeClr>
+            </a:solidFill>
+            <a:headEnd type="oval"/>
+            <a:tailEnd type="triangle" w="lg" len="lg"/>
+          </a:ln>
+        </p:spPr>
+        <p:style>
+          <a:lnRef idx="1">
+            <a:schemeClr val="accent1"/>
+          </a:lnRef>
+          <a:fillRef idx="0">
+            <a:schemeClr val="accent1"/>
+          </a:fillRef>
+          <a:effectRef idx="0">
+            <a:schemeClr val="accent1"/>
+          </a:effectRef>
+          <a:fontRef idx="minor">
+            <a:schemeClr val="tx1"/>
+          </a:fontRef>
+        </p:style>
+      </p:cxnSp>
+      <p:sp>
+        <p:nvSpPr>
+          <p:cNvPr id="38" name="TextBox 37"/>
+          <p:cNvSpPr txBox="1"/>
+          <p:nvPr/>
+        </p:nvSpPr>
+        <p:spPr>
+          <a:xfrm>
+            <a:off x="6557160" y="4248384"/>
+            <a:ext cx="1649811" cy="369332"/>
+          </a:xfrm>
+          <a:prstGeom prst="rect">
+            <a:avLst/>
+          </a:prstGeom>
+          <a:noFill/>
+        </p:spPr>
+        <p:txBody>
+          <a:bodyPr wrap="none" rtlCol="0">
+            <a:spAutoFit/>
+          </a:bodyPr>
+          <a:lstStyle/>
+          <a:p>
+            <a:r>
+              <a:rPr lang="en-US" b="1" dirty="0" err="1" smtClean="0">
+                <a:solidFill>
+                  <a:schemeClr val="bg1"/>
+                </a:solidFill>
+                <a:effectLst>
+                  <a:outerShdw blurRad="38100" dist="38100" dir="2700000" algn="tl">
+                    <a:srgbClr val="000000">
+                      <a:alpha val="43137"/>
+                    </a:srgbClr>
+                  </a:outerShdw>
+                </a:effectLst>
+              </a:rPr>
+              <a:t>SpecRunner</a:t>
+            </a:r>
+            <a:endParaRPr lang="pt-BR" b="1" dirty="0">
+              <a:solidFill>
+                <a:schemeClr val="bg1"/>
+              </a:solidFill>
+              <a:effectLst>
+                <a:outerShdw blurRad="38100" dist="38100" dir="2700000" algn="tl">
+                  <a:srgbClr val="000000">
+                    <a:alpha val="43137"/>
+                  </a:srgbClr>
+                </a:outerShdw>
+              </a:effectLst>
+            </a:endParaRPr>
+          </a:p>
+        </p:txBody>
+      </p:sp>
+      <p:cxnSp>
+        <p:nvCxnSpPr>
+          <p:cNvPr id="52" name="Curved Connector 51"/>
+          <p:cNvCxnSpPr>
+            <a:stCxn id="10" idx="0"/>
+            <a:endCxn id="29" idx="2"/>
+          </p:cNvCxnSpPr>
+          <p:nvPr/>
+        </p:nvCxnSpPr>
+        <p:spPr>
+          <a:xfrm rot="16200000" flipH="1">
+            <a:off x="2159732" y="3825044"/>
+            <a:ext cx="4680520" cy="12700"/>
+          </a:xfrm>
+          <a:prstGeom prst="curvedConnector5">
+            <a:avLst>
+              <a:gd name="adj1" fmla="val -4884"/>
+              <a:gd name="adj2" fmla="val 31786167"/>
+              <a:gd name="adj3" fmla="val 104884"/>
+            </a:avLst>
+          </a:prstGeom>
+          <a:ln w="25400">
+            <a:solidFill>
+              <a:schemeClr val="accent4">
+                <a:lumMod val="75000"/>
+              </a:schemeClr>
+            </a:solidFill>
+            <a:prstDash val="sysDot"/>
+            <a:headEnd type="triangle" w="lg" len="lg"/>
+            <a:tailEnd type="oval" w="med" len="med"/>
+          </a:ln>
+        </p:spPr>
+        <p:style>
+          <a:lnRef idx="1">
+            <a:schemeClr val="accent1"/>
+          </a:lnRef>
+          <a:fillRef idx="0">
+            <a:schemeClr val="accent1"/>
+          </a:fillRef>
+          <a:effectRef idx="0">
+            <a:schemeClr val="accent1"/>
+          </a:effectRef>
+          <a:fontRef idx="minor">
+            <a:schemeClr val="tx1"/>
+          </a:fontRef>
+        </p:style>
+      </p:cxnSp>
+      <p:cxnSp>
+        <p:nvCxnSpPr>
+          <p:cNvPr id="67" name="Curved Connector 51"/>
+          <p:cNvCxnSpPr>
+            <a:stCxn id="10" idx="0"/>
+            <a:endCxn id="29" idx="2"/>
+          </p:cNvCxnSpPr>
+          <p:nvPr/>
+        </p:nvCxnSpPr>
+        <p:spPr>
+          <a:xfrm rot="16200000" flipH="1">
+            <a:off x="2159732" y="3825044"/>
+            <a:ext cx="4680520" cy="12700"/>
+          </a:xfrm>
+          <a:prstGeom prst="curvedConnector5">
+            <a:avLst>
+              <a:gd name="adj1" fmla="val -4884"/>
+              <a:gd name="adj2" fmla="val -31079514"/>
+              <a:gd name="adj3" fmla="val 104884"/>
+            </a:avLst>
+          </a:prstGeom>
+          <a:ln w="25400">
+            <a:solidFill>
+              <a:schemeClr val="accent4">
+                <a:lumMod val="75000"/>
+              </a:schemeClr>
+            </a:solidFill>
+            <a:prstDash val="sysDot"/>
+            <a:headEnd type="oval"/>
+            <a:tailEnd type="triangle" w="lg" len="lg"/>
+          </a:ln>
+        </p:spPr>
+        <p:style>
+          <a:lnRef idx="1">
+            <a:schemeClr val="accent1"/>
+          </a:lnRef>
+          <a:fillRef idx="0">
+            <a:schemeClr val="accent1"/>
+          </a:fillRef>
+          <a:effectRef idx="0">
+            <a:schemeClr val="accent1"/>
+          </a:effectRef>
+          <a:fontRef idx="minor">
+            <a:schemeClr val="tx1"/>
+          </a:fontRef>
+        </p:style>
+      </p:cxnSp>
+      <p:sp>
+        <p:nvSpPr>
+          <p:cNvPr id="23" name="TextBox 22"/>
+          <p:cNvSpPr txBox="1"/>
+          <p:nvPr/>
+        </p:nvSpPr>
+        <p:spPr>
+          <a:xfrm>
+            <a:off x="1763688" y="2132856"/>
+            <a:ext cx="1423788" cy="369332"/>
+          </a:xfrm>
+          <a:prstGeom prst="rect">
+            <a:avLst/>
+          </a:prstGeom>
+          <a:noFill/>
+        </p:spPr>
+        <p:txBody>
+          <a:bodyPr wrap="none" rtlCol="0">
+            <a:spAutoFit/>
+          </a:bodyPr>
+          <a:lstStyle/>
+          <a:p>
+            <a:r>
+              <a:rPr lang="en-US" dirty="0" smtClean="0"/>
+              <a:t>1. Reference</a:t>
+            </a:r>
+            <a:endParaRPr lang="pt-BR" dirty="0"/>
+          </a:p>
+        </p:txBody>
+      </p:sp>
+      <p:sp>
+        <p:nvSpPr>
+          <p:cNvPr id="25" name="TextBox 24"/>
+          <p:cNvSpPr txBox="1"/>
+          <p:nvPr/>
+        </p:nvSpPr>
+        <p:spPr>
+          <a:xfrm>
+            <a:off x="2771800" y="3356992"/>
+            <a:ext cx="893193" cy="369332"/>
+          </a:xfrm>
+          <a:prstGeom prst="rect">
+            <a:avLst/>
+          </a:prstGeom>
+          <a:noFill/>
+        </p:spPr>
+        <p:txBody>
+          <a:bodyPr wrap="none" rtlCol="0">
+            <a:spAutoFit/>
+          </a:bodyPr>
+          <a:lstStyle/>
+          <a:p>
+            <a:r>
+              <a:rPr lang="en-US" dirty="0" smtClean="0"/>
+              <a:t>2. Tree</a:t>
+            </a:r>
+            <a:endParaRPr lang="pt-BR" dirty="0"/>
+          </a:p>
+        </p:txBody>
+      </p:sp>
+      <p:sp>
+        <p:nvSpPr>
+          <p:cNvPr id="27" name="TextBox 26"/>
+          <p:cNvSpPr txBox="1"/>
+          <p:nvPr/>
+        </p:nvSpPr>
+        <p:spPr>
+          <a:xfrm>
+            <a:off x="5364088" y="3356992"/>
+            <a:ext cx="803425" cy="369332"/>
+          </a:xfrm>
+          <a:prstGeom prst="rect">
+            <a:avLst/>
+          </a:prstGeom>
+          <a:noFill/>
+        </p:spPr>
+        <p:txBody>
+          <a:bodyPr wrap="none" rtlCol="0">
+            <a:spAutoFit/>
+          </a:bodyPr>
+          <a:lstStyle/>
+          <a:p>
+            <a:r>
+              <a:rPr lang="en-US" dirty="0" smtClean="0"/>
+              <a:t>5. Res</a:t>
+            </a:r>
+            <a:endParaRPr lang="pt-BR" dirty="0"/>
+          </a:p>
+        </p:txBody>
+      </p:sp>
+      <p:sp>
+        <p:nvSpPr>
+          <p:cNvPr id="28" name="TextBox 27"/>
+          <p:cNvSpPr txBox="1"/>
+          <p:nvPr/>
+        </p:nvSpPr>
+        <p:spPr>
+          <a:xfrm>
+            <a:off x="6228184" y="2132856"/>
+            <a:ext cx="1138453" cy="369332"/>
+          </a:xfrm>
+          <a:prstGeom prst="rect">
+            <a:avLst/>
+          </a:prstGeom>
+          <a:noFill/>
+        </p:spPr>
+        <p:txBody>
+          <a:bodyPr wrap="none" rtlCol="0">
+            <a:spAutoFit/>
+          </a:bodyPr>
+          <a:lstStyle/>
+          <a:p>
+            <a:r>
+              <a:rPr lang="en-US" dirty="0" smtClean="0"/>
+              <a:t>6. Report</a:t>
+            </a:r>
+            <a:endParaRPr lang="pt-BR" dirty="0"/>
+          </a:p>
+        </p:txBody>
+      </p:sp>
+      <p:sp>
+        <p:nvSpPr>
+          <p:cNvPr id="30" name="TextBox 29"/>
+          <p:cNvSpPr txBox="1"/>
+          <p:nvPr/>
+        </p:nvSpPr>
+        <p:spPr>
+          <a:xfrm>
+            <a:off x="2411760" y="4941168"/>
+            <a:ext cx="1132041" cy="369332"/>
+          </a:xfrm>
+          <a:prstGeom prst="rect">
+            <a:avLst/>
+          </a:prstGeom>
+          <a:noFill/>
+        </p:spPr>
+        <p:txBody>
+          <a:bodyPr wrap="none" rtlCol="0">
+            <a:spAutoFit/>
+          </a:bodyPr>
+          <a:lstStyle/>
+          <a:p>
+            <a:r>
+              <a:rPr lang="en-US" dirty="0" smtClean="0"/>
+              <a:t>3. Invoke</a:t>
+            </a:r>
+            <a:endParaRPr lang="pt-BR" dirty="0"/>
+          </a:p>
+        </p:txBody>
+      </p:sp>
+      <p:sp>
+        <p:nvSpPr>
+          <p:cNvPr id="32" name="TextBox 31"/>
+          <p:cNvSpPr txBox="1"/>
+          <p:nvPr/>
+        </p:nvSpPr>
+        <p:spPr>
+          <a:xfrm>
+            <a:off x="5508104" y="4931876"/>
+            <a:ext cx="1005403" cy="369332"/>
+          </a:xfrm>
+          <a:prstGeom prst="rect">
+            <a:avLst/>
+          </a:prstGeom>
+          <a:noFill/>
+        </p:spPr>
+        <p:txBody>
+          <a:bodyPr wrap="none" rtlCol="0">
+            <a:spAutoFit/>
+          </a:bodyPr>
+          <a:lstStyle/>
+          <a:p>
+            <a:r>
+              <a:rPr lang="en-US" dirty="0" smtClean="0"/>
+              <a:t>4. React</a:t>
+            </a:r>
+            <a:endParaRPr lang="pt-BR" dirty="0"/>
+          </a:p>
+        </p:txBody>
+      </p:sp>
+    </p:spTree>
+  </p:cSld>
+  <p:clrMapOvr>
+    <a:masterClrMapping/>
+  </p:clrMapOvr>
+  <p:timing>
+    <p:tnLst>
+      <p:par>
+        <p:cTn id="1" dur="indefinite" restart="never" nodeType="tmRoot">
+          <p:childTnLst>
+            <p:seq concurrent="1" nextAc="seek">
+              <p:cTn id="2" dur="indefinite" nodeType="mainSeq">
+                <p:childTnLst>
+                  <p:par>
+                    <p:cTn id="3" fill="hold">
+                      <p:stCondLst>
+                        <p:cond delay="indefinite"/>
+                      </p:stCondLst>
+                      <p:childTnLst>
+                        <p:par>
+                          <p:cTn id="4" fill="hold">
+                            <p:stCondLst>
+                              <p:cond delay="0"/>
+                            </p:stCondLst>
+                            <p:childTnLst>
+                              <p:par>
+                                <p:cTn id="5" presetID="2" presetClass="entr" presetSubtype="8" fill="hold" nodeType="clickEffect">
+                                  <p:stCondLst>
+                                    <p:cond delay="0"/>
+                                  </p:stCondLst>
+                                  <p:childTnLst>
+                                    <p:set>
+                                      <p:cBhvr>
+                                        <p:cTn id="6" dur="1" fill="hold">
+                                          <p:stCondLst>
+                                            <p:cond delay="0"/>
+                                          </p:stCondLst>
+                                        </p:cTn>
+                                        <p:tgtEl>
+                                          <p:spTgt spid="67"/>
+                                        </p:tgtEl>
+                                        <p:attrNameLst>
+                                          <p:attrName>style.visibility</p:attrName>
+                                        </p:attrNameLst>
+                                      </p:cBhvr>
+                                      <p:to>
+                                        <p:strVal val="visible"/>
+                                      </p:to>
+                                    </p:set>
+                                    <p:anim calcmode="lin" valueType="num">
+                                      <p:cBhvr additive="base">
+                                        <p:cTn id="7" dur="500" fill="hold"/>
+                                        <p:tgtEl>
+                                          <p:spTgt spid="67"/>
+                                        </p:tgtEl>
+                                        <p:attrNameLst>
+                                          <p:attrName>ppt_x</p:attrName>
+                                        </p:attrNameLst>
+                                      </p:cBhvr>
+                                      <p:tavLst>
+                                        <p:tav tm="0">
+                                          <p:val>
+                                            <p:strVal val="0-#ppt_w/2"/>
+                                          </p:val>
+                                        </p:tav>
+                                        <p:tav tm="100000">
+                                          <p:val>
+                                            <p:strVal val="#ppt_x"/>
+                                          </p:val>
+                                        </p:tav>
+                                      </p:tavLst>
+                                    </p:anim>
+                                    <p:anim calcmode="lin" valueType="num">
+                                      <p:cBhvr additive="base">
+                                        <p:cTn id="8" dur="500" fill="hold"/>
+                                        <p:tgtEl>
+                                          <p:spTgt spid="67"/>
+                                        </p:tgtEl>
+                                        <p:attrNameLst>
+                                          <p:attrName>ppt_y</p:attrName>
+                                        </p:attrNameLst>
+                                      </p:cBhvr>
+                                      <p:tavLst>
+                                        <p:tav tm="0">
+                                          <p:val>
+                                            <p:strVal val="#ppt_y"/>
+                                          </p:val>
+                                        </p:tav>
+                                        <p:tav tm="100000">
+                                          <p:val>
+                                            <p:strVal val="#ppt_y"/>
+                                          </p:val>
+                                        </p:tav>
+                                      </p:tavLst>
+                                    </p:anim>
+                                  </p:childTnLst>
+                                </p:cTn>
+                              </p:par>
+                            </p:childTnLst>
+                          </p:cTn>
+                        </p:par>
+                      </p:childTnLst>
+                    </p:cTn>
+                  </p:par>
+                  <p:par>
+                    <p:cTn id="9" fill="hold">
+                      <p:stCondLst>
+                        <p:cond delay="indefinite"/>
+                      </p:stCondLst>
+                      <p:childTnLst>
+                        <p:par>
+                          <p:cTn id="10" fill="hold">
+                            <p:stCondLst>
+                              <p:cond delay="0"/>
+                            </p:stCondLst>
+                            <p:childTnLst>
+                              <p:par>
+                                <p:cTn id="11" presetID="2" presetClass="entr" presetSubtype="2" fill="hold" nodeType="clickEffect">
+                                  <p:stCondLst>
+                                    <p:cond delay="0"/>
+                                  </p:stCondLst>
+                                  <p:childTnLst>
+                                    <p:set>
+                                      <p:cBhvr>
+                                        <p:cTn id="12" dur="1" fill="hold">
+                                          <p:stCondLst>
+                                            <p:cond delay="0"/>
+                                          </p:stCondLst>
+                                        </p:cTn>
+                                        <p:tgtEl>
+                                          <p:spTgt spid="52"/>
+                                        </p:tgtEl>
+                                        <p:attrNameLst>
+                                          <p:attrName>style.visibility</p:attrName>
+                                        </p:attrNameLst>
+                                      </p:cBhvr>
+                                      <p:to>
+                                        <p:strVal val="visible"/>
+                                      </p:to>
+                                    </p:set>
+                                    <p:anim calcmode="lin" valueType="num">
+                                      <p:cBhvr additive="base">
+                                        <p:cTn id="13" dur="500" fill="hold"/>
+                                        <p:tgtEl>
+                                          <p:spTgt spid="52"/>
+                                        </p:tgtEl>
+                                        <p:attrNameLst>
+                                          <p:attrName>ppt_x</p:attrName>
+                                        </p:attrNameLst>
+                                      </p:cBhvr>
+                                      <p:tavLst>
+                                        <p:tav tm="0">
+                                          <p:val>
+                                            <p:strVal val="1+#ppt_w/2"/>
+                                          </p:val>
+                                        </p:tav>
+                                        <p:tav tm="100000">
+                                          <p:val>
+                                            <p:strVal val="#ppt_x"/>
+                                          </p:val>
+                                        </p:tav>
+                                      </p:tavLst>
+                                    </p:anim>
+                                    <p:anim calcmode="lin" valueType="num">
+                                      <p:cBhvr additive="base">
+                                        <p:cTn id="14" dur="500" fill="hold"/>
+                                        <p:tgtEl>
+                                          <p:spTgt spid="52"/>
+                                        </p:tgtEl>
+                                        <p:attrNameLst>
+                                          <p:attrName>ppt_y</p:attrName>
+                                        </p:attrNameLst>
+                                      </p:cBhvr>
+                                      <p:tavLst>
+                                        <p:tav tm="0">
+                                          <p:val>
+                                            <p:strVal val="#ppt_y"/>
+                                          </p:val>
+                                        </p:tav>
+                                        <p:tav tm="100000">
+                                          <p:val>
+                                            <p:strVal val="#ppt_y"/>
+                                          </p:val>
+                                        </p:tav>
+                                      </p:tavLst>
+                                    </p:anim>
+                                  </p:childTnLst>
+                                </p:cTn>
+                              </p:par>
+                            </p:childTnLst>
+                          </p:cTn>
+                        </p:par>
+                      </p:childTnLst>
+                    </p:cTn>
+                  </p:par>
+                  <p:par>
+                    <p:cTn id="15" fill="hold">
+                      <p:stCondLst>
+                        <p:cond delay="indefinite"/>
+                      </p:stCondLst>
+                      <p:childTnLst>
+                        <p:par>
+                          <p:cTn id="16" fill="hold">
+                            <p:stCondLst>
+                              <p:cond delay="0"/>
+                            </p:stCondLst>
+                            <p:childTnLst>
+                              <p:par>
+                                <p:cTn id="17" presetID="2" presetClass="entr" presetSubtype="4" fill="hold" nodeType="clickEffect">
+                                  <p:stCondLst>
+                                    <p:cond delay="0"/>
+                                  </p:stCondLst>
+                                  <p:childTnLst>
+                                    <p:set>
+                                      <p:cBhvr>
+                                        <p:cTn id="18" dur="1" fill="hold">
+                                          <p:stCondLst>
+                                            <p:cond delay="0"/>
+                                          </p:stCondLst>
+                                        </p:cTn>
+                                        <p:tgtEl>
+                                          <p:spTgt spid="46"/>
+                                        </p:tgtEl>
+                                        <p:attrNameLst>
+                                          <p:attrName>style.visibility</p:attrName>
+                                        </p:attrNameLst>
+                                      </p:cBhvr>
+                                      <p:to>
+                                        <p:strVal val="visible"/>
+                                      </p:to>
+                                    </p:set>
+                                    <p:anim calcmode="lin" valueType="num">
+                                      <p:cBhvr additive="base">
+                                        <p:cTn id="19" dur="500" fill="hold"/>
+                                        <p:tgtEl>
+                                          <p:spTgt spid="46"/>
+                                        </p:tgtEl>
+                                        <p:attrNameLst>
+                                          <p:attrName>ppt_x</p:attrName>
+                                        </p:attrNameLst>
+                                      </p:cBhvr>
+                                      <p:tavLst>
+                                        <p:tav tm="0">
+                                          <p:val>
+                                            <p:strVal val="#ppt_x"/>
+                                          </p:val>
+                                        </p:tav>
+                                        <p:tav tm="100000">
+                                          <p:val>
+                                            <p:strVal val="#ppt_x"/>
+                                          </p:val>
+                                        </p:tav>
+                                      </p:tavLst>
+                                    </p:anim>
+                                    <p:anim calcmode="lin" valueType="num">
+                                      <p:cBhvr additive="base">
+                                        <p:cTn id="20" dur="500" fill="hold"/>
+                                        <p:tgtEl>
+                                          <p:spTgt spid="46"/>
+                                        </p:tgtEl>
+                                        <p:attrNameLst>
+                                          <p:attrName>ppt_y</p:attrName>
+                                        </p:attrNameLst>
+                                      </p:cBhvr>
+                                      <p:tavLst>
+                                        <p:tav tm="0">
+                                          <p:val>
+                                            <p:strVal val="1+#ppt_h/2"/>
+                                          </p:val>
+                                        </p:tav>
+                                        <p:tav tm="100000">
+                                          <p:val>
+                                            <p:strVal val="#ppt_y"/>
+                                          </p:val>
+                                        </p:tav>
+                                      </p:tavLst>
+                                    </p:anim>
+                                  </p:childTnLst>
+                                </p:cTn>
+                              </p:par>
+                              <p:par>
+                                <p:cTn id="21" presetID="2" presetClass="entr" presetSubtype="4" fill="hold" nodeType="withEffect">
+                                  <p:stCondLst>
+                                    <p:cond delay="0"/>
+                                  </p:stCondLst>
+                                  <p:childTnLst>
+                                    <p:set>
+                                      <p:cBhvr>
+                                        <p:cTn id="22" dur="1" fill="hold">
+                                          <p:stCondLst>
+                                            <p:cond delay="0"/>
+                                          </p:stCondLst>
+                                        </p:cTn>
+                                        <p:tgtEl>
+                                          <p:spTgt spid="47"/>
+                                        </p:tgtEl>
+                                        <p:attrNameLst>
+                                          <p:attrName>style.visibility</p:attrName>
+                                        </p:attrNameLst>
+                                      </p:cBhvr>
+                                      <p:to>
+                                        <p:strVal val="visible"/>
+                                      </p:to>
+                                    </p:set>
+                                    <p:anim calcmode="lin" valueType="num">
+                                      <p:cBhvr additive="base">
+                                        <p:cTn id="23" dur="500" fill="hold"/>
+                                        <p:tgtEl>
+                                          <p:spTgt spid="47"/>
+                                        </p:tgtEl>
+                                        <p:attrNameLst>
+                                          <p:attrName>ppt_x</p:attrName>
+                                        </p:attrNameLst>
+                                      </p:cBhvr>
+                                      <p:tavLst>
+                                        <p:tav tm="0">
+                                          <p:val>
+                                            <p:strVal val="#ppt_x"/>
+                                          </p:val>
+                                        </p:tav>
+                                        <p:tav tm="100000">
+                                          <p:val>
+                                            <p:strVal val="#ppt_x"/>
+                                          </p:val>
+                                        </p:tav>
+                                      </p:tavLst>
+                                    </p:anim>
+                                    <p:anim calcmode="lin" valueType="num">
+                                      <p:cBhvr additive="base">
+                                        <p:cTn id="24" dur="500" fill="hold"/>
+                                        <p:tgtEl>
+                                          <p:spTgt spid="47"/>
+                                        </p:tgtEl>
+                                        <p:attrNameLst>
+                                          <p:attrName>ppt_y</p:attrName>
+                                        </p:attrNameLst>
+                                      </p:cBhvr>
+                                      <p:tavLst>
+                                        <p:tav tm="0">
+                                          <p:val>
+                                            <p:strVal val="1+#ppt_h/2"/>
+                                          </p:val>
+                                        </p:tav>
+                                        <p:tav tm="100000">
+                                          <p:val>
+                                            <p:strVal val="#ppt_y"/>
+                                          </p:val>
+                                        </p:tav>
+                                      </p:tavLst>
+                                    </p:anim>
+                                  </p:childTnLst>
+                                </p:cTn>
+                              </p:par>
+                            </p:childTnLst>
+                          </p:cTn>
+                        </p:par>
+                      </p:childTnLst>
+                    </p:cTn>
+                  </p:par>
+                </p:childTnLst>
+              </p:cTn>
+              <p:prevCondLst>
+                <p:cond evt="onPrev" delay="0">
+                  <p:tgtEl>
+                    <p:sldTgt/>
+                  </p:tgtEl>
+                </p:cond>
+              </p:prevCondLst>
+              <p:nextCondLst>
+                <p:cond evt="onNext" delay="0">
+                  <p:tgtEl>
+                    <p:sldTgt/>
+                  </p:tgtEl>
+                </p:cond>
+              </p:nextCondLst>
+            </p:seq>
+          </p:childTnLst>
+        </p:cTn>
+      </p:par>
+    </p:tnLst>
+  </p:timing>
+</p:sld>
+</file>
+
+<file path=ppt/slides/slide11.xml><?xml version="1.0" encoding="utf-8"?>
 <p:sld xmlns:a="http://schemas.openxmlformats.org/drawingml/2006/main" xmlns:r="http://schemas.openxmlformats.org/officeDocument/2006/relationships" xmlns:p="http://schemas.openxmlformats.org/presentationml/2006/main">
   <p:cSld>
     <p:spTree>
@@ -6113,7 +7721,7 @@
 </p:sld>
 </file>
 
-<file path=ppt/slides/slide11.xml><?xml version="1.0" encoding="utf-8"?>
+<file path=ppt/slides/slide12.xml><?xml version="1.0" encoding="utf-8"?>
 <p:sld xmlns:a="http://schemas.openxmlformats.org/drawingml/2006/main" xmlns:r="http://schemas.openxmlformats.org/officeDocument/2006/relationships" xmlns:p="http://schemas.openxmlformats.org/presentationml/2006/main">
   <p:cSld>
     <p:spTree>
@@ -6867,7 +8475,7 @@
 </p:sld>
 </file>
 
-<file path=ppt/slides/slide12.xml><?xml version="1.0" encoding="utf-8"?>
+<file path=ppt/slides/slide13.xml><?xml version="1.0" encoding="utf-8"?>
 <p:sld xmlns:a="http://schemas.openxmlformats.org/drawingml/2006/main" xmlns:r="http://schemas.openxmlformats.org/officeDocument/2006/relationships" xmlns:p="http://schemas.openxmlformats.org/presentationml/2006/main">
   <p:cSld>
     <p:spTree>
@@ -9268,7 +10876,7 @@
 </p:sld>
 </file>
 
-<file path=ppt/slides/slide13.xml><?xml version="1.0" encoding="utf-8"?>
+<file path=ppt/slides/slide14.xml><?xml version="1.0" encoding="utf-8"?>
 <p:sld xmlns:a="http://schemas.openxmlformats.org/drawingml/2006/main" xmlns:r="http://schemas.openxmlformats.org/officeDocument/2006/relationships" xmlns:p="http://schemas.openxmlformats.org/presentationml/2006/main">
   <p:cSld>
     <p:spTree>
@@ -9483,7 +11091,7 @@
 </p:sld>
 </file>
 
-<file path=ppt/slides/slide14.xml><?xml version="1.0" encoding="utf-8"?>
+<file path=ppt/slides/slide15.xml><?xml version="1.0" encoding="utf-8"?>
 <p:sld xmlns:a="http://schemas.openxmlformats.org/drawingml/2006/main" xmlns:r="http://schemas.openxmlformats.org/officeDocument/2006/relationships" xmlns:p="http://schemas.openxmlformats.org/presentationml/2006/main">
   <p:cSld>
     <p:spTree>
@@ -10876,7 +12484,7 @@
 </p:sld>
 </file>
 
-<file path=ppt/slides/slide15.xml><?xml version="1.0" encoding="utf-8"?>
+<file path=ppt/slides/slide16.xml><?xml version="1.0" encoding="utf-8"?>
 <p:sld xmlns:a="http://schemas.openxmlformats.org/drawingml/2006/main" xmlns:r="http://schemas.openxmlformats.org/officeDocument/2006/relationships" xmlns:p="http://schemas.openxmlformats.org/presentationml/2006/main">
   <p:cSld>
     <p:spTree>
@@ -12031,7 +13639,7 @@
 </p:sld>
 </file>
 
-<file path=ppt/slides/slide16.xml><?xml version="1.0" encoding="utf-8"?>
+<file path=ppt/slides/slide17.xml><?xml version="1.0" encoding="utf-8"?>
 <p:sld xmlns:a="http://schemas.openxmlformats.org/drawingml/2006/main" xmlns:r="http://schemas.openxmlformats.org/officeDocument/2006/relationships" xmlns:p="http://schemas.openxmlformats.org/presentationml/2006/main">
   <p:cSld>
     <p:spTree>
@@ -13010,7 +14618,7 @@
 </p:sld>
 </file>
 
-<file path=ppt/slides/slide17.xml><?xml version="1.0" encoding="utf-8"?>
+<file path=ppt/slides/slide18.xml><?xml version="1.0" encoding="utf-8"?>
 <p:sld xmlns:a="http://schemas.openxmlformats.org/drawingml/2006/main" xmlns:r="http://schemas.openxmlformats.org/officeDocument/2006/relationships" xmlns:p="http://schemas.openxmlformats.org/presentationml/2006/main">
   <p:cSld>
     <p:spTree>
@@ -14134,7 +15742,7 @@
 </p:sld>
 </file>
 
-<file path=ppt/slides/slide18.xml><?xml version="1.0" encoding="utf-8"?>
+<file path=ppt/slides/slide19.xml><?xml version="1.0" encoding="utf-8"?>
 <p:sld xmlns:a="http://schemas.openxmlformats.org/drawingml/2006/main" xmlns:r="http://schemas.openxmlformats.org/officeDocument/2006/relationships" xmlns:p="http://schemas.openxmlformats.org/presentationml/2006/main">
   <p:cSld>
     <p:spTree>
@@ -14467,166 +16075,6 @@
     <p:bldLst>
       <p:bldP spid="11" grpId="0"/>
     </p:bldLst>
-  </p:timing>
-</p:sld>
-</file>
-
-<file path=ppt/slides/slide19.xml><?xml version="1.0" encoding="utf-8"?>
-<p:sld xmlns:a="http://schemas.openxmlformats.org/drawingml/2006/main" xmlns:r="http://schemas.openxmlformats.org/officeDocument/2006/relationships" xmlns:p="http://schemas.openxmlformats.org/presentationml/2006/main">
-  <p:cSld>
-    <p:spTree>
-      <p:nvGrpSpPr>
-        <p:cNvPr id="1" name=""/>
-        <p:cNvGrpSpPr/>
-        <p:nvPr/>
-      </p:nvGrpSpPr>
-      <p:grpSpPr>
-        <a:xfrm>
-          <a:off x="0" y="0"/>
-          <a:ext cx="0" cy="0"/>
-          <a:chOff x="0" y="0"/>
-          <a:chExt cx="0" cy="0"/>
-        </a:xfrm>
-      </p:grpSpPr>
-      <p:sp>
-        <p:nvSpPr>
-          <p:cNvPr id="2" name="Title 1"/>
-          <p:cNvSpPr>
-            <a:spLocks noGrp="1"/>
-          </p:cNvSpPr>
-          <p:nvPr>
-            <p:ph type="title"/>
-          </p:nvPr>
-        </p:nvSpPr>
-        <p:spPr/>
-        <p:txBody>
-          <a:bodyPr>
-            <a:normAutofit fontScale="90000"/>
-          </a:bodyPr>
-          <a:lstStyle/>
-          <a:p>
-            <a:r>
-              <a:rPr lang="en-US" dirty="0" smtClean="0"/>
-              <a:t>Profiles (sets of predefined </a:t>
-            </a:r>
-            <a:r>
-              <a:rPr lang="en-US" dirty="0" err="1" smtClean="0"/>
-              <a:t>plugins</a:t>
-            </a:r>
-            <a:r>
-              <a:rPr lang="en-US" dirty="0" smtClean="0"/>
-              <a:t>)</a:t>
-            </a:r>
-            <a:endParaRPr lang="pt-BR" dirty="0"/>
-          </a:p>
-        </p:txBody>
-      </p:sp>
-      <p:sp>
-        <p:nvSpPr>
-          <p:cNvPr id="3" name="Content Placeholder 2"/>
-          <p:cNvSpPr>
-            <a:spLocks noGrp="1"/>
-          </p:cNvSpPr>
-          <p:nvPr>
-            <p:ph idx="1"/>
-          </p:nvPr>
-        </p:nvSpPr>
-        <p:spPr/>
-        <p:txBody>
-          <a:bodyPr>
-            <a:normAutofit/>
-          </a:bodyPr>
-          <a:lstStyle/>
-          <a:p>
-            <a:r>
-              <a:rPr lang="en-US" dirty="0" smtClean="0"/>
-              <a:t>Jetty + Tomcat:</a:t>
-            </a:r>
-          </a:p>
-          <a:p>
-            <a:pPr lvl="1"/>
-            <a:r>
-              <a:rPr lang="en-US" dirty="0" smtClean="0"/>
-              <a:t>Embeddable web servers.</a:t>
-            </a:r>
-          </a:p>
-          <a:p>
-            <a:r>
-              <a:rPr lang="en-US" dirty="0" smtClean="0"/>
-              <a:t>Hibernate3 + JPA:</a:t>
-            </a:r>
-          </a:p>
-          <a:p>
-            <a:pPr lvl="1"/>
-            <a:r>
-              <a:rPr lang="en-US" dirty="0" smtClean="0"/>
-              <a:t>Objects persistence and assertions.</a:t>
-            </a:r>
-          </a:p>
-          <a:p>
-            <a:r>
-              <a:rPr lang="en-US" dirty="0" smtClean="0"/>
-              <a:t>SQL (JDBC based):</a:t>
-            </a:r>
-          </a:p>
-          <a:p>
-            <a:pPr lvl="1"/>
-            <a:r>
-              <a:rPr lang="en-US" dirty="0" smtClean="0"/>
-              <a:t>High performance database setup and assertions.</a:t>
-            </a:r>
-          </a:p>
-          <a:p>
-            <a:r>
-              <a:rPr lang="en-US" dirty="0" err="1" smtClean="0"/>
-              <a:t>HtmlUnit</a:t>
-            </a:r>
-            <a:r>
-              <a:rPr lang="en-US" dirty="0" smtClean="0"/>
-              <a:t> + </a:t>
-            </a:r>
-            <a:r>
-              <a:rPr lang="en-US" dirty="0" err="1" smtClean="0"/>
-              <a:t>WebDriver</a:t>
-            </a:r>
-            <a:r>
-              <a:rPr lang="en-US" dirty="0" smtClean="0"/>
-              <a:t>:</a:t>
-            </a:r>
-          </a:p>
-          <a:p>
-            <a:pPr lvl="1"/>
-            <a:r>
-              <a:rPr lang="en-US" dirty="0" smtClean="0"/>
-              <a:t>Web browser technologies.</a:t>
-            </a:r>
-          </a:p>
-          <a:p>
-            <a:r>
-              <a:rPr lang="en-US" dirty="0" smtClean="0"/>
-              <a:t>Ant</a:t>
-            </a:r>
-          </a:p>
-          <a:p>
-            <a:pPr lvl="1"/>
-            <a:r>
-              <a:rPr lang="en-US" dirty="0" smtClean="0"/>
-              <a:t>Ant support</a:t>
-            </a:r>
-          </a:p>
-        </p:txBody>
-      </p:sp>
-    </p:spTree>
-  </p:cSld>
-  <p:clrMapOvr>
-    <a:masterClrMapping/>
-  </p:clrMapOvr>
-  <p:timing>
-    <p:tnLst>
-      <p:par>
-        <p:cTn id="1" dur="indefinite" restart="never" nodeType="tmRoot"/>
-      </p:par>
-    </p:tnLst>
   </p:timing>
 </p:sld>
 </file>
@@ -15247,59 +16695,21 @@
         <p:spPr/>
         <p:txBody>
           <a:bodyPr>
-            <a:normAutofit/>
+            <a:normAutofit fontScale="90000"/>
           </a:bodyPr>
           <a:lstStyle/>
           <a:p>
             <a:r>
               <a:rPr lang="en-US" dirty="0" smtClean="0"/>
-              <a:t>Jetty + Tomcat</a:t>
-            </a:r>
-            <a:endParaRPr lang="pt-BR" dirty="0"/>
-          </a:p>
-        </p:txBody>
-      </p:sp>
-      <p:sp>
-        <p:nvSpPr>
-          <p:cNvPr id="4" name="Text Placeholder 3"/>
-          <p:cNvSpPr>
-            <a:spLocks noGrp="1"/>
-          </p:cNvSpPr>
-          <p:nvPr>
-            <p:ph type="body" idx="1"/>
-          </p:nvPr>
-        </p:nvSpPr>
-        <p:spPr/>
-        <p:txBody>
-          <a:bodyPr/>
-          <a:lstStyle/>
-          <a:p>
+              <a:t>Profiles (sets of predefined </a:t>
+            </a:r>
             <a:r>
               <a:rPr lang="en-US" dirty="0" err="1" smtClean="0"/>
-              <a:t>Plugins</a:t>
-            </a:r>
-            <a:endParaRPr lang="pt-BR" dirty="0"/>
-          </a:p>
-        </p:txBody>
-      </p:sp>
-      <p:sp>
-        <p:nvSpPr>
-          <p:cNvPr id="5" name="Text Placeholder 4"/>
-          <p:cNvSpPr>
-            <a:spLocks noGrp="1"/>
-          </p:cNvSpPr>
-          <p:nvPr>
-            <p:ph type="body" sz="half" idx="3"/>
-          </p:nvPr>
-        </p:nvSpPr>
-        <p:spPr/>
-        <p:txBody>
-          <a:bodyPr/>
-          <a:lstStyle/>
-          <a:p>
-            <a:r>
-              <a:rPr lang="en-US" dirty="0" smtClean="0"/>
-              <a:t>Outstanding</a:t>
+              <a:t>plugins</a:t>
+            </a:r>
+            <a:r>
+              <a:rPr lang="en-US" dirty="0" smtClean="0"/>
+              <a:t>)</a:t>
             </a:r>
             <a:endParaRPr lang="pt-BR" dirty="0"/>
           </a:p>
@@ -15312,75 +16722,90 @@
             <a:spLocks noGrp="1"/>
           </p:cNvSpPr>
           <p:nvPr>
-            <p:ph sz="quarter" idx="2"/>
+            <p:ph idx="1"/>
           </p:nvPr>
         </p:nvSpPr>
         <p:spPr/>
         <p:txBody>
-          <a:bodyPr/>
+          <a:bodyPr>
+            <a:normAutofit/>
+          </a:bodyPr>
           <a:lstStyle/>
           <a:p>
             <a:r>
               <a:rPr lang="en-US" dirty="0" smtClean="0"/>
-              <a:t>Start</a:t>
+              <a:t>Jetty + Tomcat:</a:t>
             </a:r>
           </a:p>
           <a:p>
             <a:pPr lvl="1"/>
             <a:r>
               <a:rPr lang="en-US" dirty="0" smtClean="0"/>
-              <a:t>Dynamic ports;</a:t>
+              <a:t>Embeddable web servers.</a:t>
+            </a:r>
+          </a:p>
+          <a:p>
+            <a:r>
+              <a:rPr lang="en-US" dirty="0" smtClean="0"/>
+              <a:t>Hibernate3 + JPA:</a:t>
             </a:r>
           </a:p>
           <a:p>
             <a:pPr lvl="1"/>
             <a:r>
               <a:rPr lang="en-US" dirty="0" smtClean="0"/>
-              <a:t>Target port provider.</a:t>
-            </a:r>
-          </a:p>
-          <a:p>
-            <a:r>
-              <a:rPr lang="en-US" dirty="0" smtClean="0"/>
-              <a:t>Stop</a:t>
+              <a:t>Objects persistence and assertions.</a:t>
+            </a:r>
+          </a:p>
+          <a:p>
+            <a:r>
+              <a:rPr lang="en-US" dirty="0" smtClean="0"/>
+              <a:t>SQL (JDBC based):</a:t>
             </a:r>
           </a:p>
           <a:p>
             <a:pPr lvl="1"/>
             <a:r>
               <a:rPr lang="en-US" dirty="0" smtClean="0"/>
-              <a:t>“Shutdown” servers</a:t>
-            </a:r>
-          </a:p>
-          <a:p>
-            <a:endParaRPr lang="pt-BR" dirty="0"/>
-          </a:p>
-        </p:txBody>
-      </p:sp>
-      <p:sp>
-        <p:nvSpPr>
-          <p:cNvPr id="6" name="Content Placeholder 5"/>
-          <p:cNvSpPr>
-            <a:spLocks noGrp="1"/>
-          </p:cNvSpPr>
-          <p:nvPr>
-            <p:ph sz="quarter" idx="4"/>
-          </p:nvPr>
-        </p:nvSpPr>
-        <p:spPr/>
-        <p:txBody>
-          <a:bodyPr/>
-          <a:lstStyle/>
-          <a:p>
-            <a:r>
-              <a:rPr lang="en-US" dirty="0" smtClean="0"/>
-              <a:t>Jetty loaded from a jetty.xml file (more flexible);</a:t>
-            </a:r>
-          </a:p>
-          <a:p>
-            <a:r>
-              <a:rPr lang="en-US" dirty="0" smtClean="0"/>
-              <a:t>Support for objects reuse keep server alive until JVM shutdown if the configuration file is the same in different tests.</a:t>
+              <a:t>High performance database setup and assertions.</a:t>
+            </a:r>
+          </a:p>
+          <a:p>
+            <a:r>
+              <a:rPr lang="en-US" dirty="0" err="1" smtClean="0"/>
+              <a:t>HtmlUnit</a:t>
+            </a:r>
+            <a:r>
+              <a:rPr lang="en-US" dirty="0" smtClean="0"/>
+              <a:t> + </a:t>
+            </a:r>
+            <a:r>
+              <a:rPr lang="en-US" dirty="0" err="1" smtClean="0"/>
+              <a:t>WebDriver</a:t>
+            </a:r>
+            <a:r>
+              <a:rPr lang="en-US" dirty="0" smtClean="0"/>
+              <a:t>:</a:t>
+            </a:r>
+          </a:p>
+          <a:p>
+            <a:pPr lvl="1"/>
+            <a:r>
+              <a:rPr lang="en-US" dirty="0" smtClean="0"/>
+              <a:t>Web browser technologies.</a:t>
+            </a:r>
+          </a:p>
+          <a:p>
+            <a:r>
+              <a:rPr lang="en-US" dirty="0" smtClean="0"/>
+              <a:t>Ant</a:t>
+            </a:r>
+          </a:p>
+          <a:p>
+            <a:pPr lvl="1"/>
+            <a:r>
+              <a:rPr lang="en-US" dirty="0" smtClean="0"/>
+              <a:t>Ant support</a:t>
             </a:r>
           </a:p>
         </p:txBody>
@@ -15436,7 +16861,7 @@
           <a:p>
             <a:r>
               <a:rPr lang="en-US" dirty="0" smtClean="0"/>
-              <a:t>Hibernate3 + [JPA]</a:t>
+              <a:t>Jetty + Tomcat</a:t>
             </a:r>
             <a:endParaRPr lang="pt-BR" dirty="0"/>
           </a:p>
@@ -15444,7 +16869,7 @@
       </p:sp>
       <p:sp>
         <p:nvSpPr>
-          <p:cNvPr id="5" name="Text Placeholder 4"/>
+          <p:cNvPr id="4" name="Text Placeholder 3"/>
           <p:cNvSpPr>
             <a:spLocks noGrp="1"/>
           </p:cNvSpPr>
@@ -15467,7 +16892,7 @@
       </p:sp>
       <p:sp>
         <p:nvSpPr>
-          <p:cNvPr id="6" name="Text Placeholder 5"/>
+          <p:cNvPr id="5" name="Text Placeholder 4"/>
           <p:cNvSpPr>
             <a:spLocks noGrp="1"/>
           </p:cNvSpPr>
@@ -15500,100 +16925,39 @@
         </p:nvSpPr>
         <p:spPr/>
         <p:txBody>
-          <a:bodyPr>
-            <a:normAutofit/>
-          </a:bodyPr>
+          <a:bodyPr/>
           <a:lstStyle/>
           <a:p>
             <a:r>
               <a:rPr lang="en-US" dirty="0" smtClean="0"/>
-              <a:t>Configuration</a:t>
+              <a:t>Start</a:t>
             </a:r>
           </a:p>
           <a:p>
             <a:pPr lvl="1"/>
             <a:r>
               <a:rPr lang="en-US" dirty="0" smtClean="0"/>
-              <a:t>Based on a configuration…</a:t>
-            </a:r>
-          </a:p>
-          <a:p>
-            <a:r>
-              <a:rPr lang="en-US" dirty="0" err="1" smtClean="0"/>
-              <a:t>SessionFactory</a:t>
-            </a:r>
-            <a:endParaRPr lang="en-US" dirty="0" smtClean="0"/>
+              <a:t>Dynamic ports;</a:t>
+            </a:r>
           </a:p>
           <a:p>
             <a:pPr lvl="1"/>
             <a:r>
               <a:rPr lang="en-US" dirty="0" smtClean="0"/>
-              <a:t>Prepare sessions…</a:t>
-            </a:r>
-          </a:p>
-          <a:p>
-            <a:r>
-              <a:rPr lang="en-US" dirty="0" smtClean="0"/>
-              <a:t>Objects extension</a:t>
+              <a:t>Target port provider.</a:t>
+            </a:r>
+          </a:p>
+          <a:p>
+            <a:r>
+              <a:rPr lang="en-US" dirty="0" smtClean="0"/>
+              <a:t>Stop</a:t>
             </a:r>
           </a:p>
           <a:p>
             <a:pPr lvl="1"/>
             <a:r>
               <a:rPr lang="en-US" dirty="0" smtClean="0"/>
-              <a:t>Create objects…</a:t>
-            </a:r>
-          </a:p>
-          <a:p>
-            <a:r>
-              <a:rPr lang="en-US" dirty="0" smtClean="0"/>
-              <a:t>Insert</a:t>
-            </a:r>
-          </a:p>
-          <a:p>
-            <a:pPr lvl="1"/>
-            <a:r>
-              <a:rPr lang="en-US" dirty="0" smtClean="0"/>
-              <a:t>To insert…</a:t>
-            </a:r>
-          </a:p>
-          <a:p>
-            <a:r>
-              <a:rPr lang="en-US" dirty="0" smtClean="0"/>
-              <a:t>Update</a:t>
-            </a:r>
-          </a:p>
-          <a:p>
-            <a:pPr lvl="1"/>
-            <a:r>
-              <a:rPr lang="en-US" dirty="0" smtClean="0"/>
-              <a:t>To update…</a:t>
-            </a:r>
-          </a:p>
-          <a:p>
-            <a:r>
-              <a:rPr lang="en-US" dirty="0" smtClean="0"/>
-              <a:t>Delete</a:t>
-            </a:r>
-          </a:p>
-          <a:p>
-            <a:pPr lvl="1"/>
-            <a:r>
-              <a:rPr lang="en-US" dirty="0" smtClean="0"/>
-              <a:t>To delete…</a:t>
-            </a:r>
-          </a:p>
-          <a:p>
-            <a:r>
-              <a:rPr lang="en-US" dirty="0" smtClean="0"/>
-              <a:t>Select</a:t>
-            </a:r>
-          </a:p>
-          <a:p>
-            <a:pPr lvl="1"/>
-            <a:r>
-              <a:rPr lang="en-US" dirty="0" smtClean="0"/>
-              <a:t>To verify.</a:t>
+              <a:t>“Shutdown” servers</a:t>
             </a:r>
           </a:p>
           <a:p>
@@ -15603,7 +16967,7 @@
       </p:sp>
       <p:sp>
         <p:nvSpPr>
-          <p:cNvPr id="7" name="Content Placeholder 6"/>
+          <p:cNvPr id="6" name="Content Placeholder 5"/>
           <p:cNvSpPr>
             <a:spLocks noGrp="1"/>
           </p:cNvSpPr>
@@ -15618,48 +16982,14 @@
           <a:p>
             <a:r>
               <a:rPr lang="en-US" dirty="0" smtClean="0"/>
-              <a:t>None code is required to create objects, only if you want (embeddable support provided);</a:t>
-            </a:r>
-          </a:p>
-          <a:p>
-            <a:r>
-              <a:rPr lang="en-US" dirty="0" smtClean="0"/>
-              <a:t>Object attributes are compared using comparators by type. For example, if an object attribute is of type </a:t>
-            </a:r>
-            <a:r>
-              <a:rPr lang="en-US" dirty="0" err="1" smtClean="0"/>
-              <a:t>DateTime</a:t>
-            </a:r>
-            <a:r>
-              <a:rPr lang="en-US" dirty="0" smtClean="0"/>
-              <a:t> (from </a:t>
-            </a:r>
-            <a:r>
-              <a:rPr lang="en-US" dirty="0" err="1" smtClean="0"/>
-              <a:t>JodaTime</a:t>
-            </a:r>
-            <a:r>
-              <a:rPr lang="en-US" dirty="0" smtClean="0"/>
-              <a:t>), the </a:t>
-            </a:r>
-            <a:r>
-              <a:rPr lang="en-US" dirty="0" err="1" smtClean="0"/>
-              <a:t>ComparatorJodaTime</a:t>
-            </a:r>
-            <a:r>
-              <a:rPr lang="en-US" dirty="0" smtClean="0"/>
-              <a:t> will be used, moreover, time comparators can set tolerance for these comparisons;</a:t>
-            </a:r>
-          </a:p>
-          <a:p>
-            <a:r>
-              <a:rPr lang="en-US" dirty="0" smtClean="0"/>
-              <a:t>Assertions using objects are independent of insertion/update/delete order.</a:t>
-            </a:r>
-            <a:endParaRPr lang="pt-BR" dirty="0" smtClean="0"/>
-          </a:p>
-          <a:p>
-            <a:endParaRPr lang="pt-BR" dirty="0"/>
+              <a:t>Jetty loaded from a jetty.xml file (more flexible);</a:t>
+            </a:r>
+          </a:p>
+          <a:p>
+            <a:r>
+              <a:rPr lang="en-US" dirty="0" smtClean="0"/>
+              <a:t>Support for objects reuse keep server alive until JVM shutdown if the configuration file is the same in different tests.</a:t>
+            </a:r>
           </a:p>
         </p:txBody>
       </p:sp>
@@ -15714,11 +17044,7 @@
           <a:p>
             <a:r>
               <a:rPr lang="en-US" dirty="0" smtClean="0"/>
-              <a:t>SQL </a:t>
-            </a:r>
-            <a:r>
-              <a:rPr lang="en-US" sz="3600" dirty="0" smtClean="0"/>
-              <a:t>(reusable and cached objects)</a:t>
+              <a:t>Hibernate3 + [JPA]</a:t>
             </a:r>
             <a:endParaRPr lang="pt-BR" dirty="0"/>
           </a:p>
@@ -15783,118 +17109,109 @@
         <p:spPr/>
         <p:txBody>
           <a:bodyPr>
-            <a:normAutofit lnSpcReduction="10000"/>
+            <a:normAutofit/>
           </a:bodyPr>
           <a:lstStyle/>
           <a:p>
             <a:r>
               <a:rPr lang="en-US" dirty="0" smtClean="0"/>
-              <a:t>Connection</a:t>
+              <a:t>Configuration</a:t>
             </a:r>
           </a:p>
           <a:p>
             <a:pPr lvl="1"/>
             <a:r>
+              <a:rPr lang="en-US" dirty="0" smtClean="0"/>
+              <a:t>Based on a configuration…</a:t>
+            </a:r>
+          </a:p>
+          <a:p>
+            <a:r>
               <a:rPr lang="en-US" dirty="0" err="1" smtClean="0"/>
-              <a:t>Datasources</a:t>
+              <a:t>SessionFactory</a:t>
             </a:r>
             <a:endParaRPr lang="en-US" dirty="0" smtClean="0"/>
           </a:p>
           <a:p>
-            <a:r>
-              <a:rPr lang="en-US" dirty="0" smtClean="0"/>
-              <a:t>Scripts</a:t>
-            </a:r>
-          </a:p>
-          <a:p>
             <a:pPr lvl="1"/>
             <a:r>
               <a:rPr lang="en-US" dirty="0" smtClean="0"/>
-              <a:t>DDLs, DMLs</a:t>
-            </a:r>
-          </a:p>
-          <a:p>
-            <a:r>
-              <a:rPr lang="en-US" dirty="0" smtClean="0"/>
-              <a:t>Schema</a:t>
+              <a:t>Prepare sessions…</a:t>
+            </a:r>
+          </a:p>
+          <a:p>
+            <a:r>
+              <a:rPr lang="en-US" dirty="0" smtClean="0"/>
+              <a:t>Objects extension</a:t>
             </a:r>
           </a:p>
           <a:p>
             <a:pPr lvl="1"/>
             <a:r>
               <a:rPr lang="en-US" dirty="0" smtClean="0"/>
-              <a:t>Meta model</a:t>
-            </a:r>
-          </a:p>
-          <a:p>
-            <a:r>
-              <a:rPr lang="en-US" dirty="0" smtClean="0"/>
-              <a:t>Database</a:t>
+              <a:t>Create objects…</a:t>
+            </a:r>
+          </a:p>
+          <a:p>
+            <a:r>
+              <a:rPr lang="en-US" dirty="0" smtClean="0"/>
+              <a:t>Insert</a:t>
             </a:r>
           </a:p>
           <a:p>
             <a:pPr lvl="1"/>
             <a:r>
-              <a:rPr lang="en-US" dirty="0" err="1" smtClean="0"/>
-              <a:t>Comands</a:t>
-            </a:r>
-            <a:r>
-              <a:rPr lang="en-US" dirty="0" smtClean="0"/>
-              <a:t> executor.</a:t>
-            </a:r>
-          </a:p>
-          <a:p>
-            <a:r>
-              <a:rPr lang="en-US" dirty="0" smtClean="0"/>
-              <a:t>Prepare</a:t>
+              <a:rPr lang="en-US" dirty="0" smtClean="0"/>
+              <a:t>To insert…</a:t>
+            </a:r>
+          </a:p>
+          <a:p>
+            <a:r>
+              <a:rPr lang="en-US" dirty="0" smtClean="0"/>
+              <a:t>Update</a:t>
             </a:r>
           </a:p>
           <a:p>
             <a:pPr lvl="1"/>
             <a:r>
               <a:rPr lang="en-US" dirty="0" smtClean="0"/>
-              <a:t>Setup operations</a:t>
-            </a:r>
-          </a:p>
-          <a:p>
-            <a:r>
-              <a:rPr lang="en-US" dirty="0" smtClean="0"/>
-              <a:t>Verify (positive)</a:t>
+              <a:t>To update…</a:t>
+            </a:r>
+          </a:p>
+          <a:p>
+            <a:r>
+              <a:rPr lang="en-US" dirty="0" smtClean="0"/>
+              <a:t>Delete</a:t>
             </a:r>
           </a:p>
           <a:p>
             <a:pPr lvl="1"/>
             <a:r>
               <a:rPr lang="en-US" dirty="0" smtClean="0"/>
-              <a:t>Assertions</a:t>
-            </a:r>
-          </a:p>
-          <a:p>
-            <a:r>
-              <a:rPr lang="en-US" dirty="0" smtClean="0"/>
-              <a:t>Compare base (negative)</a:t>
+              <a:t>To delete…</a:t>
+            </a:r>
+          </a:p>
+          <a:p>
+            <a:r>
+              <a:rPr lang="en-US" dirty="0" smtClean="0"/>
+              <a:t>Select</a:t>
             </a:r>
           </a:p>
           <a:p>
             <a:pPr lvl="1"/>
             <a:r>
               <a:rPr lang="en-US" dirty="0" smtClean="0"/>
-              <a:t>Assertion.</a:t>
-            </a:r>
-          </a:p>
-          <a:p>
-            <a:pPr lvl="1"/>
-            <a:r>
-              <a:rPr lang="en-US" dirty="0" smtClean="0"/>
-              <a:t>Configurable filter.</a:t>
-            </a:r>
+              <a:t>To verify.</a:t>
+            </a:r>
+          </a:p>
+          <a:p>
             <a:endParaRPr lang="pt-BR" dirty="0"/>
           </a:p>
         </p:txBody>
       </p:sp>
       <p:sp>
         <p:nvSpPr>
-          <p:cNvPr id="4" name="Content Placeholder 3"/>
+          <p:cNvPr id="7" name="Content Placeholder 6"/>
           <p:cNvSpPr>
             <a:spLocks noGrp="1"/>
           </p:cNvSpPr>
@@ -15904,45 +17221,52 @@
         </p:nvSpPr>
         <p:spPr/>
         <p:txBody>
-          <a:bodyPr>
-            <a:normAutofit/>
-          </a:bodyPr>
+          <a:bodyPr/>
           <a:lstStyle/>
           <a:p>
             <a:r>
               <a:rPr lang="en-US" dirty="0" smtClean="0"/>
-              <a:t>Connections can be thread independent;</a:t>
-            </a:r>
-          </a:p>
-          <a:p>
-            <a:r>
-              <a:rPr lang="en-US" dirty="0" smtClean="0"/>
-              <a:t>Scripts can be performed in failsafe mode;</a:t>
-            </a:r>
-          </a:p>
-          <a:p>
-            <a:r>
-              <a:rPr lang="en-US" dirty="0" smtClean="0"/>
-              <a:t>Interfaces for connection providers, schema loaders, database services, sequence handlers, comparison filters;</a:t>
-            </a:r>
-          </a:p>
-          <a:p>
-            <a:r>
-              <a:rPr lang="en-US" dirty="0" smtClean="0"/>
-              <a:t>Support for explicit IDs specifications, implicit identities, implicit sequences, all together;</a:t>
-            </a:r>
-          </a:p>
-          <a:p>
-            <a:r>
-              <a:rPr lang="en-US" dirty="0" smtClean="0"/>
-              <a:t>Database actions against multiple databases (compositional);</a:t>
-            </a:r>
-          </a:p>
-          <a:p>
-            <a:r>
-              <a:rPr lang="en-US" dirty="0" smtClean="0"/>
-              <a:t>Database comparison reports meaningful.</a:t>
-            </a:r>
+              <a:t>None code is required to create objects, only if you want (embeddable support provided);</a:t>
+            </a:r>
+          </a:p>
+          <a:p>
+            <a:r>
+              <a:rPr lang="en-US" dirty="0" smtClean="0"/>
+              <a:t>Object attributes are compared using comparators by type. For example, if an object attribute is of type </a:t>
+            </a:r>
+            <a:r>
+              <a:rPr lang="en-US" dirty="0" err="1" smtClean="0"/>
+              <a:t>DateTime</a:t>
+            </a:r>
+            <a:r>
+              <a:rPr lang="en-US" dirty="0" smtClean="0"/>
+              <a:t> (from </a:t>
+            </a:r>
+            <a:r>
+              <a:rPr lang="en-US" dirty="0" err="1" smtClean="0"/>
+              <a:t>JodaTime</a:t>
+            </a:r>
+            <a:r>
+              <a:rPr lang="en-US" dirty="0" smtClean="0"/>
+              <a:t>), the </a:t>
+            </a:r>
+            <a:r>
+              <a:rPr lang="en-US" dirty="0" err="1" smtClean="0"/>
+              <a:t>ComparatorJodaTime</a:t>
+            </a:r>
+            <a:r>
+              <a:rPr lang="en-US" dirty="0" smtClean="0"/>
+              <a:t> will be used, moreover, time comparators can set tolerance for these comparisons;</a:t>
+            </a:r>
+          </a:p>
+          <a:p>
+            <a:r>
+              <a:rPr lang="en-US" dirty="0" smtClean="0"/>
+              <a:t>Assertions using objects are independent of insertion/update/delete order.</a:t>
+            </a:r>
+            <a:endParaRPr lang="pt-BR" dirty="0" smtClean="0"/>
+          </a:p>
+          <a:p>
             <a:endParaRPr lang="pt-BR" dirty="0"/>
           </a:p>
         </p:txBody>
@@ -15997,8 +17321,12 @@
           <a:lstStyle/>
           <a:p>
             <a:r>
-              <a:rPr lang="en-US" dirty="0" err="1" smtClean="0"/>
-              <a:t>HtmlUnit+WebDriver</a:t>
+              <a:rPr lang="en-US" dirty="0" smtClean="0"/>
+              <a:t>SQL </a:t>
+            </a:r>
+            <a:r>
+              <a:rPr lang="en-US" sz="3600" dirty="0" smtClean="0"/>
+              <a:t>(reusable and cached objects)</a:t>
             </a:r>
             <a:endParaRPr lang="pt-BR" dirty="0"/>
           </a:p>
@@ -16006,7 +17334,7 @@
       </p:sp>
       <p:sp>
         <p:nvSpPr>
-          <p:cNvPr id="4" name="Text Placeholder 3"/>
+          <p:cNvPr id="5" name="Text Placeholder 4"/>
           <p:cNvSpPr>
             <a:spLocks noGrp="1"/>
           </p:cNvSpPr>
@@ -16029,7 +17357,7 @@
       </p:sp>
       <p:sp>
         <p:nvSpPr>
-          <p:cNvPr id="5" name="Text Placeholder 4"/>
+          <p:cNvPr id="6" name="Text Placeholder 5"/>
           <p:cNvSpPr>
             <a:spLocks noGrp="1"/>
           </p:cNvSpPr>
@@ -16062,107 +17390,119 @@
         </p:nvSpPr>
         <p:spPr/>
         <p:txBody>
-          <a:bodyPr/>
+          <a:bodyPr>
+            <a:normAutofit lnSpcReduction="10000"/>
+          </a:bodyPr>
           <a:lstStyle/>
           <a:p>
             <a:r>
               <a:rPr lang="en-US" dirty="0" smtClean="0"/>
-              <a:t>Browsers for web applications;</a:t>
-            </a:r>
-          </a:p>
-          <a:p>
-            <a:r>
-              <a:rPr lang="en-US" dirty="0" smtClean="0"/>
-              <a:t>Easy to map;</a:t>
-            </a:r>
-          </a:p>
-          <a:p>
-            <a:r>
-              <a:rPr lang="en-US" dirty="0" smtClean="0"/>
-              <a:t>Easy to extend;</a:t>
-            </a:r>
-          </a:p>
-          <a:p>
-            <a:r>
-              <a:rPr lang="en-US" dirty="0" smtClean="0"/>
-              <a:t>Easy to change;</a:t>
-            </a:r>
-          </a:p>
-          <a:p>
-            <a:r>
-              <a:rPr lang="en-US" dirty="0" smtClean="0"/>
-              <a:t>Actions:</a:t>
+              <a:t>Connection</a:t>
             </a:r>
           </a:p>
           <a:p>
             <a:pPr lvl="1"/>
             <a:r>
-              <a:rPr lang="en-US" dirty="0" smtClean="0"/>
-              <a:t>By component type</a:t>
-            </a:r>
-          </a:p>
-          <a:p>
-            <a:r>
-              <a:rPr lang="en-US" dirty="0" smtClean="0"/>
-              <a:t>Assertions:</a:t>
+              <a:rPr lang="en-US" dirty="0" err="1" smtClean="0"/>
+              <a:t>Datasources</a:t>
+            </a:r>
+            <a:endParaRPr lang="en-US" dirty="0" smtClean="0"/>
+          </a:p>
+          <a:p>
+            <a:r>
+              <a:rPr lang="en-US" dirty="0" smtClean="0"/>
+              <a:t>Scripts</a:t>
             </a:r>
           </a:p>
           <a:p>
             <a:pPr lvl="1"/>
             <a:r>
               <a:rPr lang="en-US" dirty="0" smtClean="0"/>
-              <a:t>By component type</a:t>
-            </a:r>
-          </a:p>
-          <a:p>
-            <a:r>
-              <a:rPr lang="en-US" dirty="0" smtClean="0"/>
-              <a:t>With </a:t>
-            </a:r>
+              <a:t>DDLs, DMLs</a:t>
+            </a:r>
+          </a:p>
+          <a:p>
+            <a:r>
+              <a:rPr lang="en-US" dirty="0" smtClean="0"/>
+              <a:t>Schema</a:t>
+            </a:r>
+          </a:p>
+          <a:p>
+            <a:pPr lvl="1"/>
+            <a:r>
+              <a:rPr lang="en-US" dirty="0" smtClean="0"/>
+              <a:t>Meta model</a:t>
+            </a:r>
+          </a:p>
+          <a:p>
+            <a:r>
+              <a:rPr lang="en-US" dirty="0" smtClean="0"/>
+              <a:t>Database</a:t>
+            </a:r>
+          </a:p>
+          <a:p>
+            <a:pPr lvl="1"/>
             <a:r>
               <a:rPr lang="en-US" dirty="0" err="1" smtClean="0"/>
-              <a:t>WebDriver</a:t>
-            </a:r>
-            <a:r>
-              <a:rPr lang="en-US" dirty="0" smtClean="0"/>
-              <a:t> (!</a:t>
-            </a:r>
-            <a:r>
-              <a:rPr lang="en-US" dirty="0" err="1" smtClean="0"/>
-              <a:t>htmlunit</a:t>
-            </a:r>
-            <a:r>
-              <a:rPr lang="en-US" dirty="0" smtClean="0"/>
-              <a:t>):</a:t>
+              <a:t>Comands</a:t>
+            </a:r>
+            <a:r>
+              <a:rPr lang="en-US" dirty="0" smtClean="0"/>
+              <a:t> executor.</a:t>
+            </a:r>
+          </a:p>
+          <a:p>
+            <a:r>
+              <a:rPr lang="en-US" dirty="0" smtClean="0"/>
+              <a:t>Prepare</a:t>
             </a:r>
           </a:p>
           <a:p>
             <a:pPr lvl="1"/>
             <a:r>
               <a:rPr lang="en-US" dirty="0" smtClean="0"/>
-              <a:t>Real-time monitoring of web application behavior</a:t>
+              <a:t>Setup operations</a:t>
+            </a:r>
+          </a:p>
+          <a:p>
+            <a:r>
+              <a:rPr lang="en-US" dirty="0" smtClean="0"/>
+              <a:t>Verify (positive)</a:t>
             </a:r>
           </a:p>
           <a:p>
             <a:pPr lvl="1"/>
             <a:r>
               <a:rPr lang="en-US" dirty="0" smtClean="0"/>
-              <a:t>Pause on failure listener is a must have.</a:t>
+              <a:t>Assertions</a:t>
+            </a:r>
+          </a:p>
+          <a:p>
+            <a:r>
+              <a:rPr lang="en-US" dirty="0" smtClean="0"/>
+              <a:t>Compare base (negative)</a:t>
             </a:r>
           </a:p>
           <a:p>
             <a:pPr lvl="1"/>
-            <a:endParaRPr lang="en-US" dirty="0" smtClean="0"/>
+            <a:r>
+              <a:rPr lang="en-US" dirty="0" smtClean="0"/>
+              <a:t>Assertion.</a:t>
+            </a:r>
           </a:p>
           <a:p>
             <a:pPr lvl="1"/>
-            <a:endParaRPr lang="en-US" dirty="0" smtClean="0"/>
-          </a:p>
-        </p:txBody>
-      </p:sp>
-      <p:sp>
-        <p:nvSpPr>
-          <p:cNvPr id="6" name="Content Placeholder 5"/>
+            <a:r>
+              <a:rPr lang="en-US" dirty="0" smtClean="0"/>
+              <a:t>Configurable filter.</a:t>
+            </a:r>
+            <a:endParaRPr lang="pt-BR" dirty="0"/>
+          </a:p>
+        </p:txBody>
+      </p:sp>
+      <p:sp>
+        <p:nvSpPr>
+          <p:cNvPr id="4" name="Content Placeholder 3"/>
           <p:cNvSpPr>
             <a:spLocks noGrp="1"/>
           </p:cNvSpPr>
@@ -16172,46 +17512,45 @@
         </p:nvSpPr>
         <p:spPr/>
         <p:txBody>
-          <a:bodyPr/>
+          <a:bodyPr>
+            <a:normAutofit/>
+          </a:bodyPr>
           <a:lstStyle/>
           <a:p>
             <a:r>
               <a:rPr lang="en-US" dirty="0" smtClean="0"/>
-              <a:t>Search strategy unification: easily extensible;</a:t>
-            </a:r>
-          </a:p>
-          <a:p>
-            <a:r>
-              <a:rPr lang="en-US" dirty="0" smtClean="0"/>
-              <a:t>Rich output with your CSS/JS/images;</a:t>
-            </a:r>
-          </a:p>
-          <a:p>
-            <a:r>
-              <a:rPr lang="en-US" dirty="0" smtClean="0"/>
-              <a:t>Automatic screenshots of SUT;</a:t>
-            </a:r>
-          </a:p>
-          <a:p>
-            <a:r>
-              <a:rPr lang="en-US" dirty="0" smtClean="0"/>
-              <a:t>Smart table comparison: high customizable table comparison;</a:t>
-            </a:r>
-          </a:p>
-          <a:p>
-            <a:r>
-              <a:rPr lang="en-US" dirty="0" smtClean="0"/>
-              <a:t>Smart node  comparison: no more missing images or other elements and attributes;</a:t>
-            </a:r>
-          </a:p>
-          <a:p>
-            <a:r>
-              <a:rPr lang="en-US" dirty="0" smtClean="0"/>
-              <a:t>Compare Excel report: compare your table specification (in HTML of Excel) with a download excel file.</a:t>
-            </a:r>
-            <a:endParaRPr lang="pt-BR" dirty="0" smtClean="0"/>
-          </a:p>
-          <a:p>
+              <a:t>Connections can be thread independent;</a:t>
+            </a:r>
+          </a:p>
+          <a:p>
+            <a:r>
+              <a:rPr lang="en-US" dirty="0" smtClean="0"/>
+              <a:t>Scripts can be performed in failsafe mode;</a:t>
+            </a:r>
+          </a:p>
+          <a:p>
+            <a:r>
+              <a:rPr lang="en-US" dirty="0" smtClean="0"/>
+              <a:t>Interfaces for connection providers, schema loaders, database services, sequence handlers, comparison filters;</a:t>
+            </a:r>
+          </a:p>
+          <a:p>
+            <a:r>
+              <a:rPr lang="en-US" dirty="0" smtClean="0"/>
+              <a:t>Support for explicit IDs specifications, implicit identities, implicit sequences, all together;</a:t>
+            </a:r>
+          </a:p>
+          <a:p>
+            <a:r>
+              <a:rPr lang="en-US" dirty="0" smtClean="0"/>
+              <a:t>Database actions against multiple databases (compositional);</a:t>
+            </a:r>
+          </a:p>
+          <a:p>
+            <a:r>
+              <a:rPr lang="en-US" dirty="0" smtClean="0"/>
+              <a:t>Database comparison reports meaningful.</a:t>
+            </a:r>
             <a:endParaRPr lang="pt-BR" dirty="0"/>
           </a:p>
         </p:txBody>
@@ -16266,8 +17605,8 @@
           <a:lstStyle/>
           <a:p>
             <a:r>
-              <a:rPr lang="en-US" dirty="0" smtClean="0"/>
-              <a:t>Ant</a:t>
+              <a:rPr lang="en-US" dirty="0" err="1" smtClean="0"/>
+              <a:t>HtmlUnit+WebDriver</a:t>
             </a:r>
             <a:endParaRPr lang="pt-BR" dirty="0"/>
           </a:p>
@@ -16336,27 +17675,96 @@
           <a:p>
             <a:r>
               <a:rPr lang="en-US" dirty="0" smtClean="0"/>
-              <a:t>Perform Ant call</a:t>
+              <a:t>Browsers for web applications;</a:t>
+            </a:r>
+          </a:p>
+          <a:p>
+            <a:r>
+              <a:rPr lang="en-US" dirty="0" smtClean="0"/>
+              <a:t>Easy to map;</a:t>
+            </a:r>
+          </a:p>
+          <a:p>
+            <a:r>
+              <a:rPr lang="en-US" dirty="0" smtClean="0"/>
+              <a:t>Easy to extend;</a:t>
+            </a:r>
+          </a:p>
+          <a:p>
+            <a:r>
+              <a:rPr lang="en-US" dirty="0" smtClean="0"/>
+              <a:t>Easy to change;</a:t>
+            </a:r>
+          </a:p>
+          <a:p>
+            <a:r>
+              <a:rPr lang="en-US" dirty="0" smtClean="0"/>
+              <a:t>Actions:</a:t>
             </a:r>
           </a:p>
           <a:p>
             <a:pPr lvl="1"/>
             <a:r>
               <a:rPr lang="en-US" dirty="0" smtClean="0"/>
-              <a:t>Requires a build file;</a:t>
+              <a:t>By component type</a:t>
+            </a:r>
+          </a:p>
+          <a:p>
+            <a:r>
+              <a:rPr lang="en-US" dirty="0" smtClean="0"/>
+              <a:t>Assertions:</a:t>
             </a:r>
           </a:p>
           <a:p>
             <a:pPr lvl="1"/>
             <a:r>
+              <a:rPr lang="en-US" dirty="0" smtClean="0"/>
+              <a:t>By component type</a:t>
+            </a:r>
+          </a:p>
+          <a:p>
+            <a:r>
+              <a:rPr lang="en-US" dirty="0" smtClean="0"/>
+              <a:t>With </a:t>
+            </a:r>
+            <a:r>
               <a:rPr lang="en-US" dirty="0" err="1" smtClean="0"/>
-              <a:t>Basedir</a:t>
-            </a:r>
-            <a:r>
-              <a:rPr lang="en-US" dirty="0" smtClean="0"/>
-              <a:t> can be set.</a:t>
-            </a:r>
-            <a:endParaRPr lang="pt-BR" dirty="0"/>
+              <a:t>WebDriver</a:t>
+            </a:r>
+            <a:r>
+              <a:rPr lang="en-US" dirty="0" smtClean="0"/>
+              <a:t> (!</a:t>
+            </a:r>
+            <a:r>
+              <a:rPr lang="en-US" dirty="0" err="1" smtClean="0"/>
+              <a:t>htmlunit</a:t>
+            </a:r>
+            <a:r>
+              <a:rPr lang="en-US" dirty="0" smtClean="0"/>
+              <a:t>):</a:t>
+            </a:r>
+          </a:p>
+          <a:p>
+            <a:pPr lvl="1"/>
+            <a:r>
+              <a:rPr lang="en-US" dirty="0" smtClean="0"/>
+              <a:t>Real-time monitoring of web application behavior</a:t>
+            </a:r>
+          </a:p>
+          <a:p>
+            <a:pPr lvl="1"/>
+            <a:r>
+              <a:rPr lang="en-US" dirty="0" smtClean="0"/>
+              <a:t>Pause on failure listener is a must have.</a:t>
+            </a:r>
+          </a:p>
+          <a:p>
+            <a:pPr lvl="1"/>
+            <a:endParaRPr lang="en-US" dirty="0" smtClean="0"/>
+          </a:p>
+          <a:p>
+            <a:pPr lvl="1"/>
+            <a:endParaRPr lang="en-US" dirty="0" smtClean="0"/>
           </a:p>
         </p:txBody>
       </p:sp>
@@ -16377,8 +17785,41 @@
           <a:p>
             <a:r>
               <a:rPr lang="en-US" dirty="0" smtClean="0"/>
-              <a:t>If something is missing, use ANT.</a:t>
-            </a:r>
+              <a:t>Search strategy unification: easily extensible;</a:t>
+            </a:r>
+          </a:p>
+          <a:p>
+            <a:r>
+              <a:rPr lang="en-US" dirty="0" smtClean="0"/>
+              <a:t>Rich output with your CSS/JS/images;</a:t>
+            </a:r>
+          </a:p>
+          <a:p>
+            <a:r>
+              <a:rPr lang="en-US" dirty="0" smtClean="0"/>
+              <a:t>Automatic screenshots of SUT;</a:t>
+            </a:r>
+          </a:p>
+          <a:p>
+            <a:r>
+              <a:rPr lang="en-US" dirty="0" smtClean="0"/>
+              <a:t>Smart table comparison: high customizable table comparison;</a:t>
+            </a:r>
+          </a:p>
+          <a:p>
+            <a:r>
+              <a:rPr lang="en-US" dirty="0" smtClean="0"/>
+              <a:t>Smart node  comparison: no more missing images or other elements and attributes;</a:t>
+            </a:r>
+          </a:p>
+          <a:p>
+            <a:r>
+              <a:rPr lang="en-US" dirty="0" smtClean="0"/>
+              <a:t>Compare Excel report: compare your table specification (in HTML of Excel) with a download excel file.</a:t>
+            </a:r>
+            <a:endParaRPr lang="pt-BR" dirty="0" smtClean="0"/>
+          </a:p>
+          <a:p>
             <a:endParaRPr lang="pt-BR" dirty="0"/>
           </a:p>
         </p:txBody>
@@ -16428,13 +17869,59 @@
         <p:spPr/>
         <p:txBody>
           <a:bodyPr>
-            <a:normAutofit fontScale="90000"/>
+            <a:normAutofit/>
           </a:bodyPr>
           <a:lstStyle/>
           <a:p>
             <a:r>
               <a:rPr lang="en-US" dirty="0" smtClean="0"/>
-              <a:t>Conclusions</a:t>
+              <a:t>Ant</a:t>
+            </a:r>
+            <a:endParaRPr lang="pt-BR" dirty="0"/>
+          </a:p>
+        </p:txBody>
+      </p:sp>
+      <p:sp>
+        <p:nvSpPr>
+          <p:cNvPr id="4" name="Text Placeholder 3"/>
+          <p:cNvSpPr>
+            <a:spLocks noGrp="1"/>
+          </p:cNvSpPr>
+          <p:nvPr>
+            <p:ph type="body" idx="1"/>
+          </p:nvPr>
+        </p:nvSpPr>
+        <p:spPr/>
+        <p:txBody>
+          <a:bodyPr/>
+          <a:lstStyle/>
+          <a:p>
+            <a:r>
+              <a:rPr lang="en-US" dirty="0" err="1" smtClean="0"/>
+              <a:t>Plugins</a:t>
+            </a:r>
+            <a:endParaRPr lang="pt-BR" dirty="0"/>
+          </a:p>
+        </p:txBody>
+      </p:sp>
+      <p:sp>
+        <p:nvSpPr>
+          <p:cNvPr id="5" name="Text Placeholder 4"/>
+          <p:cNvSpPr>
+            <a:spLocks noGrp="1"/>
+          </p:cNvSpPr>
+          <p:nvPr>
+            <p:ph type="body" sz="half" idx="3"/>
+          </p:nvPr>
+        </p:nvSpPr>
+        <p:spPr/>
+        <p:txBody>
+          <a:bodyPr/>
+          <a:lstStyle/>
+          <a:p>
+            <a:r>
+              <a:rPr lang="en-US" dirty="0" smtClean="0"/>
+              <a:t>Outstanding</a:t>
             </a:r>
             <a:endParaRPr lang="pt-BR" dirty="0"/>
           </a:p>
@@ -16447,71 +17934,60 @@
             <a:spLocks noGrp="1"/>
           </p:cNvSpPr>
           <p:nvPr>
-            <p:ph idx="1"/>
+            <p:ph sz="quarter" idx="2"/>
           </p:nvPr>
         </p:nvSpPr>
         <p:spPr/>
         <p:txBody>
-          <a:bodyPr>
-            <a:normAutofit lnSpcReduction="10000"/>
-          </a:bodyPr>
+          <a:bodyPr/>
           <a:lstStyle/>
           <a:p>
             <a:r>
               <a:rPr lang="en-US" dirty="0" smtClean="0"/>
-              <a:t>Tools must serve not </a:t>
-            </a:r>
-            <a:r>
-              <a:rPr lang="en-US" dirty="0" smtClean="0"/>
-              <a:t>slave!</a:t>
-            </a:r>
-            <a:endParaRPr lang="en-US" dirty="0" smtClean="0"/>
+              <a:t>Perform Ant call</a:t>
+            </a:r>
           </a:p>
           <a:p>
             <a:pPr lvl="1"/>
             <a:r>
               <a:rPr lang="en-US" dirty="0" smtClean="0"/>
-              <a:t>Use the way you feel happy, but remember to avoid bad smells.</a:t>
-            </a:r>
-          </a:p>
-          <a:p>
-            <a:r>
-              <a:rPr lang="en-US" dirty="0" smtClean="0"/>
-              <a:t>Better abstractions implies in happier test designers and developers:</a:t>
+              <a:t>Requires a build file;</a:t>
             </a:r>
           </a:p>
           <a:p>
             <a:pPr lvl="1"/>
             <a:r>
-              <a:rPr lang="en-US" dirty="0" smtClean="0"/>
-              <a:t>Choose how to specify: hardly it wont be able to instrument.</a:t>
-            </a:r>
-          </a:p>
-          <a:p>
-            <a:r>
-              <a:rPr lang="en-US" dirty="0" smtClean="0"/>
-              <a:t>Better development support implies in less unhappier developers:</a:t>
-            </a:r>
-          </a:p>
-          <a:p>
-            <a:pPr lvl="1"/>
-            <a:r>
-              <a:rPr lang="en-US" dirty="0" smtClean="0"/>
-              <a:t>Errors are stressing to developers, help them to find problems is a good thing.</a:t>
-            </a:r>
-          </a:p>
-          <a:p>
-            <a:r>
-              <a:rPr lang="en-US" dirty="0" smtClean="0"/>
-              <a:t>Concurrent tests depend on concurrent system:</a:t>
-            </a:r>
-          </a:p>
-          <a:p>
-            <a:pPr lvl="1"/>
-            <a:r>
-              <a:rPr lang="en-US" dirty="0" smtClean="0"/>
-              <a:t>Avoid static variables, they should be carefully used.</a:t>
-            </a:r>
+              <a:rPr lang="en-US" dirty="0" err="1" smtClean="0"/>
+              <a:t>Basedir</a:t>
+            </a:r>
+            <a:r>
+              <a:rPr lang="en-US" dirty="0" smtClean="0"/>
+              <a:t> can be set.</a:t>
+            </a:r>
+            <a:endParaRPr lang="pt-BR" dirty="0"/>
+          </a:p>
+        </p:txBody>
+      </p:sp>
+      <p:sp>
+        <p:nvSpPr>
+          <p:cNvPr id="6" name="Content Placeholder 5"/>
+          <p:cNvSpPr>
+            <a:spLocks noGrp="1"/>
+          </p:cNvSpPr>
+          <p:nvPr>
+            <p:ph sz="quarter" idx="4"/>
+          </p:nvPr>
+        </p:nvSpPr>
+        <p:spPr/>
+        <p:txBody>
+          <a:bodyPr/>
+          <a:lstStyle/>
+          <a:p>
+            <a:r>
+              <a:rPr lang="en-US" dirty="0" smtClean="0"/>
+              <a:t>If something is missing, use ANT.</a:t>
+            </a:r>
+            <a:endParaRPr lang="pt-BR" dirty="0"/>
           </a:p>
         </p:txBody>
       </p:sp>
@@ -16566,6 +18042,133 @@
           <a:p>
             <a:r>
               <a:rPr lang="en-US" dirty="0" smtClean="0"/>
+              <a:t>Conclusions</a:t>
+            </a:r>
+            <a:endParaRPr lang="pt-BR" dirty="0"/>
+          </a:p>
+        </p:txBody>
+      </p:sp>
+      <p:sp>
+        <p:nvSpPr>
+          <p:cNvPr id="3" name="Content Placeholder 2"/>
+          <p:cNvSpPr>
+            <a:spLocks noGrp="1"/>
+          </p:cNvSpPr>
+          <p:nvPr>
+            <p:ph idx="1"/>
+          </p:nvPr>
+        </p:nvSpPr>
+        <p:spPr/>
+        <p:txBody>
+          <a:bodyPr>
+            <a:normAutofit lnSpcReduction="10000"/>
+          </a:bodyPr>
+          <a:lstStyle/>
+          <a:p>
+            <a:r>
+              <a:rPr lang="en-US" dirty="0" smtClean="0"/>
+              <a:t>Tools must serve not slave!</a:t>
+            </a:r>
+          </a:p>
+          <a:p>
+            <a:pPr lvl="1"/>
+            <a:r>
+              <a:rPr lang="en-US" dirty="0" smtClean="0"/>
+              <a:t>Use the way you feel happy, but remember to avoid bad smells.</a:t>
+            </a:r>
+          </a:p>
+          <a:p>
+            <a:r>
+              <a:rPr lang="en-US" dirty="0" smtClean="0"/>
+              <a:t>Better abstractions implies in happier test designers and developers:</a:t>
+            </a:r>
+          </a:p>
+          <a:p>
+            <a:pPr lvl="1"/>
+            <a:r>
+              <a:rPr lang="en-US" dirty="0" smtClean="0"/>
+              <a:t>Choose how to specify: hardly it wont be able to instrument.</a:t>
+            </a:r>
+          </a:p>
+          <a:p>
+            <a:r>
+              <a:rPr lang="en-US" dirty="0" smtClean="0"/>
+              <a:t>Better development support implies in less unhappier developers:</a:t>
+            </a:r>
+          </a:p>
+          <a:p>
+            <a:pPr lvl="1"/>
+            <a:r>
+              <a:rPr lang="en-US" dirty="0" smtClean="0"/>
+              <a:t>Errors are stressing to developers, help them to find problems is a good thing.</a:t>
+            </a:r>
+          </a:p>
+          <a:p>
+            <a:r>
+              <a:rPr lang="en-US" dirty="0" smtClean="0"/>
+              <a:t>Concurrent tests depend on concurrent system:</a:t>
+            </a:r>
+          </a:p>
+          <a:p>
+            <a:pPr lvl="1"/>
+            <a:r>
+              <a:rPr lang="en-US" dirty="0" smtClean="0"/>
+              <a:t>Avoid static variables, they should be carefully used.</a:t>
+            </a:r>
+          </a:p>
+        </p:txBody>
+      </p:sp>
+    </p:spTree>
+  </p:cSld>
+  <p:clrMapOvr>
+    <a:masterClrMapping/>
+  </p:clrMapOvr>
+  <p:timing>
+    <p:tnLst>
+      <p:par>
+        <p:cTn id="1" dur="indefinite" restart="never" nodeType="tmRoot"/>
+      </p:par>
+    </p:tnLst>
+  </p:timing>
+</p:sld>
+</file>
+
+<file path=ppt/slides/slide27.xml><?xml version="1.0" encoding="utf-8"?>
+<p:sld xmlns:a="http://schemas.openxmlformats.org/drawingml/2006/main" xmlns:r="http://schemas.openxmlformats.org/officeDocument/2006/relationships" xmlns:p="http://schemas.openxmlformats.org/presentationml/2006/main">
+  <p:cSld>
+    <p:spTree>
+      <p:nvGrpSpPr>
+        <p:cNvPr id="1" name=""/>
+        <p:cNvGrpSpPr/>
+        <p:nvPr/>
+      </p:nvGrpSpPr>
+      <p:grpSpPr>
+        <a:xfrm>
+          <a:off x="0" y="0"/>
+          <a:ext cx="0" cy="0"/>
+          <a:chOff x="0" y="0"/>
+          <a:chExt cx="0" cy="0"/>
+        </a:xfrm>
+      </p:grpSpPr>
+      <p:sp>
+        <p:nvSpPr>
+          <p:cNvPr id="2" name="Title 1"/>
+          <p:cNvSpPr>
+            <a:spLocks noGrp="1"/>
+          </p:cNvSpPr>
+          <p:nvPr>
+            <p:ph type="title"/>
+          </p:nvPr>
+        </p:nvSpPr>
+        <p:spPr/>
+        <p:txBody>
+          <a:bodyPr>
+            <a:normAutofit fontScale="90000"/>
+          </a:bodyPr>
+          <a:lstStyle/>
+          <a:p>
+            <a:r>
+              <a:rPr lang="en-US" dirty="0" smtClean="0"/>
               <a:t>Next steps</a:t>
             </a:r>
             <a:endParaRPr lang="pt-BR" dirty="0"/>
@@ -18166,6 +19769,230 @@
 </file>
 
 <file path=ppt/slides/slide8.xml><?xml version="1.0" encoding="utf-8"?>
+<p:sld xmlns:a="http://schemas.openxmlformats.org/drawingml/2006/main" xmlns:r="http://schemas.openxmlformats.org/officeDocument/2006/relationships" xmlns:p="http://schemas.openxmlformats.org/presentationml/2006/main">
+  <p:cSld>
+    <p:spTree>
+      <p:nvGrpSpPr>
+        <p:cNvPr id="1" name=""/>
+        <p:cNvGrpSpPr/>
+        <p:nvPr/>
+      </p:nvGrpSpPr>
+      <p:grpSpPr>
+        <a:xfrm>
+          <a:off x="0" y="0"/>
+          <a:ext cx="0" cy="0"/>
+          <a:chOff x="0" y="0"/>
+          <a:chExt cx="0" cy="0"/>
+        </a:xfrm>
+      </p:grpSpPr>
+      <p:sp>
+        <p:nvSpPr>
+          <p:cNvPr id="2" name="Title 1"/>
+          <p:cNvSpPr>
+            <a:spLocks noGrp="1"/>
+          </p:cNvSpPr>
+          <p:nvPr>
+            <p:ph type="title"/>
+          </p:nvPr>
+        </p:nvSpPr>
+        <p:spPr/>
+        <p:txBody>
+          <a:bodyPr>
+            <a:normAutofit fontScale="90000"/>
+          </a:bodyPr>
+          <a:lstStyle/>
+          <a:p>
+            <a:r>
+              <a:rPr lang="en-US" dirty="0" smtClean="0"/>
+              <a:t>Specification audience</a:t>
+            </a:r>
+            <a:endParaRPr lang="pt-BR" dirty="0"/>
+          </a:p>
+        </p:txBody>
+      </p:sp>
+      <p:pic>
+        <p:nvPicPr>
+          <p:cNvPr id="1026" name="Picture 2"/>
+          <p:cNvPicPr>
+            <a:picLocks noChangeAspect="1" noChangeArrowheads="1"/>
+          </p:cNvPicPr>
+          <p:nvPr/>
+        </p:nvPicPr>
+        <p:blipFill>
+          <a:blip r:embed="rId2" cstate="print"/>
+          <a:srcRect/>
+          <a:stretch>
+            <a:fillRect/>
+          </a:stretch>
+        </p:blipFill>
+        <p:spPr bwMode="auto">
+          <a:xfrm>
+            <a:off x="130284" y="1268760"/>
+            <a:ext cx="8523510" cy="2304256"/>
+          </a:xfrm>
+          <a:prstGeom prst="rect">
+            <a:avLst/>
+          </a:prstGeom>
+          <a:noFill/>
+          <a:ln w="9525">
+            <a:noFill/>
+            <a:miter lim="800000"/>
+            <a:headEnd/>
+            <a:tailEnd/>
+          </a:ln>
+        </p:spPr>
+      </p:pic>
+      <p:sp>
+        <p:nvSpPr>
+          <p:cNvPr id="6" name="TextBox 5"/>
+          <p:cNvSpPr txBox="1"/>
+          <p:nvPr/>
+        </p:nvSpPr>
+        <p:spPr>
+          <a:xfrm rot="16200000">
+            <a:off x="7996462" y="2452810"/>
+            <a:ext cx="1636987" cy="276999"/>
+          </a:xfrm>
+          <a:prstGeom prst="rect">
+            <a:avLst/>
+          </a:prstGeom>
+          <a:noFill/>
+        </p:spPr>
+        <p:txBody>
+          <a:bodyPr wrap="none" rtlCol="0">
+            <a:spAutoFit/>
+          </a:bodyPr>
+          <a:lstStyle/>
+          <a:p>
+            <a:r>
+              <a:rPr lang="en-US" sz="1200" dirty="0" smtClean="0"/>
+              <a:t>By </a:t>
+            </a:r>
+            <a:r>
+              <a:rPr lang="pt-BR" sz="1200" dirty="0" smtClean="0"/>
+              <a:t>Thomas </a:t>
+            </a:r>
+            <a:r>
+              <a:rPr lang="pt-BR" sz="1200" dirty="0" err="1" smtClean="0"/>
+              <a:t>Sundberg</a:t>
+            </a:r>
+            <a:endParaRPr lang="pt-BR" sz="1200" dirty="0"/>
+          </a:p>
+        </p:txBody>
+      </p:sp>
+      <p:pic>
+        <p:nvPicPr>
+          <p:cNvPr id="1028" name="Picture 4" descr="C:\Java\googlecode\svn\trunk\specrunner-core\logos\specrunner.png"/>
+          <p:cNvPicPr>
+            <a:picLocks noChangeAspect="1" noChangeArrowheads="1"/>
+          </p:cNvPicPr>
+          <p:nvPr/>
+        </p:nvPicPr>
+        <p:blipFill>
+          <a:blip r:embed="rId3" cstate="print"/>
+          <a:srcRect/>
+          <a:stretch>
+            <a:fillRect/>
+          </a:stretch>
+        </p:blipFill>
+        <p:spPr bwMode="auto">
+          <a:xfrm>
+            <a:off x="1835696" y="3645024"/>
+            <a:ext cx="6840760" cy="1195620"/>
+          </a:xfrm>
+          <a:prstGeom prst="rect">
+            <a:avLst/>
+          </a:prstGeom>
+          <a:noFill/>
+        </p:spPr>
+      </p:pic>
+      <p:sp>
+        <p:nvSpPr>
+          <p:cNvPr id="9" name="TextBox 8"/>
+          <p:cNvSpPr txBox="1"/>
+          <p:nvPr/>
+        </p:nvSpPr>
+        <p:spPr>
+          <a:xfrm>
+            <a:off x="5076056" y="4725144"/>
+            <a:ext cx="3611886" cy="523220"/>
+          </a:xfrm>
+          <a:prstGeom prst="rect">
+            <a:avLst/>
+          </a:prstGeom>
+          <a:noFill/>
+        </p:spPr>
+        <p:txBody>
+          <a:bodyPr wrap="none" rtlCol="0">
+            <a:spAutoFit/>
+          </a:bodyPr>
+          <a:lstStyle/>
+          <a:p>
+            <a:r>
+              <a:rPr lang="en-US" sz="2800" dirty="0" smtClean="0"/>
+              <a:t>That’s is all you need!</a:t>
+            </a:r>
+            <a:endParaRPr lang="pt-BR" sz="2800" dirty="0"/>
+          </a:p>
+        </p:txBody>
+      </p:sp>
+      <p:sp>
+        <p:nvSpPr>
+          <p:cNvPr id="11" name="Rectangle 10"/>
+          <p:cNvSpPr/>
+          <p:nvPr/>
+        </p:nvSpPr>
+        <p:spPr>
+          <a:xfrm>
+            <a:off x="1691680" y="1196752"/>
+            <a:ext cx="6984776" cy="2448272"/>
+          </a:xfrm>
+          <a:prstGeom prst="rect">
+            <a:avLst/>
+          </a:prstGeom>
+          <a:noFill/>
+        </p:spPr>
+        <p:style>
+          <a:lnRef idx="2">
+            <a:schemeClr val="accent1">
+              <a:shade val="50000"/>
+            </a:schemeClr>
+          </a:lnRef>
+          <a:fillRef idx="1">
+            <a:schemeClr val="accent1"/>
+          </a:fillRef>
+          <a:effectRef idx="0">
+            <a:schemeClr val="accent1"/>
+          </a:effectRef>
+          <a:fontRef idx="minor">
+            <a:schemeClr val="lt1"/>
+          </a:fontRef>
+        </p:style>
+        <p:txBody>
+          <a:bodyPr rtlCol="0" anchor="ctr"/>
+          <a:lstStyle/>
+          <a:p>
+            <a:pPr algn="ctr"/>
+            <a:endParaRPr lang="pt-BR"/>
+          </a:p>
+        </p:txBody>
+      </p:sp>
+    </p:spTree>
+  </p:cSld>
+  <p:clrMapOvr>
+    <a:masterClrMapping/>
+  </p:clrMapOvr>
+  <p:timing>
+    <p:tnLst>
+      <p:par>
+        <p:cTn id="1" dur="indefinite" restart="never" nodeType="tmRoot"/>
+      </p:par>
+    </p:tnLst>
+  </p:timing>
+</p:sld>
+</file>
+
+<file path=ppt/slides/slide9.xml><?xml version="1.0" encoding="utf-8"?>
 <p:sld xmlns:a="http://schemas.openxmlformats.org/drawingml/2006/main" xmlns:r="http://schemas.openxmlformats.org/officeDocument/2006/relationships" xmlns:p="http://schemas.openxmlformats.org/presentationml/2006/main">
   <p:cSld>
     <p:spTree>
@@ -18784,1621 +20611,6 @@
 </p:sld>
 </file>
 
-<file path=ppt/slides/slide9.xml><?xml version="1.0" encoding="utf-8"?>
-<p:sld xmlns:a="http://schemas.openxmlformats.org/drawingml/2006/main" xmlns:r="http://schemas.openxmlformats.org/officeDocument/2006/relationships" xmlns:p="http://schemas.openxmlformats.org/presentationml/2006/main">
-  <p:cSld>
-    <p:spTree>
-      <p:nvGrpSpPr>
-        <p:cNvPr id="1" name=""/>
-        <p:cNvGrpSpPr/>
-        <p:nvPr/>
-      </p:nvGrpSpPr>
-      <p:grpSpPr>
-        <a:xfrm>
-          <a:off x="0" y="0"/>
-          <a:ext cx="0" cy="0"/>
-          <a:chOff x="0" y="0"/>
-          <a:chExt cx="0" cy="0"/>
-        </a:xfrm>
-      </p:grpSpPr>
-      <p:grpSp>
-        <p:nvGrpSpPr>
-          <p:cNvPr id="46" name="Group 45"/>
-          <p:cNvGrpSpPr/>
-          <p:nvPr/>
-        </p:nvGrpSpPr>
-        <p:grpSpPr>
-          <a:xfrm>
-            <a:off x="0" y="5373216"/>
-            <a:ext cx="2433351" cy="1484784"/>
-            <a:chOff x="0" y="5373216"/>
-            <a:chExt cx="2433351" cy="1484784"/>
-          </a:xfrm>
-        </p:grpSpPr>
-        <p:pic>
-          <p:nvPicPr>
-            <p:cNvPr id="17418" name="Picture 10" descr="https://encrypted-tbn0.gstatic.com/images?q=tbn:ANd9GcSPj1ERtARu9klCaeg0udod7PyPKPu1XKC65lALo_JgDBJRu6fr"/>
-            <p:cNvPicPr>
-              <a:picLocks noChangeAspect="1" noChangeArrowheads="1"/>
-            </p:cNvPicPr>
-            <p:nvPr/>
-          </p:nvPicPr>
-          <p:blipFill>
-            <a:blip r:embed="rId2" cstate="print">
-              <a:lum bright="26000" contrast="-27000"/>
-            </a:blip>
-            <a:srcRect/>
-            <a:stretch>
-              <a:fillRect/>
-            </a:stretch>
-          </p:blipFill>
-          <p:spPr bwMode="auto">
-            <a:xfrm>
-              <a:off x="0" y="5373216"/>
-              <a:ext cx="1734627" cy="1484784"/>
-            </a:xfrm>
-            <a:prstGeom prst="rect">
-              <a:avLst/>
-            </a:prstGeom>
-            <a:noFill/>
-          </p:spPr>
-        </p:pic>
-        <p:sp>
-          <p:nvSpPr>
-            <p:cNvPr id="44" name="TextBox 43"/>
-            <p:cNvSpPr txBox="1"/>
-            <p:nvPr/>
-          </p:nvSpPr>
-          <p:spPr>
-            <a:xfrm>
-              <a:off x="1259632" y="6488668"/>
-              <a:ext cx="1173719" cy="369332"/>
-            </a:xfrm>
-            <a:prstGeom prst="rect">
-              <a:avLst/>
-            </a:prstGeom>
-            <a:noFill/>
-          </p:spPr>
-          <p:txBody>
-            <a:bodyPr wrap="none" rtlCol="0">
-              <a:spAutoFit/>
-            </a:bodyPr>
-            <a:lstStyle/>
-            <a:p>
-              <a:r>
-                <a:rPr lang="en-US" dirty="0" smtClean="0"/>
-                <a:t>Black box</a:t>
-              </a:r>
-              <a:endParaRPr lang="pt-BR" dirty="0"/>
-            </a:p>
-          </p:txBody>
-        </p:sp>
-      </p:grpSp>
-      <p:grpSp>
-        <p:nvGrpSpPr>
-          <p:cNvPr id="47" name="Group 46"/>
-          <p:cNvGrpSpPr/>
-          <p:nvPr/>
-        </p:nvGrpSpPr>
-        <p:grpSpPr>
-          <a:xfrm>
-            <a:off x="5868144" y="4375247"/>
-            <a:ext cx="3240360" cy="2482753"/>
-            <a:chOff x="5868144" y="4375247"/>
-            <a:chExt cx="3240360" cy="2482753"/>
-          </a:xfrm>
-        </p:grpSpPr>
-        <p:pic>
-          <p:nvPicPr>
-            <p:cNvPr id="17410" name="Picture 2" descr="https://encrypted-tbn3.gstatic.com/images?q=tbn:ANd9GcSrX44Kq18hNUkLCU6Kzo5223T1IKS5ll9iWALNqSB841_9IVcckQ"/>
-            <p:cNvPicPr>
-              <a:picLocks noChangeAspect="1" noChangeArrowheads="1"/>
-            </p:cNvPicPr>
-            <p:nvPr/>
-          </p:nvPicPr>
-          <p:blipFill>
-            <a:blip r:embed="rId3" cstate="print"/>
-            <a:srcRect/>
-            <a:stretch>
-              <a:fillRect/>
-            </a:stretch>
-          </p:blipFill>
-          <p:spPr bwMode="auto">
-            <a:xfrm>
-              <a:off x="6917276" y="4375247"/>
-              <a:ext cx="2191228" cy="2438129"/>
-            </a:xfrm>
-            <a:prstGeom prst="rect">
-              <a:avLst/>
-            </a:prstGeom>
-            <a:noFill/>
-          </p:spPr>
-        </p:pic>
-        <p:sp>
-          <p:nvSpPr>
-            <p:cNvPr id="45" name="TextBox 44"/>
-            <p:cNvSpPr txBox="1"/>
-            <p:nvPr/>
-          </p:nvSpPr>
-          <p:spPr>
-            <a:xfrm>
-              <a:off x="5868144" y="6488668"/>
-              <a:ext cx="1231427" cy="369332"/>
-            </a:xfrm>
-            <a:prstGeom prst="rect">
-              <a:avLst/>
-            </a:prstGeom>
-            <a:noFill/>
-          </p:spPr>
-          <p:txBody>
-            <a:bodyPr wrap="none" rtlCol="0">
-              <a:spAutoFit/>
-            </a:bodyPr>
-            <a:lstStyle/>
-            <a:p>
-              <a:r>
-                <a:rPr lang="en-US" dirty="0" smtClean="0"/>
-                <a:t>White box</a:t>
-              </a:r>
-              <a:endParaRPr lang="pt-BR" dirty="0"/>
-            </a:p>
-          </p:txBody>
-        </p:sp>
-      </p:grpSp>
-      <p:sp>
-        <p:nvSpPr>
-          <p:cNvPr id="26" name="Rectangle 25"/>
-          <p:cNvSpPr/>
-          <p:nvPr/>
-        </p:nvSpPr>
-        <p:spPr>
-          <a:xfrm>
-            <a:off x="899592" y="2924944"/>
-            <a:ext cx="7272808" cy="1656184"/>
-          </a:xfrm>
-          <a:prstGeom prst="rect">
-            <a:avLst/>
-          </a:prstGeom>
-          <a:solidFill>
-            <a:schemeClr val="accent1">
-              <a:alpha val="26000"/>
-            </a:schemeClr>
-          </a:solidFill>
-          <a:ln>
-            <a:solidFill>
-              <a:schemeClr val="accent1">
-                <a:shade val="50000"/>
-                <a:alpha val="49000"/>
-              </a:schemeClr>
-            </a:solidFill>
-          </a:ln>
-          <a:effectLst>
-            <a:glow rad="139700">
-              <a:schemeClr val="accent2">
-                <a:satMod val="175000"/>
-                <a:alpha val="40000"/>
-              </a:schemeClr>
-            </a:glow>
-            <a:outerShdw blurRad="50800" dist="38100" dir="2700000" algn="tl" rotWithShape="0">
-              <a:prstClr val="black">
-                <a:alpha val="40000"/>
-              </a:prstClr>
-            </a:outerShdw>
-          </a:effectLst>
-        </p:spPr>
-        <p:style>
-          <a:lnRef idx="2">
-            <a:schemeClr val="accent1">
-              <a:shade val="50000"/>
-            </a:schemeClr>
-          </a:lnRef>
-          <a:fillRef idx="1">
-            <a:schemeClr val="accent1"/>
-          </a:fillRef>
-          <a:effectRef idx="0">
-            <a:schemeClr val="accent1"/>
-          </a:effectRef>
-          <a:fontRef idx="minor">
-            <a:schemeClr val="lt1"/>
-          </a:fontRef>
-        </p:style>
-        <p:txBody>
-          <a:bodyPr rtlCol="0" anchor="ctr"/>
-          <a:lstStyle/>
-          <a:p>
-            <a:pPr algn="ctr"/>
-            <a:endParaRPr lang="pt-BR" dirty="0"/>
-          </a:p>
-        </p:txBody>
-      </p:sp>
-      <p:sp>
-        <p:nvSpPr>
-          <p:cNvPr id="2" name="Title 1"/>
-          <p:cNvSpPr>
-            <a:spLocks noGrp="1"/>
-          </p:cNvSpPr>
-          <p:nvPr>
-            <p:ph type="title"/>
-          </p:nvPr>
-        </p:nvSpPr>
-        <p:spPr/>
-        <p:txBody>
-          <a:bodyPr>
-            <a:normAutofit fontScale="90000"/>
-          </a:bodyPr>
-          <a:lstStyle/>
-          <a:p>
-            <a:r>
-              <a:rPr lang="en-US" dirty="0" smtClean="0"/>
-              <a:t>Design – Overview</a:t>
-            </a:r>
-            <a:endParaRPr lang="pt-BR" dirty="0"/>
-          </a:p>
-        </p:txBody>
-      </p:sp>
-      <p:sp>
-        <p:nvSpPr>
-          <p:cNvPr id="7" name="Rectangle 6"/>
-          <p:cNvSpPr/>
-          <p:nvPr/>
-        </p:nvSpPr>
-        <p:spPr>
-          <a:xfrm>
-            <a:off x="1187624" y="3356992"/>
-            <a:ext cx="1584176" cy="792088"/>
-          </a:xfrm>
-          <a:prstGeom prst="rect">
-            <a:avLst/>
-          </a:prstGeom>
-          <a:effectLst>
-            <a:outerShdw blurRad="76200" dir="18900000" sy="23000" kx="-1200000" algn="bl" rotWithShape="0">
-              <a:prstClr val="black">
-                <a:alpha val="20000"/>
-              </a:prstClr>
-            </a:outerShdw>
-          </a:effectLst>
-          <a:scene3d>
-            <a:camera prst="orthographicFront"/>
-            <a:lightRig rig="threePt" dir="t"/>
-          </a:scene3d>
-          <a:sp3d>
-            <a:bevelT/>
-          </a:sp3d>
-        </p:spPr>
-        <p:style>
-          <a:lnRef idx="2">
-            <a:schemeClr val="accent1">
-              <a:shade val="50000"/>
-            </a:schemeClr>
-          </a:lnRef>
-          <a:fillRef idx="1">
-            <a:schemeClr val="accent1"/>
-          </a:fillRef>
-          <a:effectRef idx="0">
-            <a:schemeClr val="accent1"/>
-          </a:effectRef>
-          <a:fontRef idx="minor">
-            <a:schemeClr val="lt1"/>
-          </a:fontRef>
-        </p:style>
-        <p:txBody>
-          <a:bodyPr rtlCol="0" anchor="ctr"/>
-          <a:lstStyle/>
-          <a:p>
-            <a:pPr algn="ctr"/>
-            <a:r>
-              <a:rPr lang="en-US" dirty="0" smtClean="0">
-                <a:effectLst>
-                  <a:outerShdw blurRad="38100" dist="38100" dir="2700000" algn="tl">
-                    <a:srgbClr val="000000">
-                      <a:alpha val="43137"/>
-                    </a:srgbClr>
-                  </a:outerShdw>
-                </a:effectLst>
-              </a:rPr>
-              <a:t>Readers</a:t>
-            </a:r>
-            <a:endParaRPr lang="pt-BR" dirty="0">
-              <a:effectLst>
-                <a:outerShdw blurRad="38100" dist="38100" dir="2700000" algn="tl">
-                  <a:srgbClr val="000000">
-                    <a:alpha val="43137"/>
-                  </a:srgbClr>
-                </a:outerShdw>
-              </a:effectLst>
-            </a:endParaRPr>
-          </a:p>
-        </p:txBody>
-      </p:sp>
-      <p:sp>
-        <p:nvSpPr>
-          <p:cNvPr id="8" name="Rectangle 7"/>
-          <p:cNvSpPr/>
-          <p:nvPr/>
-        </p:nvSpPr>
-        <p:spPr>
-          <a:xfrm>
-            <a:off x="3707904" y="3212976"/>
-            <a:ext cx="1584176" cy="1080120"/>
-          </a:xfrm>
-          <a:prstGeom prst="rect">
-            <a:avLst/>
-          </a:prstGeom>
-          <a:effectLst>
-            <a:outerShdw blurRad="76200" dir="18900000" sy="23000" kx="-1200000" algn="bl" rotWithShape="0">
-              <a:prstClr val="black">
-                <a:alpha val="20000"/>
-              </a:prstClr>
-            </a:outerShdw>
-          </a:effectLst>
-          <a:scene3d>
-            <a:camera prst="orthographicFront"/>
-            <a:lightRig rig="threePt" dir="t"/>
-          </a:scene3d>
-          <a:sp3d>
-            <a:bevelT/>
-          </a:sp3d>
-        </p:spPr>
-        <p:style>
-          <a:lnRef idx="2">
-            <a:schemeClr val="accent1">
-              <a:shade val="50000"/>
-            </a:schemeClr>
-          </a:lnRef>
-          <a:fillRef idx="1">
-            <a:schemeClr val="accent1"/>
-          </a:fillRef>
-          <a:effectRef idx="0">
-            <a:schemeClr val="accent1"/>
-          </a:effectRef>
-          <a:fontRef idx="minor">
-            <a:schemeClr val="lt1"/>
-          </a:fontRef>
-        </p:style>
-        <p:txBody>
-          <a:bodyPr rtlCol="0" anchor="ctr"/>
-          <a:lstStyle/>
-          <a:p>
-            <a:pPr algn="ctr"/>
-            <a:r>
-              <a:rPr lang="en-US" dirty="0" smtClean="0">
-                <a:effectLst>
-                  <a:outerShdw blurRad="38100" dist="38100" dir="2700000" algn="tl">
-                    <a:srgbClr val="000000">
-                      <a:alpha val="43137"/>
-                    </a:srgbClr>
-                  </a:outerShdw>
-                </a:effectLst>
-              </a:rPr>
-              <a:t>Context, Runners &amp; </a:t>
-            </a:r>
-            <a:r>
-              <a:rPr lang="en-US" dirty="0" err="1" smtClean="0">
-                <a:effectLst>
-                  <a:outerShdw blurRad="38100" dist="38100" dir="2700000" algn="tl">
-                    <a:srgbClr val="000000">
-                      <a:alpha val="43137"/>
-                    </a:srgbClr>
-                  </a:outerShdw>
-                </a:effectLst>
-              </a:rPr>
-              <a:t>Plugins</a:t>
-            </a:r>
-            <a:endParaRPr lang="pt-BR" dirty="0">
-              <a:effectLst>
-                <a:outerShdw blurRad="38100" dist="38100" dir="2700000" algn="tl">
-                  <a:srgbClr val="000000">
-                    <a:alpha val="43137"/>
-                  </a:srgbClr>
-                </a:outerShdw>
-              </a:effectLst>
-            </a:endParaRPr>
-          </a:p>
-        </p:txBody>
-      </p:sp>
-      <p:sp>
-        <p:nvSpPr>
-          <p:cNvPr id="9" name="Rectangle 8"/>
-          <p:cNvSpPr/>
-          <p:nvPr/>
-        </p:nvSpPr>
-        <p:spPr>
-          <a:xfrm>
-            <a:off x="6300192" y="3356992"/>
-            <a:ext cx="1584176" cy="792088"/>
-          </a:xfrm>
-          <a:prstGeom prst="rect">
-            <a:avLst/>
-          </a:prstGeom>
-          <a:effectLst>
-            <a:outerShdw blurRad="76200" dir="18900000" sy="23000" kx="-1200000" algn="bl" rotWithShape="0">
-              <a:prstClr val="black">
-                <a:alpha val="20000"/>
-              </a:prstClr>
-            </a:outerShdw>
-          </a:effectLst>
-          <a:scene3d>
-            <a:camera prst="orthographicFront"/>
-            <a:lightRig rig="threePt" dir="t"/>
-          </a:scene3d>
-          <a:sp3d>
-            <a:bevelT/>
-          </a:sp3d>
-        </p:spPr>
-        <p:style>
-          <a:lnRef idx="2">
-            <a:schemeClr val="accent1">
-              <a:shade val="50000"/>
-            </a:schemeClr>
-          </a:lnRef>
-          <a:fillRef idx="1">
-            <a:schemeClr val="accent1"/>
-          </a:fillRef>
-          <a:effectRef idx="0">
-            <a:schemeClr val="accent1"/>
-          </a:effectRef>
-          <a:fontRef idx="minor">
-            <a:schemeClr val="lt1"/>
-          </a:fontRef>
-        </p:style>
-        <p:txBody>
-          <a:bodyPr rtlCol="0" anchor="ctr"/>
-          <a:lstStyle/>
-          <a:p>
-            <a:pPr algn="ctr"/>
-            <a:r>
-              <a:rPr lang="en-US" dirty="0" smtClean="0">
-                <a:effectLst>
-                  <a:outerShdw blurRad="38100" dist="38100" dir="2700000" algn="tl">
-                    <a:srgbClr val="000000">
-                      <a:alpha val="43137"/>
-                    </a:srgbClr>
-                  </a:outerShdw>
-                </a:effectLst>
-              </a:rPr>
-              <a:t>Writers</a:t>
-            </a:r>
-            <a:endParaRPr lang="pt-BR" dirty="0">
-              <a:effectLst>
-                <a:outerShdw blurRad="38100" dist="38100" dir="2700000" algn="tl">
-                  <a:srgbClr val="000000">
-                    <a:alpha val="43137"/>
-                  </a:srgbClr>
-                </a:outerShdw>
-              </a:effectLst>
-            </a:endParaRPr>
-          </a:p>
-        </p:txBody>
-      </p:sp>
-      <p:sp>
-        <p:nvSpPr>
-          <p:cNvPr id="10" name="Rectangle 9"/>
-          <p:cNvSpPr/>
-          <p:nvPr/>
-        </p:nvSpPr>
-        <p:spPr>
-          <a:xfrm>
-            <a:off x="3707904" y="1484784"/>
-            <a:ext cx="1584176" cy="792088"/>
-          </a:xfrm>
-          <a:prstGeom prst="rect">
-            <a:avLst/>
-          </a:prstGeom>
-          <a:solidFill>
-            <a:schemeClr val="tx1">
-              <a:lumMod val="65000"/>
-              <a:lumOff val="35000"/>
-            </a:schemeClr>
-          </a:solidFill>
-          <a:effectLst>
-            <a:outerShdw blurRad="76200" dir="18900000" sy="23000" kx="-1200000" algn="bl" rotWithShape="0">
-              <a:prstClr val="black">
-                <a:alpha val="20000"/>
-              </a:prstClr>
-            </a:outerShdw>
-          </a:effectLst>
-          <a:scene3d>
-            <a:camera prst="orthographicFront"/>
-            <a:lightRig rig="threePt" dir="t"/>
-          </a:scene3d>
-          <a:sp3d>
-            <a:bevelT/>
-          </a:sp3d>
-        </p:spPr>
-        <p:style>
-          <a:lnRef idx="2">
-            <a:schemeClr val="accent1">
-              <a:shade val="50000"/>
-            </a:schemeClr>
-          </a:lnRef>
-          <a:fillRef idx="1">
-            <a:schemeClr val="accent1"/>
-          </a:fillRef>
-          <a:effectRef idx="0">
-            <a:schemeClr val="accent1"/>
-          </a:effectRef>
-          <a:fontRef idx="minor">
-            <a:schemeClr val="lt1"/>
-          </a:fontRef>
-        </p:style>
-        <p:txBody>
-          <a:bodyPr rtlCol="0" anchor="ctr"/>
-          <a:lstStyle/>
-          <a:p>
-            <a:pPr algn="ctr"/>
-            <a:r>
-              <a:rPr lang="en-US" dirty="0" smtClean="0">
-                <a:effectLst>
-                  <a:outerShdw blurRad="38100" dist="38100" dir="2700000" algn="tl">
-                    <a:srgbClr val="000000">
-                      <a:alpha val="43137"/>
-                    </a:srgbClr>
-                  </a:outerShdw>
-                </a:effectLst>
-              </a:rPr>
-              <a:t>Test</a:t>
-            </a:r>
-            <a:endParaRPr lang="pt-BR" dirty="0" smtClean="0">
-              <a:effectLst>
-                <a:outerShdw blurRad="38100" dist="38100" dir="2700000" algn="tl">
-                  <a:srgbClr val="000000">
-                    <a:alpha val="43137"/>
-                  </a:srgbClr>
-                </a:outerShdw>
-              </a:effectLst>
-            </a:endParaRPr>
-          </a:p>
-        </p:txBody>
-      </p:sp>
-      <p:cxnSp>
-        <p:nvCxnSpPr>
-          <p:cNvPr id="12" name="Curved Connector 11"/>
-          <p:cNvCxnSpPr>
-            <a:stCxn id="10" idx="1"/>
-            <a:endCxn id="7" idx="1"/>
-          </p:cNvCxnSpPr>
-          <p:nvPr/>
-        </p:nvCxnSpPr>
-        <p:spPr>
-          <a:xfrm rot="10800000" flipV="1">
-            <a:off x="1187624" y="1880828"/>
-            <a:ext cx="2520280" cy="1872208"/>
-          </a:xfrm>
-          <a:prstGeom prst="curvedConnector3">
-            <a:avLst>
-              <a:gd name="adj1" fmla="val 109070"/>
-            </a:avLst>
-          </a:prstGeom>
-          <a:ln w="25400">
-            <a:solidFill>
-              <a:schemeClr val="bg2">
-                <a:lumMod val="25000"/>
-              </a:schemeClr>
-            </a:solidFill>
-            <a:headEnd type="oval"/>
-            <a:tailEnd type="triangle" w="lg" len="lg"/>
-          </a:ln>
-        </p:spPr>
-        <p:style>
-          <a:lnRef idx="1">
-            <a:schemeClr val="accent1"/>
-          </a:lnRef>
-          <a:fillRef idx="0">
-            <a:schemeClr val="accent1"/>
-          </a:fillRef>
-          <a:effectRef idx="0">
-            <a:schemeClr val="accent1"/>
-          </a:effectRef>
-          <a:fontRef idx="minor">
-            <a:schemeClr val="tx1"/>
-          </a:fontRef>
-        </p:style>
-      </p:cxnSp>
-      <p:cxnSp>
-        <p:nvCxnSpPr>
-          <p:cNvPr id="15" name="Straight Arrow Connector 14"/>
-          <p:cNvCxnSpPr>
-            <a:stCxn id="7" idx="3"/>
-            <a:endCxn id="8" idx="1"/>
-          </p:cNvCxnSpPr>
-          <p:nvPr/>
-        </p:nvCxnSpPr>
-        <p:spPr>
-          <a:xfrm>
-            <a:off x="2771800" y="3753036"/>
-            <a:ext cx="936104" cy="0"/>
-          </a:xfrm>
-          <a:prstGeom prst="straightConnector1">
-            <a:avLst/>
-          </a:prstGeom>
-          <a:ln w="25400">
-            <a:solidFill>
-              <a:schemeClr val="bg2">
-                <a:lumMod val="25000"/>
-              </a:schemeClr>
-            </a:solidFill>
-            <a:headEnd type="oval"/>
-            <a:tailEnd type="triangle" w="lg" len="lg"/>
-          </a:ln>
-        </p:spPr>
-        <p:style>
-          <a:lnRef idx="1">
-            <a:schemeClr val="accent1"/>
-          </a:lnRef>
-          <a:fillRef idx="0">
-            <a:schemeClr val="accent1"/>
-          </a:fillRef>
-          <a:effectRef idx="0">
-            <a:schemeClr val="accent1"/>
-          </a:effectRef>
-          <a:fontRef idx="minor">
-            <a:schemeClr val="tx1"/>
-          </a:fontRef>
-        </p:style>
-      </p:cxnSp>
-      <p:cxnSp>
-        <p:nvCxnSpPr>
-          <p:cNvPr id="18" name="Straight Arrow Connector 17"/>
-          <p:cNvCxnSpPr>
-            <a:stCxn id="8" idx="3"/>
-            <a:endCxn id="9" idx="1"/>
-          </p:cNvCxnSpPr>
-          <p:nvPr/>
-        </p:nvCxnSpPr>
-        <p:spPr>
-          <a:xfrm>
-            <a:off x="5292080" y="3753036"/>
-            <a:ext cx="1008112" cy="0"/>
-          </a:xfrm>
-          <a:prstGeom prst="straightConnector1">
-            <a:avLst/>
-          </a:prstGeom>
-          <a:ln w="25400">
-            <a:solidFill>
-              <a:schemeClr val="bg2">
-                <a:lumMod val="25000"/>
-              </a:schemeClr>
-            </a:solidFill>
-            <a:headEnd type="oval"/>
-            <a:tailEnd type="triangle" w="lg" len="lg"/>
-          </a:ln>
-        </p:spPr>
-        <p:style>
-          <a:lnRef idx="1">
-            <a:schemeClr val="accent1"/>
-          </a:lnRef>
-          <a:fillRef idx="0">
-            <a:schemeClr val="accent1"/>
-          </a:fillRef>
-          <a:effectRef idx="0">
-            <a:schemeClr val="accent1"/>
-          </a:effectRef>
-          <a:fontRef idx="minor">
-            <a:schemeClr val="tx1"/>
-          </a:fontRef>
-        </p:style>
-      </p:cxnSp>
-      <p:cxnSp>
-        <p:nvCxnSpPr>
-          <p:cNvPr id="24" name="Curved Connector 23"/>
-          <p:cNvCxnSpPr>
-            <a:stCxn id="9" idx="3"/>
-            <a:endCxn id="10" idx="3"/>
-          </p:cNvCxnSpPr>
-          <p:nvPr/>
-        </p:nvCxnSpPr>
-        <p:spPr>
-          <a:xfrm flipH="1" flipV="1">
-            <a:off x="5292080" y="1880828"/>
-            <a:ext cx="2592288" cy="1872208"/>
-          </a:xfrm>
-          <a:prstGeom prst="curvedConnector3">
-            <a:avLst>
-              <a:gd name="adj1" fmla="val -8818"/>
-            </a:avLst>
-          </a:prstGeom>
-          <a:ln w="25400">
-            <a:solidFill>
-              <a:schemeClr val="bg2">
-                <a:lumMod val="25000"/>
-              </a:schemeClr>
-            </a:solidFill>
-            <a:headEnd type="oval"/>
-            <a:tailEnd type="triangle" w="lg" len="lg"/>
-          </a:ln>
-        </p:spPr>
-        <p:style>
-          <a:lnRef idx="1">
-            <a:schemeClr val="accent1"/>
-          </a:lnRef>
-          <a:fillRef idx="0">
-            <a:schemeClr val="accent1"/>
-          </a:fillRef>
-          <a:effectRef idx="0">
-            <a:schemeClr val="accent1"/>
-          </a:effectRef>
-          <a:fontRef idx="minor">
-            <a:schemeClr val="tx1"/>
-          </a:fontRef>
-        </p:style>
-      </p:cxnSp>
-      <p:sp>
-        <p:nvSpPr>
-          <p:cNvPr id="29" name="Rectangle 28"/>
-          <p:cNvSpPr/>
-          <p:nvPr/>
-        </p:nvSpPr>
-        <p:spPr>
-          <a:xfrm>
-            <a:off x="3707904" y="5373216"/>
-            <a:ext cx="1584176" cy="792088"/>
-          </a:xfrm>
-          <a:prstGeom prst="rect">
-            <a:avLst/>
-          </a:prstGeom>
-          <a:solidFill>
-            <a:schemeClr val="accent2"/>
-          </a:solidFill>
-          <a:effectLst>
-            <a:outerShdw blurRad="76200" dir="18900000" sy="23000" kx="-1200000" algn="bl" rotWithShape="0">
-              <a:prstClr val="black">
-                <a:alpha val="20000"/>
-              </a:prstClr>
-            </a:outerShdw>
-          </a:effectLst>
-          <a:scene3d>
-            <a:camera prst="orthographicFront"/>
-            <a:lightRig rig="threePt" dir="t"/>
-          </a:scene3d>
-          <a:sp3d>
-            <a:bevelT/>
-          </a:sp3d>
-        </p:spPr>
-        <p:style>
-          <a:lnRef idx="2">
-            <a:schemeClr val="accent1">
-              <a:shade val="50000"/>
-            </a:schemeClr>
-          </a:lnRef>
-          <a:fillRef idx="1">
-            <a:schemeClr val="accent1"/>
-          </a:fillRef>
-          <a:effectRef idx="0">
-            <a:schemeClr val="accent1"/>
-          </a:effectRef>
-          <a:fontRef idx="minor">
-            <a:schemeClr val="lt1"/>
-          </a:fontRef>
-        </p:style>
-        <p:txBody>
-          <a:bodyPr rtlCol="0" anchor="ctr"/>
-          <a:lstStyle/>
-          <a:p>
-            <a:pPr algn="ctr"/>
-            <a:r>
-              <a:rPr lang="en-US" dirty="0" smtClean="0">
-                <a:effectLst>
-                  <a:outerShdw blurRad="38100" dist="38100" dir="2700000" algn="tl">
-                    <a:srgbClr val="000000">
-                      <a:alpha val="43137"/>
-                    </a:srgbClr>
-                  </a:outerShdw>
-                </a:effectLst>
-              </a:rPr>
-              <a:t>SUT</a:t>
-            </a:r>
-            <a:endParaRPr lang="pt-BR" dirty="0" smtClean="0">
-              <a:effectLst>
-                <a:outerShdw blurRad="38100" dist="38100" dir="2700000" algn="tl">
-                  <a:srgbClr val="000000">
-                    <a:alpha val="43137"/>
-                  </a:srgbClr>
-                </a:outerShdw>
-              </a:effectLst>
-            </a:endParaRPr>
-          </a:p>
-        </p:txBody>
-      </p:sp>
-      <p:cxnSp>
-        <p:nvCxnSpPr>
-          <p:cNvPr id="31" name="Curved Connector 30"/>
-          <p:cNvCxnSpPr>
-            <a:stCxn id="8" idx="2"/>
-            <a:endCxn id="29" idx="1"/>
-          </p:cNvCxnSpPr>
-          <p:nvPr/>
-        </p:nvCxnSpPr>
-        <p:spPr>
-          <a:xfrm rot="5400000">
-            <a:off x="3365866" y="4635134"/>
-            <a:ext cx="1476164" cy="792088"/>
-          </a:xfrm>
-          <a:prstGeom prst="curvedConnector4">
-            <a:avLst>
-              <a:gd name="adj1" fmla="val 36585"/>
-              <a:gd name="adj2" fmla="val 128860"/>
-            </a:avLst>
-          </a:prstGeom>
-          <a:ln w="25400">
-            <a:solidFill>
-              <a:schemeClr val="bg2">
-                <a:lumMod val="25000"/>
-              </a:schemeClr>
-            </a:solidFill>
-            <a:headEnd type="oval"/>
-            <a:tailEnd type="triangle" w="lg" len="lg"/>
-          </a:ln>
-        </p:spPr>
-        <p:style>
-          <a:lnRef idx="1">
-            <a:schemeClr val="accent1"/>
-          </a:lnRef>
-          <a:fillRef idx="0">
-            <a:schemeClr val="accent1"/>
-          </a:fillRef>
-          <a:effectRef idx="0">
-            <a:schemeClr val="accent1"/>
-          </a:effectRef>
-          <a:fontRef idx="minor">
-            <a:schemeClr val="tx1"/>
-          </a:fontRef>
-        </p:style>
-      </p:cxnSp>
-      <p:cxnSp>
-        <p:nvCxnSpPr>
-          <p:cNvPr id="34" name="Curved Connector 33"/>
-          <p:cNvCxnSpPr>
-            <a:stCxn id="29" idx="3"/>
-            <a:endCxn id="8" idx="2"/>
-          </p:cNvCxnSpPr>
-          <p:nvPr/>
-        </p:nvCxnSpPr>
-        <p:spPr>
-          <a:xfrm flipH="1" flipV="1">
-            <a:off x="4499992" y="4293096"/>
-            <a:ext cx="792088" cy="1476164"/>
-          </a:xfrm>
-          <a:prstGeom prst="curvedConnector4">
-            <a:avLst>
-              <a:gd name="adj1" fmla="val -28860"/>
-              <a:gd name="adj2" fmla="val 63415"/>
-            </a:avLst>
-          </a:prstGeom>
-          <a:ln w="25400">
-            <a:solidFill>
-              <a:schemeClr val="bg2">
-                <a:lumMod val="25000"/>
-              </a:schemeClr>
-            </a:solidFill>
-            <a:headEnd type="oval"/>
-            <a:tailEnd type="triangle" w="lg" len="lg"/>
-          </a:ln>
-        </p:spPr>
-        <p:style>
-          <a:lnRef idx="1">
-            <a:schemeClr val="accent1"/>
-          </a:lnRef>
-          <a:fillRef idx="0">
-            <a:schemeClr val="accent1"/>
-          </a:fillRef>
-          <a:effectRef idx="0">
-            <a:schemeClr val="accent1"/>
-          </a:effectRef>
-          <a:fontRef idx="minor">
-            <a:schemeClr val="tx1"/>
-          </a:fontRef>
-        </p:style>
-      </p:cxnSp>
-      <p:sp>
-        <p:nvSpPr>
-          <p:cNvPr id="38" name="TextBox 37"/>
-          <p:cNvSpPr txBox="1"/>
-          <p:nvPr/>
-        </p:nvSpPr>
-        <p:spPr>
-          <a:xfrm>
-            <a:off x="6557160" y="4248384"/>
-            <a:ext cx="1649811" cy="369332"/>
-          </a:xfrm>
-          <a:prstGeom prst="rect">
-            <a:avLst/>
-          </a:prstGeom>
-          <a:noFill/>
-        </p:spPr>
-        <p:txBody>
-          <a:bodyPr wrap="none" rtlCol="0">
-            <a:spAutoFit/>
-          </a:bodyPr>
-          <a:lstStyle/>
-          <a:p>
-            <a:r>
-              <a:rPr lang="en-US" b="1" dirty="0" err="1" smtClean="0">
-                <a:solidFill>
-                  <a:schemeClr val="bg1"/>
-                </a:solidFill>
-                <a:effectLst>
-                  <a:outerShdw blurRad="38100" dist="38100" dir="2700000" algn="tl">
-                    <a:srgbClr val="000000">
-                      <a:alpha val="43137"/>
-                    </a:srgbClr>
-                  </a:outerShdw>
-                </a:effectLst>
-              </a:rPr>
-              <a:t>SpecRunner</a:t>
-            </a:r>
-            <a:endParaRPr lang="pt-BR" b="1" dirty="0">
-              <a:solidFill>
-                <a:schemeClr val="bg1"/>
-              </a:solidFill>
-              <a:effectLst>
-                <a:outerShdw blurRad="38100" dist="38100" dir="2700000" algn="tl">
-                  <a:srgbClr val="000000">
-                    <a:alpha val="43137"/>
-                  </a:srgbClr>
-                </a:outerShdw>
-              </a:effectLst>
-            </a:endParaRPr>
-          </a:p>
-        </p:txBody>
-      </p:sp>
-      <p:cxnSp>
-        <p:nvCxnSpPr>
-          <p:cNvPr id="52" name="Curved Connector 51"/>
-          <p:cNvCxnSpPr>
-            <a:stCxn id="10" idx="0"/>
-            <a:endCxn id="29" idx="2"/>
-          </p:cNvCxnSpPr>
-          <p:nvPr/>
-        </p:nvCxnSpPr>
-        <p:spPr>
-          <a:xfrm rot="16200000" flipH="1">
-            <a:off x="2159732" y="3825044"/>
-            <a:ext cx="4680520" cy="12700"/>
-          </a:xfrm>
-          <a:prstGeom prst="curvedConnector5">
-            <a:avLst>
-              <a:gd name="adj1" fmla="val -4884"/>
-              <a:gd name="adj2" fmla="val 31786167"/>
-              <a:gd name="adj3" fmla="val 104884"/>
-            </a:avLst>
-          </a:prstGeom>
-          <a:ln w="25400">
-            <a:solidFill>
-              <a:schemeClr val="accent4">
-                <a:lumMod val="75000"/>
-              </a:schemeClr>
-            </a:solidFill>
-            <a:prstDash val="sysDot"/>
-            <a:headEnd type="triangle" w="lg" len="lg"/>
-            <a:tailEnd type="oval" w="med" len="med"/>
-          </a:ln>
-        </p:spPr>
-        <p:style>
-          <a:lnRef idx="1">
-            <a:schemeClr val="accent1"/>
-          </a:lnRef>
-          <a:fillRef idx="0">
-            <a:schemeClr val="accent1"/>
-          </a:fillRef>
-          <a:effectRef idx="0">
-            <a:schemeClr val="accent1"/>
-          </a:effectRef>
-          <a:fontRef idx="minor">
-            <a:schemeClr val="tx1"/>
-          </a:fontRef>
-        </p:style>
-      </p:cxnSp>
-      <p:cxnSp>
-        <p:nvCxnSpPr>
-          <p:cNvPr id="67" name="Curved Connector 51"/>
-          <p:cNvCxnSpPr>
-            <a:stCxn id="10" idx="0"/>
-            <a:endCxn id="29" idx="2"/>
-          </p:cNvCxnSpPr>
-          <p:nvPr/>
-        </p:nvCxnSpPr>
-        <p:spPr>
-          <a:xfrm rot="16200000" flipH="1">
-            <a:off x="2159732" y="3825044"/>
-            <a:ext cx="4680520" cy="12700"/>
-          </a:xfrm>
-          <a:prstGeom prst="curvedConnector5">
-            <a:avLst>
-              <a:gd name="adj1" fmla="val -4884"/>
-              <a:gd name="adj2" fmla="val -31079514"/>
-              <a:gd name="adj3" fmla="val 104884"/>
-            </a:avLst>
-          </a:prstGeom>
-          <a:ln w="25400">
-            <a:solidFill>
-              <a:schemeClr val="accent4">
-                <a:lumMod val="75000"/>
-              </a:schemeClr>
-            </a:solidFill>
-            <a:prstDash val="sysDot"/>
-            <a:headEnd type="oval"/>
-            <a:tailEnd type="triangle" w="lg" len="lg"/>
-          </a:ln>
-        </p:spPr>
-        <p:style>
-          <a:lnRef idx="1">
-            <a:schemeClr val="accent1"/>
-          </a:lnRef>
-          <a:fillRef idx="0">
-            <a:schemeClr val="accent1"/>
-          </a:fillRef>
-          <a:effectRef idx="0">
-            <a:schemeClr val="accent1"/>
-          </a:effectRef>
-          <a:fontRef idx="minor">
-            <a:schemeClr val="tx1"/>
-          </a:fontRef>
-        </p:style>
-      </p:cxnSp>
-      <p:sp>
-        <p:nvSpPr>
-          <p:cNvPr id="23" name="TextBox 22"/>
-          <p:cNvSpPr txBox="1"/>
-          <p:nvPr/>
-        </p:nvSpPr>
-        <p:spPr>
-          <a:xfrm>
-            <a:off x="1763688" y="2132856"/>
-            <a:ext cx="1423788" cy="369332"/>
-          </a:xfrm>
-          <a:prstGeom prst="rect">
-            <a:avLst/>
-          </a:prstGeom>
-          <a:noFill/>
-        </p:spPr>
-        <p:txBody>
-          <a:bodyPr wrap="none" rtlCol="0">
-            <a:spAutoFit/>
-          </a:bodyPr>
-          <a:lstStyle/>
-          <a:p>
-            <a:r>
-              <a:rPr lang="en-US" dirty="0" smtClean="0"/>
-              <a:t>1. Reference</a:t>
-            </a:r>
-            <a:endParaRPr lang="pt-BR" dirty="0"/>
-          </a:p>
-        </p:txBody>
-      </p:sp>
-      <p:sp>
-        <p:nvSpPr>
-          <p:cNvPr id="25" name="TextBox 24"/>
-          <p:cNvSpPr txBox="1"/>
-          <p:nvPr/>
-        </p:nvSpPr>
-        <p:spPr>
-          <a:xfrm>
-            <a:off x="2771800" y="3356992"/>
-            <a:ext cx="893193" cy="369332"/>
-          </a:xfrm>
-          <a:prstGeom prst="rect">
-            <a:avLst/>
-          </a:prstGeom>
-          <a:noFill/>
-        </p:spPr>
-        <p:txBody>
-          <a:bodyPr wrap="none" rtlCol="0">
-            <a:spAutoFit/>
-          </a:bodyPr>
-          <a:lstStyle/>
-          <a:p>
-            <a:r>
-              <a:rPr lang="en-US" dirty="0" smtClean="0"/>
-              <a:t>2. Tree</a:t>
-            </a:r>
-            <a:endParaRPr lang="pt-BR" dirty="0"/>
-          </a:p>
-        </p:txBody>
-      </p:sp>
-      <p:sp>
-        <p:nvSpPr>
-          <p:cNvPr id="27" name="TextBox 26"/>
-          <p:cNvSpPr txBox="1"/>
-          <p:nvPr/>
-        </p:nvSpPr>
-        <p:spPr>
-          <a:xfrm>
-            <a:off x="5364088" y="3356992"/>
-            <a:ext cx="803425" cy="369332"/>
-          </a:xfrm>
-          <a:prstGeom prst="rect">
-            <a:avLst/>
-          </a:prstGeom>
-          <a:noFill/>
-        </p:spPr>
-        <p:txBody>
-          <a:bodyPr wrap="none" rtlCol="0">
-            <a:spAutoFit/>
-          </a:bodyPr>
-          <a:lstStyle/>
-          <a:p>
-            <a:r>
-              <a:rPr lang="en-US" dirty="0" smtClean="0"/>
-              <a:t>5. Res</a:t>
-            </a:r>
-            <a:endParaRPr lang="pt-BR" dirty="0"/>
-          </a:p>
-        </p:txBody>
-      </p:sp>
-      <p:sp>
-        <p:nvSpPr>
-          <p:cNvPr id="28" name="TextBox 27"/>
-          <p:cNvSpPr txBox="1"/>
-          <p:nvPr/>
-        </p:nvSpPr>
-        <p:spPr>
-          <a:xfrm>
-            <a:off x="6228184" y="2132856"/>
-            <a:ext cx="1138453" cy="369332"/>
-          </a:xfrm>
-          <a:prstGeom prst="rect">
-            <a:avLst/>
-          </a:prstGeom>
-          <a:noFill/>
-        </p:spPr>
-        <p:txBody>
-          <a:bodyPr wrap="none" rtlCol="0">
-            <a:spAutoFit/>
-          </a:bodyPr>
-          <a:lstStyle/>
-          <a:p>
-            <a:r>
-              <a:rPr lang="en-US" dirty="0" smtClean="0"/>
-              <a:t>6. Report</a:t>
-            </a:r>
-            <a:endParaRPr lang="pt-BR" dirty="0"/>
-          </a:p>
-        </p:txBody>
-      </p:sp>
-      <p:sp>
-        <p:nvSpPr>
-          <p:cNvPr id="30" name="TextBox 29"/>
-          <p:cNvSpPr txBox="1"/>
-          <p:nvPr/>
-        </p:nvSpPr>
-        <p:spPr>
-          <a:xfrm>
-            <a:off x="2411760" y="4941168"/>
-            <a:ext cx="1132041" cy="369332"/>
-          </a:xfrm>
-          <a:prstGeom prst="rect">
-            <a:avLst/>
-          </a:prstGeom>
-          <a:noFill/>
-        </p:spPr>
-        <p:txBody>
-          <a:bodyPr wrap="none" rtlCol="0">
-            <a:spAutoFit/>
-          </a:bodyPr>
-          <a:lstStyle/>
-          <a:p>
-            <a:r>
-              <a:rPr lang="en-US" dirty="0" smtClean="0"/>
-              <a:t>3. Invoke</a:t>
-            </a:r>
-            <a:endParaRPr lang="pt-BR" dirty="0"/>
-          </a:p>
-        </p:txBody>
-      </p:sp>
-      <p:sp>
-        <p:nvSpPr>
-          <p:cNvPr id="32" name="TextBox 31"/>
-          <p:cNvSpPr txBox="1"/>
-          <p:nvPr/>
-        </p:nvSpPr>
-        <p:spPr>
-          <a:xfrm>
-            <a:off x="5508104" y="4931876"/>
-            <a:ext cx="1005403" cy="369332"/>
-          </a:xfrm>
-          <a:prstGeom prst="rect">
-            <a:avLst/>
-          </a:prstGeom>
-          <a:noFill/>
-        </p:spPr>
-        <p:txBody>
-          <a:bodyPr wrap="none" rtlCol="0">
-            <a:spAutoFit/>
-          </a:bodyPr>
-          <a:lstStyle/>
-          <a:p>
-            <a:r>
-              <a:rPr lang="en-US" dirty="0" smtClean="0"/>
-              <a:t>4. React</a:t>
-            </a:r>
-            <a:endParaRPr lang="pt-BR" dirty="0"/>
-          </a:p>
-        </p:txBody>
-      </p:sp>
-    </p:spTree>
-  </p:cSld>
-  <p:clrMapOvr>
-    <a:masterClrMapping/>
-  </p:clrMapOvr>
-  <p:timing>
-    <p:tnLst>
-      <p:par>
-        <p:cTn id="1" dur="indefinite" restart="never" nodeType="tmRoot">
-          <p:childTnLst>
-            <p:seq concurrent="1" nextAc="seek">
-              <p:cTn id="2" dur="indefinite" nodeType="mainSeq">
-                <p:childTnLst>
-                  <p:par>
-                    <p:cTn id="3" fill="hold">
-                      <p:stCondLst>
-                        <p:cond delay="indefinite"/>
-                      </p:stCondLst>
-                      <p:childTnLst>
-                        <p:par>
-                          <p:cTn id="4" fill="hold">
-                            <p:stCondLst>
-                              <p:cond delay="0"/>
-                            </p:stCondLst>
-                            <p:childTnLst>
-                              <p:par>
-                                <p:cTn id="5" presetID="2" presetClass="entr" presetSubtype="8" fill="hold" nodeType="clickEffect">
-                                  <p:stCondLst>
-                                    <p:cond delay="0"/>
-                                  </p:stCondLst>
-                                  <p:childTnLst>
-                                    <p:set>
-                                      <p:cBhvr>
-                                        <p:cTn id="6" dur="1" fill="hold">
-                                          <p:stCondLst>
-                                            <p:cond delay="0"/>
-                                          </p:stCondLst>
-                                        </p:cTn>
-                                        <p:tgtEl>
-                                          <p:spTgt spid="67"/>
-                                        </p:tgtEl>
-                                        <p:attrNameLst>
-                                          <p:attrName>style.visibility</p:attrName>
-                                        </p:attrNameLst>
-                                      </p:cBhvr>
-                                      <p:to>
-                                        <p:strVal val="visible"/>
-                                      </p:to>
-                                    </p:set>
-                                    <p:anim calcmode="lin" valueType="num">
-                                      <p:cBhvr additive="base">
-                                        <p:cTn id="7" dur="500" fill="hold"/>
-                                        <p:tgtEl>
-                                          <p:spTgt spid="67"/>
-                                        </p:tgtEl>
-                                        <p:attrNameLst>
-                                          <p:attrName>ppt_x</p:attrName>
-                                        </p:attrNameLst>
-                                      </p:cBhvr>
-                                      <p:tavLst>
-                                        <p:tav tm="0">
-                                          <p:val>
-                                            <p:strVal val="0-#ppt_w/2"/>
-                                          </p:val>
-                                        </p:tav>
-                                        <p:tav tm="100000">
-                                          <p:val>
-                                            <p:strVal val="#ppt_x"/>
-                                          </p:val>
-                                        </p:tav>
-                                      </p:tavLst>
-                                    </p:anim>
-                                    <p:anim calcmode="lin" valueType="num">
-                                      <p:cBhvr additive="base">
-                                        <p:cTn id="8" dur="500" fill="hold"/>
-                                        <p:tgtEl>
-                                          <p:spTgt spid="67"/>
-                                        </p:tgtEl>
-                                        <p:attrNameLst>
-                                          <p:attrName>ppt_y</p:attrName>
-                                        </p:attrNameLst>
-                                      </p:cBhvr>
-                                      <p:tavLst>
-                                        <p:tav tm="0">
-                                          <p:val>
-                                            <p:strVal val="#ppt_y"/>
-                                          </p:val>
-                                        </p:tav>
-                                        <p:tav tm="100000">
-                                          <p:val>
-                                            <p:strVal val="#ppt_y"/>
-                                          </p:val>
-                                        </p:tav>
-                                      </p:tavLst>
-                                    </p:anim>
-                                  </p:childTnLst>
-                                </p:cTn>
-                              </p:par>
-                            </p:childTnLst>
-                          </p:cTn>
-                        </p:par>
-                      </p:childTnLst>
-                    </p:cTn>
-                  </p:par>
-                  <p:par>
-                    <p:cTn id="9" fill="hold">
-                      <p:stCondLst>
-                        <p:cond delay="indefinite"/>
-                      </p:stCondLst>
-                      <p:childTnLst>
-                        <p:par>
-                          <p:cTn id="10" fill="hold">
-                            <p:stCondLst>
-                              <p:cond delay="0"/>
-                            </p:stCondLst>
-                            <p:childTnLst>
-                              <p:par>
-                                <p:cTn id="11" presetID="2" presetClass="entr" presetSubtype="2" fill="hold" nodeType="clickEffect">
-                                  <p:stCondLst>
-                                    <p:cond delay="0"/>
-                                  </p:stCondLst>
-                                  <p:childTnLst>
-                                    <p:set>
-                                      <p:cBhvr>
-                                        <p:cTn id="12" dur="1" fill="hold">
-                                          <p:stCondLst>
-                                            <p:cond delay="0"/>
-                                          </p:stCondLst>
-                                        </p:cTn>
-                                        <p:tgtEl>
-                                          <p:spTgt spid="52"/>
-                                        </p:tgtEl>
-                                        <p:attrNameLst>
-                                          <p:attrName>style.visibility</p:attrName>
-                                        </p:attrNameLst>
-                                      </p:cBhvr>
-                                      <p:to>
-                                        <p:strVal val="visible"/>
-                                      </p:to>
-                                    </p:set>
-                                    <p:anim calcmode="lin" valueType="num">
-                                      <p:cBhvr additive="base">
-                                        <p:cTn id="13" dur="500" fill="hold"/>
-                                        <p:tgtEl>
-                                          <p:spTgt spid="52"/>
-                                        </p:tgtEl>
-                                        <p:attrNameLst>
-                                          <p:attrName>ppt_x</p:attrName>
-                                        </p:attrNameLst>
-                                      </p:cBhvr>
-                                      <p:tavLst>
-                                        <p:tav tm="0">
-                                          <p:val>
-                                            <p:strVal val="1+#ppt_w/2"/>
-                                          </p:val>
-                                        </p:tav>
-                                        <p:tav tm="100000">
-                                          <p:val>
-                                            <p:strVal val="#ppt_x"/>
-                                          </p:val>
-                                        </p:tav>
-                                      </p:tavLst>
-                                    </p:anim>
-                                    <p:anim calcmode="lin" valueType="num">
-                                      <p:cBhvr additive="base">
-                                        <p:cTn id="14" dur="500" fill="hold"/>
-                                        <p:tgtEl>
-                                          <p:spTgt spid="52"/>
-                                        </p:tgtEl>
-                                        <p:attrNameLst>
-                                          <p:attrName>ppt_y</p:attrName>
-                                        </p:attrNameLst>
-                                      </p:cBhvr>
-                                      <p:tavLst>
-                                        <p:tav tm="0">
-                                          <p:val>
-                                            <p:strVal val="#ppt_y"/>
-                                          </p:val>
-                                        </p:tav>
-                                        <p:tav tm="100000">
-                                          <p:val>
-                                            <p:strVal val="#ppt_y"/>
-                                          </p:val>
-                                        </p:tav>
-                                      </p:tavLst>
-                                    </p:anim>
-                                  </p:childTnLst>
-                                </p:cTn>
-                              </p:par>
-                            </p:childTnLst>
-                          </p:cTn>
-                        </p:par>
-                      </p:childTnLst>
-                    </p:cTn>
-                  </p:par>
-                  <p:par>
-                    <p:cTn id="15" fill="hold">
-                      <p:stCondLst>
-                        <p:cond delay="indefinite"/>
-                      </p:stCondLst>
-                      <p:childTnLst>
-                        <p:par>
-                          <p:cTn id="16" fill="hold">
-                            <p:stCondLst>
-                              <p:cond delay="0"/>
-                            </p:stCondLst>
-                            <p:childTnLst>
-                              <p:par>
-                                <p:cTn id="17" presetID="2" presetClass="entr" presetSubtype="4" fill="hold" nodeType="clickEffect">
-                                  <p:stCondLst>
-                                    <p:cond delay="0"/>
-                                  </p:stCondLst>
-                                  <p:childTnLst>
-                                    <p:set>
-                                      <p:cBhvr>
-                                        <p:cTn id="18" dur="1" fill="hold">
-                                          <p:stCondLst>
-                                            <p:cond delay="0"/>
-                                          </p:stCondLst>
-                                        </p:cTn>
-                                        <p:tgtEl>
-                                          <p:spTgt spid="46"/>
-                                        </p:tgtEl>
-                                        <p:attrNameLst>
-                                          <p:attrName>style.visibility</p:attrName>
-                                        </p:attrNameLst>
-                                      </p:cBhvr>
-                                      <p:to>
-                                        <p:strVal val="visible"/>
-                                      </p:to>
-                                    </p:set>
-                                    <p:anim calcmode="lin" valueType="num">
-                                      <p:cBhvr additive="base">
-                                        <p:cTn id="19" dur="500" fill="hold"/>
-                                        <p:tgtEl>
-                                          <p:spTgt spid="46"/>
-                                        </p:tgtEl>
-                                        <p:attrNameLst>
-                                          <p:attrName>ppt_x</p:attrName>
-                                        </p:attrNameLst>
-                                      </p:cBhvr>
-                                      <p:tavLst>
-                                        <p:tav tm="0">
-                                          <p:val>
-                                            <p:strVal val="#ppt_x"/>
-                                          </p:val>
-                                        </p:tav>
-                                        <p:tav tm="100000">
-                                          <p:val>
-                                            <p:strVal val="#ppt_x"/>
-                                          </p:val>
-                                        </p:tav>
-                                      </p:tavLst>
-                                    </p:anim>
-                                    <p:anim calcmode="lin" valueType="num">
-                                      <p:cBhvr additive="base">
-                                        <p:cTn id="20" dur="500" fill="hold"/>
-                                        <p:tgtEl>
-                                          <p:spTgt spid="46"/>
-                                        </p:tgtEl>
-                                        <p:attrNameLst>
-                                          <p:attrName>ppt_y</p:attrName>
-                                        </p:attrNameLst>
-                                      </p:cBhvr>
-                                      <p:tavLst>
-                                        <p:tav tm="0">
-                                          <p:val>
-                                            <p:strVal val="1+#ppt_h/2"/>
-                                          </p:val>
-                                        </p:tav>
-                                        <p:tav tm="100000">
-                                          <p:val>
-                                            <p:strVal val="#ppt_y"/>
-                                          </p:val>
-                                        </p:tav>
-                                      </p:tavLst>
-                                    </p:anim>
-                                  </p:childTnLst>
-                                </p:cTn>
-                              </p:par>
-                              <p:par>
-                                <p:cTn id="21" presetID="2" presetClass="entr" presetSubtype="4" fill="hold" nodeType="withEffect">
-                                  <p:stCondLst>
-                                    <p:cond delay="0"/>
-                                  </p:stCondLst>
-                                  <p:childTnLst>
-                                    <p:set>
-                                      <p:cBhvr>
-                                        <p:cTn id="22" dur="1" fill="hold">
-                                          <p:stCondLst>
-                                            <p:cond delay="0"/>
-                                          </p:stCondLst>
-                                        </p:cTn>
-                                        <p:tgtEl>
-                                          <p:spTgt spid="47"/>
-                                        </p:tgtEl>
-                                        <p:attrNameLst>
-                                          <p:attrName>style.visibility</p:attrName>
-                                        </p:attrNameLst>
-                                      </p:cBhvr>
-                                      <p:to>
-                                        <p:strVal val="visible"/>
-                                      </p:to>
-                                    </p:set>
-                                    <p:anim calcmode="lin" valueType="num">
-                                      <p:cBhvr additive="base">
-                                        <p:cTn id="23" dur="500" fill="hold"/>
-                                        <p:tgtEl>
-                                          <p:spTgt spid="47"/>
-                                        </p:tgtEl>
-                                        <p:attrNameLst>
-                                          <p:attrName>ppt_x</p:attrName>
-                                        </p:attrNameLst>
-                                      </p:cBhvr>
-                                      <p:tavLst>
-                                        <p:tav tm="0">
-                                          <p:val>
-                                            <p:strVal val="#ppt_x"/>
-                                          </p:val>
-                                        </p:tav>
-                                        <p:tav tm="100000">
-                                          <p:val>
-                                            <p:strVal val="#ppt_x"/>
-                                          </p:val>
-                                        </p:tav>
-                                      </p:tavLst>
-                                    </p:anim>
-                                    <p:anim calcmode="lin" valueType="num">
-                                      <p:cBhvr additive="base">
-                                        <p:cTn id="24" dur="500" fill="hold"/>
-                                        <p:tgtEl>
-                                          <p:spTgt spid="47"/>
-                                        </p:tgtEl>
-                                        <p:attrNameLst>
-                                          <p:attrName>ppt_y</p:attrName>
-                                        </p:attrNameLst>
-                                      </p:cBhvr>
-                                      <p:tavLst>
-                                        <p:tav tm="0">
-                                          <p:val>
-                                            <p:strVal val="1+#ppt_h/2"/>
-                                          </p:val>
-                                        </p:tav>
-                                        <p:tav tm="100000">
-                                          <p:val>
-                                            <p:strVal val="#ppt_y"/>
-                                          </p:val>
-                                        </p:tav>
-                                      </p:tavLst>
-                                    </p:anim>
-                                  </p:childTnLst>
-                                </p:cTn>
-                              </p:par>
-                            </p:childTnLst>
-                          </p:cTn>
-                        </p:par>
-                      </p:childTnLst>
-                    </p:cTn>
-                  </p:par>
-                </p:childTnLst>
-              </p:cTn>
-              <p:prevCondLst>
-                <p:cond evt="onPrev" delay="0">
-                  <p:tgtEl>
-                    <p:sldTgt/>
-                  </p:tgtEl>
-                </p:cond>
-              </p:prevCondLst>
-              <p:nextCondLst>
-                <p:cond evt="onNext" delay="0">
-                  <p:tgtEl>
-                    <p:sldTgt/>
-                  </p:tgtEl>
-                </p:cond>
-              </p:nextCondLst>
-            </p:seq>
-          </p:childTnLst>
-        </p:cTn>
-      </p:par>
-    </p:tnLst>
-  </p:timing>
-</p:sld>
-</file>
-
 <file path=ppt/theme/theme1.xml><?xml version="1.0" encoding="utf-8"?>
 <a:theme xmlns:a="http://schemas.openxmlformats.org/drawingml/2006/main" name="Urban">
   <a:themeElements>

--- a/trunk/specrunner/ppts/SpecRunner.pptx
+++ b/trunk/specrunner/ppts/SpecRunner.pptx
@@ -792,7 +792,7 @@
             <a:fld id="{13A4C0D1-050B-4459-A1B1-D5057F7539AA}" type="datetimeFigureOut">
               <a:rPr lang="pt-BR" smtClean="0"/>
               <a:pPr/>
-              <a:t>11/11/2013</a:t>
+              <a:t>12/11/2013</a:t>
             </a:fld>
             <a:endParaRPr lang="pt-BR"/>
           </a:p>
@@ -1056,7 +1056,7 @@
             <a:fld id="{13A4C0D1-050B-4459-A1B1-D5057F7539AA}" type="datetimeFigureOut">
               <a:rPr lang="pt-BR" smtClean="0"/>
               <a:pPr/>
-              <a:t>11/11/2013</a:t>
+              <a:t>12/11/2013</a:t>
             </a:fld>
             <a:endParaRPr lang="pt-BR"/>
           </a:p>
@@ -1223,7 +1223,7 @@
             <a:fld id="{13A4C0D1-050B-4459-A1B1-D5057F7539AA}" type="datetimeFigureOut">
               <a:rPr lang="pt-BR" smtClean="0"/>
               <a:pPr/>
-              <a:t>11/11/2013</a:t>
+              <a:t>12/11/2013</a:t>
             </a:fld>
             <a:endParaRPr lang="pt-BR"/>
           </a:p>
@@ -1400,7 +1400,7 @@
             <a:fld id="{13A4C0D1-050B-4459-A1B1-D5057F7539AA}" type="datetimeFigureOut">
               <a:rPr lang="pt-BR" smtClean="0"/>
               <a:pPr/>
-              <a:t>11/11/2013</a:t>
+              <a:t>12/11/2013</a:t>
             </a:fld>
             <a:endParaRPr lang="pt-BR"/>
           </a:p>
@@ -1524,38 +1524,38 @@
           <a:p>
             <a:pPr lvl="0" eaLnBrk="1" latinLnBrk="0" hangingPunct="1"/>
             <a:r>
-              <a:rPr lang="en-US" smtClean="0"/>
+              <a:rPr lang="en-US" dirty="0" smtClean="0"/>
               <a:t>Click to edit Master text styles</a:t>
             </a:r>
           </a:p>
           <a:p>
             <a:pPr lvl="1" eaLnBrk="1" latinLnBrk="0" hangingPunct="1"/>
             <a:r>
-              <a:rPr lang="en-US" smtClean="0"/>
+              <a:rPr lang="en-US" dirty="0" smtClean="0"/>
               <a:t>Second level</a:t>
             </a:r>
           </a:p>
           <a:p>
             <a:pPr lvl="2" eaLnBrk="1" latinLnBrk="0" hangingPunct="1"/>
             <a:r>
-              <a:rPr lang="en-US" smtClean="0"/>
+              <a:rPr lang="en-US" dirty="0" smtClean="0"/>
               <a:t>Third level</a:t>
             </a:r>
           </a:p>
           <a:p>
             <a:pPr lvl="3" eaLnBrk="1" latinLnBrk="0" hangingPunct="1"/>
             <a:r>
-              <a:rPr lang="en-US" smtClean="0"/>
+              <a:rPr lang="en-US" dirty="0" smtClean="0"/>
               <a:t>Fourth level</a:t>
             </a:r>
           </a:p>
           <a:p>
             <a:pPr lvl="4" eaLnBrk="1" latinLnBrk="0" hangingPunct="1"/>
             <a:r>
-              <a:rPr lang="en-US" smtClean="0"/>
+              <a:rPr lang="en-US" dirty="0" smtClean="0"/>
               <a:t>Fifth level</a:t>
             </a:r>
-            <a:endParaRPr kumimoji="0" lang="en-US"/>
+            <a:endParaRPr kumimoji="0" lang="en-US" dirty="0"/>
           </a:p>
         </p:txBody>
       </p:sp>
@@ -1582,7 +1582,7 @@
             <a:fld id="{13A4C0D1-050B-4459-A1B1-D5057F7539AA}" type="datetimeFigureOut">
               <a:rPr lang="pt-BR" smtClean="0"/>
               <a:pPr/>
-              <a:t>11/11/2013</a:t>
+              <a:t>12/11/2013</a:t>
             </a:fld>
             <a:endParaRPr lang="pt-BR" dirty="0"/>
           </a:p>
@@ -1810,7 +1810,7 @@
             <a:fld id="{13A4C0D1-050B-4459-A1B1-D5057F7539AA}" type="datetimeFigureOut">
               <a:rPr lang="pt-BR" smtClean="0"/>
               <a:pPr/>
-              <a:t>11/11/2013</a:t>
+              <a:t>12/11/2013</a:t>
             </a:fld>
             <a:endParaRPr lang="pt-BR"/>
           </a:p>
@@ -2071,7 +2071,7 @@
             <a:fld id="{13A4C0D1-050B-4459-A1B1-D5057F7539AA}" type="datetimeFigureOut">
               <a:rPr lang="pt-BR" smtClean="0"/>
               <a:pPr/>
-              <a:t>11/11/2013</a:t>
+              <a:t>12/11/2013</a:t>
             </a:fld>
             <a:endParaRPr lang="pt-BR"/>
           </a:p>
@@ -2509,7 +2509,7 @@
             <a:fld id="{13A4C0D1-050B-4459-A1B1-D5057F7539AA}" type="datetimeFigureOut">
               <a:rPr lang="pt-BR" smtClean="0"/>
               <a:pPr/>
-              <a:t>11/11/2013</a:t>
+              <a:t>12/11/2013</a:t>
             </a:fld>
             <a:endParaRPr lang="pt-BR"/>
           </a:p>
@@ -2952,7 +2952,7 @@
             <a:fld id="{13A4C0D1-050B-4459-A1B1-D5057F7539AA}" type="datetimeFigureOut">
               <a:rPr lang="pt-BR" smtClean="0"/>
               <a:pPr/>
-              <a:t>11/11/2013</a:t>
+              <a:t>12/11/2013</a:t>
             </a:fld>
             <a:endParaRPr lang="pt-BR"/>
           </a:p>
@@ -3090,7 +3090,7 @@
             <a:fld id="{13A4C0D1-050B-4459-A1B1-D5057F7539AA}" type="datetimeFigureOut">
               <a:rPr lang="pt-BR" smtClean="0"/>
               <a:pPr/>
-              <a:t>11/11/2013</a:t>
+              <a:t>12/11/2013</a:t>
             </a:fld>
             <a:endParaRPr lang="pt-BR"/>
           </a:p>
@@ -3192,7 +3192,7 @@
             <a:fld id="{13A4C0D1-050B-4459-A1B1-D5057F7539AA}" type="datetimeFigureOut">
               <a:rPr lang="pt-BR" smtClean="0"/>
               <a:pPr/>
-              <a:t>11/11/2013</a:t>
+              <a:t>12/11/2013</a:t>
             </a:fld>
             <a:endParaRPr lang="pt-BR"/>
           </a:p>
@@ -3439,7 +3439,7 @@
             <a:fld id="{13A4C0D1-050B-4459-A1B1-D5057F7539AA}" type="datetimeFigureOut">
               <a:rPr lang="pt-BR" smtClean="0"/>
               <a:pPr/>
-              <a:t>11/11/2013</a:t>
+              <a:t>12/11/2013</a:t>
             </a:fld>
             <a:endParaRPr lang="pt-BR"/>
           </a:p>
@@ -4277,7 +4277,7 @@
             <a:fld id="{13A4C0D1-050B-4459-A1B1-D5057F7539AA}" type="datetimeFigureOut">
               <a:rPr lang="pt-BR" smtClean="0"/>
               <a:pPr/>
-              <a:t>11/11/2013</a:t>
+              <a:t>12/11/2013</a:t>
             </a:fld>
             <a:endParaRPr lang="pt-BR"/>
           </a:p>
@@ -4669,6 +4669,42 @@
           <a:chExt cx="0" cy="0"/>
         </a:xfrm>
       </p:grpSpPr>
+      <p:pic>
+        <p:nvPicPr>
+          <p:cNvPr id="27650" name="Picture 2" descr="https://encrypted-tbn0.gstatic.com/images?q=tbn:ANd9GcRSUq3BBUfw8aYoldDOlAJUgVwUrQPiSexrMV1Gj9IYBbq8x7FS"/>
+          <p:cNvPicPr>
+            <a:picLocks noChangeAspect="1" noChangeArrowheads="1"/>
+          </p:cNvPicPr>
+          <p:nvPr/>
+        </p:nvPicPr>
+        <p:blipFill>
+          <a:blip r:embed="rId2" cstate="print">
+            <a:duotone>
+              <a:schemeClr val="accent2">
+                <a:shade val="45000"/>
+                <a:satMod val="135000"/>
+              </a:schemeClr>
+              <a:prstClr val="white"/>
+            </a:duotone>
+          </a:blip>
+          <a:stretch>
+            <a:fillRect/>
+          </a:stretch>
+        </p:blipFill>
+        <p:spPr bwMode="auto">
+          <a:xfrm>
+            <a:off x="6048375" y="5381625"/>
+            <a:ext cx="3095625" cy="1476375"/>
+          </a:xfrm>
+          <a:prstGeom prst="rect">
+            <a:avLst/>
+          </a:prstGeom>
+          <a:noFill/>
+          <a:ln>
+            <a:noFill/>
+          </a:ln>
+        </p:spPr>
+      </p:pic>
       <p:sp>
         <p:nvSpPr>
           <p:cNvPr id="2" name="Title 1"/>
@@ -4681,7 +4717,7 @@
         </p:nvSpPr>
         <p:spPr>
           <a:xfrm>
-            <a:off x="578296" y="1526927"/>
+            <a:off x="578296" y="2247007"/>
             <a:ext cx="8458200" cy="1470025"/>
           </a:xfrm>
           <a:noFill/>
@@ -4710,7 +4746,19 @@
                   </a:outerShdw>
                 </a:effectLst>
               </a:rPr>
-              <a:t>(</a:t>
+              <a:t>[</a:t>
+            </a:r>
+            <a:r>
+              <a:rPr lang="en-US" sz="1800" dirty="0" smtClean="0">
+                <a:effectLst>
+                  <a:outerShdw blurRad="38100" dist="38100" dir="2700000" algn="tl">
+                    <a:srgbClr val="000000">
+                      <a:alpha val="43137"/>
+                    </a:srgbClr>
+                  </a:outerShdw>
+                </a:effectLst>
+              </a:rPr>
+              <a:t>available at</a:t>
             </a:r>
             <a:r>
               <a:rPr lang="en-US" sz="3200" dirty="0" smtClean="0">
@@ -4722,7 +4770,7 @@
                   </a:outerShdw>
                 </a:effectLst>
               </a:rPr>
-              <a:t>www.specrunner.org)</a:t>
+              <a:t> www.specrunner.org]</a:t>
             </a:r>
             <a:endParaRPr lang="pt-BR" sz="11500" dirty="0">
               <a:effectLst>
@@ -4748,7 +4796,7 @@
         </p:nvSpPr>
         <p:spPr>
           <a:xfrm>
-            <a:off x="4644008" y="4293096"/>
+            <a:off x="4947592" y="4268688"/>
             <a:ext cx="4232920" cy="816496"/>
           </a:xfrm>
           <a:noFill/>
@@ -4786,7 +4834,7 @@
           <p:nvPr/>
         </p:nvPicPr>
         <p:blipFill>
-          <a:blip r:embed="rId2" cstate="print"/>
+          <a:blip r:embed="rId3" cstate="print"/>
           <a:srcRect/>
           <a:stretch>
             <a:fillRect/>
@@ -4794,7 +4842,7 @@
         </p:blipFill>
         <p:spPr bwMode="auto">
           <a:xfrm>
-            <a:off x="179512" y="980728"/>
+            <a:off x="179512" y="1700808"/>
             <a:ext cx="8784976" cy="1535427"/>
           </a:xfrm>
           <a:prstGeom prst="rect">
@@ -6257,14 +6305,160 @@
                             </p:stCondLst>
                             <p:childTnLst>
                               <p:par>
-                                <p:cTn id="17" presetID="2" presetClass="entr" presetSubtype="4" fill="hold" nodeType="clickEffect">
+                                <p:cTn id="17" presetID="2" presetClass="exit" presetSubtype="4" fill="hold" nodeType="clickEffect">
+                                  <p:stCondLst>
+                                    <p:cond delay="0"/>
+                                  </p:stCondLst>
+                                  <p:childTnLst>
+                                    <p:anim calcmode="lin" valueType="num">
+                                      <p:cBhvr additive="base">
+                                        <p:cTn id="18" dur="500"/>
+                                        <p:tgtEl>
+                                          <p:spTgt spid="67"/>
+                                        </p:tgtEl>
+                                        <p:attrNameLst>
+                                          <p:attrName>ppt_x</p:attrName>
+                                        </p:attrNameLst>
+                                      </p:cBhvr>
+                                      <p:tavLst>
+                                        <p:tav tm="0">
+                                          <p:val>
+                                            <p:strVal val="ppt_x"/>
+                                          </p:val>
+                                        </p:tav>
+                                        <p:tav tm="100000">
+                                          <p:val>
+                                            <p:strVal val="ppt_x"/>
+                                          </p:val>
+                                        </p:tav>
+                                      </p:tavLst>
+                                    </p:anim>
+                                    <p:anim calcmode="lin" valueType="num">
+                                      <p:cBhvr additive="base">
+                                        <p:cTn id="19" dur="500"/>
+                                        <p:tgtEl>
+                                          <p:spTgt spid="67"/>
+                                        </p:tgtEl>
+                                        <p:attrNameLst>
+                                          <p:attrName>ppt_y</p:attrName>
+                                        </p:attrNameLst>
+                                      </p:cBhvr>
+                                      <p:tavLst>
+                                        <p:tav tm="0">
+                                          <p:val>
+                                            <p:strVal val="ppt_y"/>
+                                          </p:val>
+                                        </p:tav>
+                                        <p:tav tm="100000">
+                                          <p:val>
+                                            <p:strVal val="1+ppt_h/2"/>
+                                          </p:val>
+                                        </p:tav>
+                                      </p:tavLst>
+                                    </p:anim>
+                                    <p:set>
+                                      <p:cBhvr>
+                                        <p:cTn id="20" dur="1" fill="hold">
+                                          <p:stCondLst>
+                                            <p:cond delay="499"/>
+                                          </p:stCondLst>
+                                        </p:cTn>
+                                        <p:tgtEl>
+                                          <p:spTgt spid="67"/>
+                                        </p:tgtEl>
+                                        <p:attrNameLst>
+                                          <p:attrName>style.visibility</p:attrName>
+                                        </p:attrNameLst>
+                                      </p:cBhvr>
+                                      <p:to>
+                                        <p:strVal val="hidden"/>
+                                      </p:to>
+                                    </p:set>
+                                  </p:childTnLst>
+                                </p:cTn>
+                              </p:par>
+                              <p:par>
+                                <p:cTn id="21" presetID="2" presetClass="exit" presetSubtype="4" fill="hold" nodeType="withEffect">
+                                  <p:stCondLst>
+                                    <p:cond delay="0"/>
+                                  </p:stCondLst>
+                                  <p:childTnLst>
+                                    <p:anim calcmode="lin" valueType="num">
+                                      <p:cBhvr additive="base">
+                                        <p:cTn id="22" dur="500"/>
+                                        <p:tgtEl>
+                                          <p:spTgt spid="52"/>
+                                        </p:tgtEl>
+                                        <p:attrNameLst>
+                                          <p:attrName>ppt_x</p:attrName>
+                                        </p:attrNameLst>
+                                      </p:cBhvr>
+                                      <p:tavLst>
+                                        <p:tav tm="0">
+                                          <p:val>
+                                            <p:strVal val="ppt_x"/>
+                                          </p:val>
+                                        </p:tav>
+                                        <p:tav tm="100000">
+                                          <p:val>
+                                            <p:strVal val="ppt_x"/>
+                                          </p:val>
+                                        </p:tav>
+                                      </p:tavLst>
+                                    </p:anim>
+                                    <p:anim calcmode="lin" valueType="num">
+                                      <p:cBhvr additive="base">
+                                        <p:cTn id="23" dur="500"/>
+                                        <p:tgtEl>
+                                          <p:spTgt spid="52"/>
+                                        </p:tgtEl>
+                                        <p:attrNameLst>
+                                          <p:attrName>ppt_y</p:attrName>
+                                        </p:attrNameLst>
+                                      </p:cBhvr>
+                                      <p:tavLst>
+                                        <p:tav tm="0">
+                                          <p:val>
+                                            <p:strVal val="ppt_y"/>
+                                          </p:val>
+                                        </p:tav>
+                                        <p:tav tm="100000">
+                                          <p:val>
+                                            <p:strVal val="1+ppt_h/2"/>
+                                          </p:val>
+                                        </p:tav>
+                                      </p:tavLst>
+                                    </p:anim>
+                                    <p:set>
+                                      <p:cBhvr>
+                                        <p:cTn id="24" dur="1" fill="hold">
+                                          <p:stCondLst>
+                                            <p:cond delay="499"/>
+                                          </p:stCondLst>
+                                        </p:cTn>
+                                        <p:tgtEl>
+                                          <p:spTgt spid="52"/>
+                                        </p:tgtEl>
+                                        <p:attrNameLst>
+                                          <p:attrName>style.visibility</p:attrName>
+                                        </p:attrNameLst>
+                                      </p:cBhvr>
+                                      <p:to>
+                                        <p:strVal val="hidden"/>
+                                      </p:to>
+                                    </p:set>
+                                  </p:childTnLst>
+                                </p:cTn>
+                              </p:par>
+                              <p:par>
+                                <p:cTn id="25" presetID="2" presetClass="entr" presetSubtype="4" fill="hold" nodeType="withEffect">
                                   <p:stCondLst>
                                     <p:cond delay="0"/>
                                   </p:stCondLst>
                                   <p:childTnLst>
                                     <p:set>
                                       <p:cBhvr>
-                                        <p:cTn id="18" dur="1" fill="hold">
+                                        <p:cTn id="26" dur="1" fill="hold">
                                           <p:stCondLst>
                                             <p:cond delay="0"/>
                                           </p:stCondLst>
@@ -6282,7 +6476,7 @@
                                     </p:set>
                                     <p:anim calcmode="lin" valueType="num">
                                       <p:cBhvr additive="base">
-                                        <p:cTn id="19" dur="500" fill="hold"/>
+                                        <p:cTn id="27" dur="500" fill="hold"/>
                                         <p:tgtEl>
                                           <p:spTgt spid="46"/>
                                         </p:tgtEl>
@@ -6305,7 +6499,7 @@
                                     </p:anim>
                                     <p:anim calcmode="lin" valueType="num">
                                       <p:cBhvr additive="base">
-                                        <p:cTn id="20" dur="500" fill="hold"/>
+                                        <p:cTn id="28" dur="500" fill="hold"/>
                                         <p:tgtEl>
                                           <p:spTgt spid="46"/>
                                         </p:tgtEl>
@@ -6330,14 +6524,14 @@
                                 </p:cTn>
                               </p:par>
                               <p:par>
-                                <p:cTn id="21" presetID="2" presetClass="entr" presetSubtype="4" fill="hold" nodeType="withEffect">
+                                <p:cTn id="29" presetID="2" presetClass="entr" presetSubtype="4" fill="hold" nodeType="withEffect">
                                   <p:stCondLst>
                                     <p:cond delay="0"/>
                                   </p:stCondLst>
                                   <p:childTnLst>
                                     <p:set>
                                       <p:cBhvr>
-                                        <p:cTn id="22" dur="1" fill="hold">
+                                        <p:cTn id="30" dur="1" fill="hold">
                                           <p:stCondLst>
                                             <p:cond delay="0"/>
                                           </p:stCondLst>
@@ -6355,7 +6549,7 @@
                                     </p:set>
                                     <p:anim calcmode="lin" valueType="num">
                                       <p:cBhvr additive="base">
-                                        <p:cTn id="23" dur="500" fill="hold"/>
+                                        <p:cTn id="31" dur="500" fill="hold"/>
                                         <p:tgtEl>
                                           <p:spTgt spid="47"/>
                                         </p:tgtEl>
@@ -6378,7 +6572,7 @@
                                     </p:anim>
                                     <p:anim calcmode="lin" valueType="num">
                                       <p:cBhvr additive="base">
-                                        <p:cTn id="24" dur="500" fill="hold"/>
+                                        <p:cTn id="32" dur="500" fill="hold"/>
                                         <p:tgtEl>
                                           <p:spTgt spid="47"/>
                                         </p:tgtEl>
@@ -6579,7 +6773,15 @@
           <a:p>
             <a:r>
               <a:rPr lang="en-US" dirty="0" smtClean="0"/>
-              <a:t>Don’t use specification files, create a program:</a:t>
+              <a:t>Don’t use </a:t>
+            </a:r>
+            <a:r>
+              <a:rPr lang="en-US" dirty="0" smtClean="0"/>
+              <a:t>a specification file, </a:t>
+            </a:r>
+            <a:r>
+              <a:rPr lang="en-US" dirty="0" smtClean="0"/>
+              <a:t>create a program:</a:t>
             </a:r>
           </a:p>
         </p:txBody>
@@ -6928,24 +7130,45 @@
                 <a:latin typeface="Courier New" pitchFamily="49" charset="0"/>
                 <a:cs typeface="Courier New" pitchFamily="49" charset="0"/>
               </a:rPr>
-              <a:t>(“</a:t>
-            </a:r>
-            <a:r>
-              <a:rPr lang="en-US" sz="1600" dirty="0" err="1" smtClean="0">
-                <a:latin typeface="Courier New" pitchFamily="49" charset="0"/>
-                <a:cs typeface="Courier New" pitchFamily="49" charset="0"/>
-              </a:rPr>
-              <a:t>input.txt”,”output.html</a:t>
-            </a:r>
-            <a:r>
-              <a:rPr lang="en-US" sz="1600" dirty="0" smtClean="0">
+              <a:t>(</a:t>
+            </a:r>
+            <a:r>
+              <a:rPr lang="en-US" sz="1600" b="1" dirty="0" smtClean="0">
+                <a:latin typeface="Courier New" pitchFamily="49" charset="0"/>
+                <a:cs typeface="Courier New" pitchFamily="49" charset="0"/>
+              </a:rPr>
+              <a:t>“</a:t>
+            </a:r>
+            <a:r>
+              <a:rPr lang="en-US" sz="1600" b="1" dirty="0" err="1" smtClean="0">
+                <a:latin typeface="Courier New" pitchFamily="49" charset="0"/>
+                <a:cs typeface="Courier New" pitchFamily="49" charset="0"/>
+              </a:rPr>
+              <a:t>input.txt</a:t>
+            </a:r>
+            <a:r>
+              <a:rPr lang="en-US" sz="1600" b="1" dirty="0" err="1" smtClean="0">
+                <a:latin typeface="Courier New" pitchFamily="49" charset="0"/>
+                <a:cs typeface="Courier New" pitchFamily="49" charset="0"/>
+              </a:rPr>
+              <a:t>”,“</a:t>
+            </a:r>
+            <a:r>
+              <a:rPr lang="en-US" sz="1600" b="1" dirty="0" err="1" smtClean="0">
+                <a:latin typeface="Courier New" pitchFamily="49" charset="0"/>
+                <a:cs typeface="Courier New" pitchFamily="49" charset="0"/>
+              </a:rPr>
+              <a:t>output.html</a:t>
+            </a:r>
+            <a:r>
+              <a:rPr lang="en-US" sz="1600" b="1" dirty="0" smtClean="0">
                 <a:latin typeface="Courier New" pitchFamily="49" charset="0"/>
                 <a:cs typeface="Courier New" pitchFamily="49" charset="0"/>
               </a:rPr>
               <a:t>”, </a:t>
             </a:r>
             <a:r>
-              <a:rPr lang="en-US" sz="1600" dirty="0" err="1" smtClean="0">
+              <a:rPr lang="en-US" sz="1600" b="1" dirty="0" err="1" smtClean="0">
                 <a:latin typeface="Courier New" pitchFamily="49" charset="0"/>
                 <a:cs typeface="Courier New" pitchFamily="49" charset="0"/>
               </a:rPr>
@@ -7102,6 +7325,17 @@
               </a:rPr>
               <a:t>run() { </a:t>
             </a:r>
+            <a:r>
+              <a:rPr lang="en-US" sz="1600" dirty="0" smtClean="0">
+                <a:latin typeface="Courier New" pitchFamily="49" charset="0"/>
+                <a:cs typeface="Courier New" pitchFamily="49" charset="0"/>
+              </a:rPr>
+              <a:t>…</a:t>
+            </a:r>
+            <a:endParaRPr lang="en-US" sz="1600" dirty="0" smtClean="0">
+              <a:latin typeface="Courier New" pitchFamily="49" charset="0"/>
+              <a:cs typeface="Courier New" pitchFamily="49" charset="0"/>
+            </a:endParaRPr>
           </a:p>
           <a:p>
             <a:pPr>
@@ -7115,18 +7349,25 @@
               <a:t>      </a:t>
             </a:r>
             <a:r>
-              <a:rPr lang="en-US" sz="1600" dirty="0" err="1" smtClean="0">
+              <a:rPr lang="en-US" sz="1600" b="1" dirty="0" err="1" smtClean="0">
                 <a:latin typeface="Courier New" pitchFamily="49" charset="0"/>
                 <a:cs typeface="Courier New" pitchFamily="49" charset="0"/>
               </a:rPr>
               <a:t>IPluginGroup</a:t>
             </a:r>
             <a:r>
+              <a:rPr lang="en-US" sz="1600" b="1" dirty="0" smtClean="0">
+                <a:latin typeface="Courier New" pitchFamily="49" charset="0"/>
+                <a:cs typeface="Courier New" pitchFamily="49" charset="0"/>
+              </a:rPr>
+              <a:t> group</a:t>
+            </a:r>
+            <a:r>
               <a:rPr lang="en-US" sz="1600" dirty="0" smtClean="0">
                 <a:latin typeface="Courier New" pitchFamily="49" charset="0"/>
                 <a:cs typeface="Courier New" pitchFamily="49" charset="0"/>
               </a:rPr>
-              <a:t> group = …</a:t>
+              <a:t> = …</a:t>
             </a:r>
           </a:p>
           <a:p>
@@ -7207,10 +7448,24 @@
                 <a:latin typeface="Courier New" pitchFamily="49" charset="0"/>
                 <a:cs typeface="Courier New" pitchFamily="49" charset="0"/>
               </a:rPr>
-              <a:t>(group, </a:t>
-            </a:r>
-            <a:r>
-              <a:rPr lang="en-US" sz="1600" dirty="0" err="1" smtClean="0">
+              <a:t>(</a:t>
+            </a:r>
+            <a:r>
+              <a:rPr lang="en-US" sz="1600" b="1" dirty="0" smtClean="0">
+                <a:latin typeface="Courier New" pitchFamily="49" charset="0"/>
+                <a:cs typeface="Courier New" pitchFamily="49" charset="0"/>
+              </a:rPr>
+              <a:t>group</a:t>
+            </a:r>
+            <a:r>
+              <a:rPr lang="en-US" sz="1600" dirty="0" smtClean="0">
+                <a:latin typeface="Courier New" pitchFamily="49" charset="0"/>
+                <a:cs typeface="Courier New" pitchFamily="49" charset="0"/>
+              </a:rPr>
+              <a:t>, </a:t>
+            </a:r>
+            <a:r>
+              <a:rPr lang="en-US" sz="1600" b="1" dirty="0" err="1" smtClean="0">
                 <a:latin typeface="Courier New" pitchFamily="49" charset="0"/>
                 <a:cs typeface="Courier New" pitchFamily="49" charset="0"/>
               </a:rPr>
@@ -7811,7 +8066,7 @@
         </p:blipFill>
         <p:spPr bwMode="auto">
           <a:xfrm>
-            <a:off x="4309896" y="4653136"/>
+            <a:off x="4139952" y="4653136"/>
             <a:ext cx="4834104" cy="2304256"/>
           </a:xfrm>
           <a:prstGeom prst="rect">
@@ -8053,8 +8308,8 @@
         </p:nvSpPr>
         <p:spPr>
           <a:xfrm>
-            <a:off x="4355976" y="4235156"/>
-            <a:ext cx="4033476" cy="369332"/>
+            <a:off x="4186032" y="4235156"/>
+            <a:ext cx="4807726" cy="369332"/>
           </a:xfrm>
           <a:prstGeom prst="rect">
             <a:avLst/>
@@ -8099,7 +8354,7 @@
             </a:r>
             <a:r>
               <a:rPr lang="en-US" b="1" dirty="0" smtClean="0"/>
-              <a:t>-core-text</a:t>
+              <a:t>-core-text (i18n)</a:t>
             </a:r>
             <a:endParaRPr lang="pt-BR" b="1" dirty="0"/>
           </a:p>
@@ -11062,8 +11317,13 @@
           <a:p>
             <a:r>
               <a:rPr lang="en-US" dirty="0" smtClean="0"/>
-              <a:t>Objects constructors</a:t>
-            </a:r>
+              <a:t>Objects </a:t>
+            </a:r>
+            <a:r>
+              <a:rPr lang="en-US" dirty="0" smtClean="0"/>
+              <a:t>constructors (stubs support)</a:t>
+            </a:r>
+            <a:endParaRPr lang="en-US" dirty="0" smtClean="0"/>
           </a:p>
           <a:p>
             <a:endParaRPr lang="en-US" dirty="0" smtClean="0"/>
@@ -12242,7 +12502,7 @@
         <p:spPr>
           <a:xfrm>
             <a:off x="251520" y="4005064"/>
-            <a:ext cx="3206327" cy="2308324"/>
+            <a:ext cx="3270447" cy="2554545"/>
           </a:xfrm>
           <a:prstGeom prst="rect">
             <a:avLst/>
@@ -12341,16 +12601,67 @@
                 <a:latin typeface="Courier New" pitchFamily="49" charset="0"/>
                 <a:cs typeface="Courier New" pitchFamily="49" charset="0"/>
               </a:rPr>
-              <a:t>	message=“Pause!”&gt;</a:t>
-            </a:r>
-          </a:p>
-          <a:p>
+              <a:t>	</a:t>
+            </a:r>
+            <a:r>
+              <a:rPr lang="en-US" sz="1600" b="1" dirty="0" smtClean="0">
+                <a:solidFill>
+                  <a:srgbClr val="0070C0"/>
+                </a:solidFill>
+                <a:latin typeface="Courier New" pitchFamily="49" charset="0"/>
+                <a:cs typeface="Courier New" pitchFamily="49" charset="0"/>
+              </a:rPr>
+              <a:t>message</a:t>
+            </a:r>
             <a:r>
               <a:rPr lang="en-US" sz="1600" dirty="0" smtClean="0">
                 <a:latin typeface="Courier New" pitchFamily="49" charset="0"/>
                 <a:cs typeface="Courier New" pitchFamily="49" charset="0"/>
               </a:rPr>
-              <a:t>	&lt;/span&gt;</a:t>
+              <a:t>=“Pause</a:t>
+            </a:r>
+            <a:r>
+              <a:rPr lang="en-US" sz="1600" dirty="0" smtClean="0">
+                <a:latin typeface="Courier New" pitchFamily="49" charset="0"/>
+                <a:cs typeface="Courier New" pitchFamily="49" charset="0"/>
+              </a:rPr>
+              <a:t>!”&gt;</a:t>
+            </a:r>
+          </a:p>
+          <a:p>
+            <a:r>
+              <a:rPr lang="en-US" sz="1600" dirty="0" smtClean="0">
+                <a:latin typeface="Courier New" pitchFamily="49" charset="0"/>
+                <a:cs typeface="Courier New" pitchFamily="49" charset="0"/>
+              </a:rPr>
+              <a:t> </a:t>
+            </a:r>
+            <a:r>
+              <a:rPr lang="en-US" sz="1600" dirty="0" smtClean="0">
+                <a:latin typeface="Courier New" pitchFamily="49" charset="0"/>
+                <a:cs typeface="Courier New" pitchFamily="49" charset="0"/>
+              </a:rPr>
+              <a:t>   &lt;type by=“…”&gt;…&lt;/type&gt;</a:t>
+            </a:r>
+            <a:endParaRPr lang="en-US" sz="1600" dirty="0" smtClean="0">
+              <a:latin typeface="Courier New" pitchFamily="49" charset="0"/>
+              <a:cs typeface="Courier New" pitchFamily="49" charset="0"/>
+            </a:endParaRPr>
+          </a:p>
+          <a:p>
+            <a:r>
+              <a:rPr lang="en-US" sz="1600" dirty="0" smtClean="0">
+                <a:latin typeface="Courier New" pitchFamily="49" charset="0"/>
+                <a:cs typeface="Courier New" pitchFamily="49" charset="0"/>
+              </a:rPr>
+              <a:t>&lt;/</a:t>
+            </a:r>
+            <a:r>
+              <a:rPr lang="en-US" sz="1600" dirty="0" smtClean="0">
+                <a:latin typeface="Courier New" pitchFamily="49" charset="0"/>
+                <a:cs typeface="Courier New" pitchFamily="49" charset="0"/>
+              </a:rPr>
+              <a:t>span&gt;</a:t>
             </a:r>
           </a:p>
           <a:p>
@@ -12551,12 +12862,13 @@
             </a:r>
             <a:r>
               <a:rPr lang="en-US" dirty="0" err="1" smtClean="0"/>
-              <a:t>classpath</a:t>
-            </a:r>
-            <a:r>
-              <a:rPr lang="en-US" dirty="0" smtClean="0"/>
-              <a:t>)</a:t>
-            </a:r>
+              <a:t>classpath,multi</a:t>
+            </a:r>
+            <a:r>
+              <a:rPr lang="en-US" dirty="0" smtClean="0"/>
+              <a:t>-module)</a:t>
+            </a:r>
+            <a:endParaRPr lang="en-US" dirty="0" smtClean="0"/>
           </a:p>
           <a:p>
             <a:pPr lvl="1"/>
@@ -13691,16 +14003,21 @@
             <p:ph type="body" idx="1"/>
           </p:nvPr>
         </p:nvSpPr>
-        <p:spPr/>
+        <p:spPr>
+          <a:xfrm>
+            <a:off x="179512" y="1052736"/>
+            <a:ext cx="8784976" cy="457200"/>
+          </a:xfrm>
+        </p:spPr>
         <p:txBody>
           <a:bodyPr/>
           <a:lstStyle/>
           <a:p>
             <a:r>
-              <a:rPr lang="en-US" dirty="0" smtClean="0"/>
+              <a:rPr lang="en-US" sz="1800" dirty="0" smtClean="0"/>
               <a:t>TestSet.java</a:t>
             </a:r>
-            <a:endParaRPr lang="pt-BR" dirty="0"/>
+            <a:endParaRPr lang="pt-BR" sz="1800" dirty="0"/>
           </a:p>
         </p:txBody>
       </p:sp>
@@ -13714,24 +14031,29 @@
             <p:ph type="body" sz="half" idx="3"/>
           </p:nvPr>
         </p:nvSpPr>
-        <p:spPr/>
+        <p:spPr>
+          <a:xfrm>
+            <a:off x="179512" y="3645024"/>
+            <a:ext cx="8784976" cy="457200"/>
+          </a:xfrm>
+        </p:spPr>
         <p:txBody>
           <a:bodyPr/>
           <a:lstStyle/>
           <a:p>
             <a:r>
-              <a:rPr lang="en-US" dirty="0" smtClean="0"/>
+              <a:rPr lang="en-US" sz="1800" dirty="0" smtClean="0"/>
               <a:t>TestSet.html (.</a:t>
             </a:r>
             <a:r>
-              <a:rPr lang="en-US" dirty="0" err="1" smtClean="0"/>
+              <a:rPr lang="en-US" sz="1800" dirty="0" err="1" smtClean="0"/>
               <a:t>htm,.xhtml</a:t>
             </a:r>
             <a:r>
-              <a:rPr lang="en-US" dirty="0"/>
+              <a:rPr lang="en-US" sz="1800" dirty="0"/>
               <a:t>)</a:t>
             </a:r>
-            <a:endParaRPr lang="pt-BR" dirty="0"/>
+            <a:endParaRPr lang="pt-BR" sz="1800" dirty="0"/>
           </a:p>
         </p:txBody>
       </p:sp>
@@ -13745,10 +14067,15 @@
             <p:ph sz="quarter" idx="2"/>
           </p:nvPr>
         </p:nvSpPr>
-        <p:spPr/>
+        <p:spPr>
+          <a:xfrm>
+            <a:off x="179512" y="1556792"/>
+            <a:ext cx="8784976" cy="2304256"/>
+          </a:xfrm>
+        </p:spPr>
         <p:txBody>
           <a:bodyPr>
-            <a:normAutofit/>
+            <a:normAutofit lnSpcReduction="10000"/>
           </a:bodyPr>
           <a:lstStyle/>
           <a:p>
@@ -13870,7 +14197,7 @@
                 <a:latin typeface="Courier New" pitchFamily="49" charset="0"/>
                 <a:cs typeface="Courier New" pitchFamily="49" charset="0"/>
               </a:rPr>
-              <a:t>    </a:t>
+              <a:t> </a:t>
             </a:r>
             <a:r>
               <a:rPr lang="pt-BR" sz="1400" b="1" dirty="0" err="1" smtClean="0">
@@ -13912,141 +14239,369 @@
                 <a:latin typeface="Courier New" pitchFamily="49" charset="0"/>
                 <a:cs typeface="Courier New" pitchFamily="49" charset="0"/>
               </a:rPr>
-              <a:t>) {</a:t>
-            </a:r>
+              <a:t>) </a:t>
+            </a:r>
+            <a:r>
+              <a:rPr lang="pt-BR" sz="1400" dirty="0" smtClean="0">
+                <a:latin typeface="Courier New" pitchFamily="49" charset="0"/>
+                <a:cs typeface="Courier New" pitchFamily="49" charset="0"/>
+              </a:rPr>
+              <a:t>{ </a:t>
+            </a:r>
+            <a:r>
+              <a:rPr lang="pt-BR" sz="1400" b="1" dirty="0" err="1" smtClean="0">
+                <a:latin typeface="Courier New" pitchFamily="49" charset="0"/>
+                <a:cs typeface="Courier New" pitchFamily="49" charset="0"/>
+              </a:rPr>
+              <a:t>return</a:t>
+            </a:r>
+            <a:r>
+              <a:rPr lang="pt-BR" sz="1400" dirty="0" smtClean="0">
+                <a:latin typeface="Courier New" pitchFamily="49" charset="0"/>
+                <a:cs typeface="Courier New" pitchFamily="49" charset="0"/>
+              </a:rPr>
+              <a:t> </a:t>
+            </a:r>
+            <a:r>
+              <a:rPr lang="pt-BR" sz="1400" dirty="0" smtClean="0">
+                <a:latin typeface="Courier New" pitchFamily="49" charset="0"/>
+                <a:cs typeface="Courier New" pitchFamily="49" charset="0"/>
+              </a:rPr>
+              <a:t>"</a:t>
+            </a:r>
+            <a:r>
+              <a:rPr lang="pt-BR" sz="1400" dirty="0" err="1" smtClean="0">
+                <a:latin typeface="Courier New" pitchFamily="49" charset="0"/>
+                <a:cs typeface="Courier New" pitchFamily="49" charset="0"/>
+              </a:rPr>
+              <a:t>Hello</a:t>
+            </a:r>
+            <a:r>
+              <a:rPr lang="pt-BR" sz="1400" dirty="0" smtClean="0">
+                <a:latin typeface="Courier New" pitchFamily="49" charset="0"/>
+                <a:cs typeface="Courier New" pitchFamily="49" charset="0"/>
+              </a:rPr>
+              <a:t> </a:t>
+            </a:r>
+            <a:r>
+              <a:rPr lang="pt-BR" sz="1400" dirty="0" smtClean="0">
+                <a:latin typeface="Courier New" pitchFamily="49" charset="0"/>
+                <a:cs typeface="Courier New" pitchFamily="49" charset="0"/>
+              </a:rPr>
+              <a:t>“+</a:t>
+            </a:r>
+            <a:r>
+              <a:rPr lang="pt-BR" sz="1400" dirty="0" err="1" smtClean="0">
+                <a:latin typeface="Courier New" pitchFamily="49" charset="0"/>
+                <a:cs typeface="Courier New" pitchFamily="49" charset="0"/>
+              </a:rPr>
+              <a:t>firstName</a:t>
+            </a:r>
+            <a:r>
+              <a:rPr lang="pt-BR" sz="1400" dirty="0" smtClean="0">
+                <a:latin typeface="Courier New" pitchFamily="49" charset="0"/>
+                <a:cs typeface="Courier New" pitchFamily="49" charset="0"/>
+              </a:rPr>
+              <a:t>+ "!“;}</a:t>
+            </a:r>
+            <a:endParaRPr lang="pt-BR" sz="1400" dirty="0" smtClean="0">
+              <a:latin typeface="Courier New" pitchFamily="49" charset="0"/>
+              <a:cs typeface="Courier New" pitchFamily="49" charset="0"/>
+            </a:endParaRPr>
           </a:p>
           <a:p>
             <a:pPr>
               <a:buNone/>
             </a:pPr>
-            <a:r>
-              <a:rPr lang="pt-BR" sz="1400" dirty="0" smtClean="0">
-                <a:latin typeface="Courier New" pitchFamily="49" charset="0"/>
-                <a:cs typeface="Courier New" pitchFamily="49" charset="0"/>
-              </a:rPr>
-              <a:t>        </a:t>
-            </a:r>
-            <a:r>
-              <a:rPr lang="pt-BR" sz="1400" b="1" dirty="0" err="1" smtClean="0">
-                <a:latin typeface="Courier New" pitchFamily="49" charset="0"/>
-                <a:cs typeface="Courier New" pitchFamily="49" charset="0"/>
-              </a:rPr>
-              <a:t>return</a:t>
-            </a:r>
-            <a:r>
-              <a:rPr lang="pt-BR" sz="1400" dirty="0" smtClean="0">
-                <a:latin typeface="Courier New" pitchFamily="49" charset="0"/>
-                <a:cs typeface="Courier New" pitchFamily="49" charset="0"/>
-              </a:rPr>
-              <a:t> "</a:t>
-            </a:r>
-            <a:r>
-              <a:rPr lang="pt-BR" sz="1400" dirty="0" err="1" smtClean="0">
-                <a:latin typeface="Courier New" pitchFamily="49" charset="0"/>
-                <a:cs typeface="Courier New" pitchFamily="49" charset="0"/>
-              </a:rPr>
-              <a:t>Hello</a:t>
-            </a:r>
-            <a:r>
-              <a:rPr lang="pt-BR" sz="1400" dirty="0" smtClean="0">
-                <a:latin typeface="Courier New" pitchFamily="49" charset="0"/>
-                <a:cs typeface="Courier New" pitchFamily="49" charset="0"/>
-              </a:rPr>
-              <a:t> " + </a:t>
-            </a:r>
-            <a:r>
-              <a:rPr lang="pt-BR" sz="1400" dirty="0" err="1" smtClean="0">
-                <a:latin typeface="Courier New" pitchFamily="49" charset="0"/>
-                <a:cs typeface="Courier New" pitchFamily="49" charset="0"/>
-              </a:rPr>
-              <a:t>firstName</a:t>
-            </a:r>
-            <a:r>
-              <a:rPr lang="pt-BR" sz="1400" dirty="0" smtClean="0">
-                <a:latin typeface="Courier New" pitchFamily="49" charset="0"/>
-                <a:cs typeface="Courier New" pitchFamily="49" charset="0"/>
-              </a:rPr>
-              <a:t> + "!";</a:t>
-            </a:r>
+            <a:endParaRPr lang="en-US" sz="1400" dirty="0" smtClean="0">
+              <a:latin typeface="Courier New" pitchFamily="49" charset="0"/>
+              <a:cs typeface="Courier New" pitchFamily="49" charset="0"/>
+            </a:endParaRPr>
           </a:p>
           <a:p>
             <a:pPr>
               <a:buNone/>
             </a:pPr>
             <a:r>
+              <a:rPr lang="en-US" sz="1400" dirty="0" smtClean="0">
+                <a:latin typeface="Courier New" pitchFamily="49" charset="0"/>
+                <a:cs typeface="Courier New" pitchFamily="49" charset="0"/>
+              </a:rPr>
+              <a:t> </a:t>
+            </a:r>
+            <a:r>
+              <a:rPr lang="en-US" sz="1400" b="1" dirty="0" smtClean="0">
+                <a:latin typeface="Courier New" pitchFamily="49" charset="0"/>
+                <a:cs typeface="Courier New" pitchFamily="49" charset="0"/>
+              </a:rPr>
+              <a:t>public</a:t>
+            </a:r>
+            <a:r>
+              <a:rPr lang="en-US" sz="1400" dirty="0" smtClean="0">
+                <a:latin typeface="Courier New" pitchFamily="49" charset="0"/>
+                <a:cs typeface="Courier New" pitchFamily="49" charset="0"/>
+              </a:rPr>
+              <a:t> void </a:t>
+            </a:r>
+            <a:r>
+              <a:rPr lang="en-US" sz="1400" dirty="0" err="1" smtClean="0">
+                <a:latin typeface="Courier New" pitchFamily="49" charset="0"/>
+                <a:cs typeface="Courier New" pitchFamily="49" charset="0"/>
+              </a:rPr>
+              <a:t>doSomethingOn</a:t>
+            </a:r>
+            <a:r>
+              <a:rPr lang="en-US" sz="1400" dirty="0" smtClean="0">
+                <a:latin typeface="Courier New" pitchFamily="49" charset="0"/>
+                <a:cs typeface="Courier New" pitchFamily="49" charset="0"/>
+              </a:rPr>
+              <a:t>(</a:t>
+            </a:r>
+            <a:r>
+              <a:rPr lang="pt-BR" sz="1400" b="1" dirty="0" smtClean="0">
+                <a:solidFill>
+                  <a:srgbClr val="00B050"/>
+                </a:solidFill>
+                <a:latin typeface="Courier New" pitchFamily="49" charset="0"/>
+                <a:cs typeface="Courier New" pitchFamily="49" charset="0"/>
+              </a:rPr>
+              <a:t>@Converter</a:t>
+            </a:r>
+            <a:r>
               <a:rPr lang="pt-BR" sz="1400" dirty="0" smtClean="0">
                 <a:latin typeface="Courier New" pitchFamily="49" charset="0"/>
                 <a:cs typeface="Courier New" pitchFamily="49" charset="0"/>
               </a:rPr>
-              <a:t>    }</a:t>
+              <a:t>(</a:t>
+            </a:r>
+            <a:r>
+              <a:rPr lang="pt-BR" sz="1400" dirty="0" err="1" smtClean="0">
+                <a:latin typeface="Courier New" pitchFamily="49" charset="0"/>
+                <a:cs typeface="Courier New" pitchFamily="49" charset="0"/>
+              </a:rPr>
+              <a:t>args</a:t>
+            </a:r>
+            <a:r>
+              <a:rPr lang="pt-BR" sz="1400" dirty="0" smtClean="0">
+                <a:latin typeface="Courier New" pitchFamily="49" charset="0"/>
+                <a:cs typeface="Courier New" pitchFamily="49" charset="0"/>
+              </a:rPr>
+              <a:t> = { “MM/</a:t>
+            </a:r>
+            <a:r>
+              <a:rPr lang="pt-BR" sz="1400" dirty="0" err="1" smtClean="0">
+                <a:latin typeface="Courier New" pitchFamily="49" charset="0"/>
+                <a:cs typeface="Courier New" pitchFamily="49" charset="0"/>
+              </a:rPr>
+              <a:t>yyyy</a:t>
+            </a:r>
+            <a:r>
+              <a:rPr lang="pt-BR" sz="1400" dirty="0" smtClean="0">
+                <a:latin typeface="Courier New" pitchFamily="49" charset="0"/>
+                <a:cs typeface="Courier New" pitchFamily="49" charset="0"/>
+              </a:rPr>
+              <a:t>" }) </a:t>
+            </a:r>
+            <a:r>
+              <a:rPr lang="en-US" sz="1400" dirty="0" smtClean="0">
+                <a:latin typeface="Courier New" pitchFamily="49" charset="0"/>
+                <a:cs typeface="Courier New" pitchFamily="49" charset="0"/>
+              </a:rPr>
+              <a:t>Date date) </a:t>
+            </a:r>
+            <a:r>
+              <a:rPr lang="en-US" sz="1400" dirty="0" smtClean="0">
+                <a:latin typeface="Courier New" pitchFamily="49" charset="0"/>
+                <a:cs typeface="Courier New" pitchFamily="49" charset="0"/>
+              </a:rPr>
+              <a:t>{…}</a:t>
             </a:r>
           </a:p>
           <a:p>
             <a:pPr>
               <a:buNone/>
             </a:pPr>
+            <a:endParaRPr lang="en-US" sz="1400" dirty="0" smtClean="0">
+              <a:latin typeface="Courier New" pitchFamily="49" charset="0"/>
+              <a:cs typeface="Courier New" pitchFamily="49" charset="0"/>
+            </a:endParaRPr>
+          </a:p>
+          <a:p>
+            <a:pPr>
+              <a:buNone/>
+            </a:pPr>
             <a:r>
               <a:rPr lang="en-US" sz="1400" dirty="0" smtClean="0">
                 <a:latin typeface="Courier New" pitchFamily="49" charset="0"/>
                 <a:cs typeface="Courier New" pitchFamily="49" charset="0"/>
               </a:rPr>
-              <a:t>	  public void </a:t>
+              <a:t> </a:t>
+            </a:r>
+            <a:r>
+              <a:rPr lang="en-US" sz="1400" b="1" dirty="0" smtClean="0">
+                <a:solidFill>
+                  <a:srgbClr val="00B050"/>
+                </a:solidFill>
+                <a:latin typeface="Courier New" pitchFamily="49" charset="0"/>
+                <a:cs typeface="Courier New" pitchFamily="49" charset="0"/>
+              </a:rPr>
+              <a:t>@Sentence</a:t>
+            </a:r>
+            <a:r>
+              <a:rPr lang="en-US" sz="1400" dirty="0" smtClean="0">
+                <a:latin typeface="Courier New" pitchFamily="49" charset="0"/>
+                <a:cs typeface="Courier New" pitchFamily="49" charset="0"/>
+              </a:rPr>
+              <a:t>(“with </a:t>
+            </a:r>
+            <a:r>
+              <a:rPr lang="en-US" sz="1400" dirty="0" smtClean="0">
+                <a:latin typeface="Courier New" pitchFamily="49" charset="0"/>
+                <a:cs typeface="Courier New" pitchFamily="49" charset="0"/>
+                <a:hlinkClick r:id="rId2" action="ppaction://hlinkfile"/>
+              </a:rPr>
+              <a:t>\\d</a:t>
+            </a:r>
+            <a:r>
+              <a:rPr lang="en-US" sz="1400" dirty="0" smtClean="0">
+                <a:latin typeface="Courier New" pitchFamily="49" charset="0"/>
+                <a:cs typeface="Courier New" pitchFamily="49" charset="0"/>
+              </a:rPr>
+              <a:t>+ and $string”) </a:t>
+            </a:r>
+            <a:r>
+              <a:rPr lang="en-US" sz="1400" b="1" dirty="0" smtClean="0">
+                <a:solidFill>
+                  <a:srgbClr val="00B050"/>
+                </a:solidFill>
+                <a:latin typeface="Courier New" pitchFamily="49" charset="0"/>
+                <a:cs typeface="Courier New" pitchFamily="49" charset="0"/>
+              </a:rPr>
+              <a:t>@Synonyms</a:t>
+            </a:r>
+            <a:r>
+              <a:rPr lang="en-US" sz="1400" dirty="0" smtClean="0">
+                <a:latin typeface="Courier New" pitchFamily="49" charset="0"/>
+                <a:cs typeface="Courier New" pitchFamily="49" charset="0"/>
+              </a:rPr>
+              <a:t>({“find $</a:t>
             </a:r>
             <a:r>
               <a:rPr lang="en-US" sz="1400" dirty="0" err="1" smtClean="0">
                 <a:latin typeface="Courier New" pitchFamily="49" charset="0"/>
                 <a:cs typeface="Courier New" pitchFamily="49" charset="0"/>
               </a:rPr>
-              <a:t>doSomethingOn</a:t>
+              <a:t>int</a:t>
             </a:r>
             <a:r>
               <a:rPr lang="en-US" sz="1400" dirty="0" smtClean="0">
                 <a:latin typeface="Courier New" pitchFamily="49" charset="0"/>
                 <a:cs typeface="Courier New" pitchFamily="49" charset="0"/>
               </a:rPr>
+              <a:t> and (\.+)”})</a:t>
+            </a:r>
+            <a:endParaRPr lang="en-US" sz="1400" dirty="0" smtClean="0">
+              <a:latin typeface="Courier New" pitchFamily="49" charset="0"/>
+              <a:cs typeface="Courier New" pitchFamily="49" charset="0"/>
+            </a:endParaRPr>
+          </a:p>
+          <a:p>
+            <a:pPr>
+              <a:buNone/>
+            </a:pPr>
+            <a:r>
+              <a:rPr lang="en-US" sz="1400" dirty="0" smtClean="0">
+                <a:latin typeface="Courier New" pitchFamily="49" charset="0"/>
+                <a:cs typeface="Courier New" pitchFamily="49" charset="0"/>
+              </a:rPr>
+              <a:t> </a:t>
+            </a:r>
+            <a:r>
+              <a:rPr lang="en-US" sz="1400" b="1" dirty="0" smtClean="0">
+                <a:latin typeface="Courier New" pitchFamily="49" charset="0"/>
+                <a:cs typeface="Courier New" pitchFamily="49" charset="0"/>
+              </a:rPr>
+              <a:t>public</a:t>
+            </a:r>
+            <a:r>
+              <a:rPr lang="en-US" sz="1400" dirty="0" smtClean="0">
+                <a:latin typeface="Courier New" pitchFamily="49" charset="0"/>
+                <a:cs typeface="Courier New" pitchFamily="49" charset="0"/>
+              </a:rPr>
+              <a:t> void search(</a:t>
+            </a:r>
+            <a:r>
+              <a:rPr lang="en-US" sz="1400" dirty="0" err="1" smtClean="0">
+                <a:latin typeface="Courier New" pitchFamily="49" charset="0"/>
+                <a:cs typeface="Courier New" pitchFamily="49" charset="0"/>
+              </a:rPr>
+              <a:t>int</a:t>
+            </a:r>
+            <a:r>
+              <a:rPr lang="en-US" sz="1400" dirty="0" smtClean="0">
+                <a:latin typeface="Courier New" pitchFamily="49" charset="0"/>
+                <a:cs typeface="Courier New" pitchFamily="49" charset="0"/>
+              </a:rPr>
+              <a:t> id, </a:t>
+            </a:r>
+            <a:r>
+              <a:rPr lang="pt-BR" sz="1400" b="1" dirty="0" smtClean="0">
+                <a:solidFill>
+                  <a:srgbClr val="00B050"/>
+                </a:solidFill>
+                <a:latin typeface="Courier New" pitchFamily="49" charset="0"/>
+                <a:cs typeface="Courier New" pitchFamily="49" charset="0"/>
+              </a:rPr>
+              <a:t>@Converter</a:t>
+            </a:r>
+            <a:r>
+              <a:rPr lang="pt-BR" sz="1400" dirty="0" smtClean="0">
+                <a:latin typeface="Courier New" pitchFamily="49" charset="0"/>
+                <a:cs typeface="Courier New" pitchFamily="49" charset="0"/>
+              </a:rPr>
               <a:t>(</a:t>
             </a:r>
             <a:r>
+              <a:rPr lang="pt-BR" sz="1400" dirty="0" err="1" smtClean="0">
+                <a:latin typeface="Courier New" pitchFamily="49" charset="0"/>
+                <a:cs typeface="Courier New" pitchFamily="49" charset="0"/>
+              </a:rPr>
+              <a:t>args</a:t>
+            </a:r>
+            <a:r>
               <a:rPr lang="pt-BR" sz="1400" dirty="0" smtClean="0">
                 <a:latin typeface="Courier New" pitchFamily="49" charset="0"/>
                 <a:cs typeface="Courier New" pitchFamily="49" charset="0"/>
               </a:rPr>
-              <a:t>@Converter(</a:t>
+              <a:t> = { “MM/</a:t>
             </a:r>
             <a:r>
               <a:rPr lang="pt-BR" sz="1400" dirty="0" err="1" smtClean="0">
                 <a:latin typeface="Courier New" pitchFamily="49" charset="0"/>
                 <a:cs typeface="Courier New" pitchFamily="49" charset="0"/>
               </a:rPr>
-              <a:t>args</a:t>
+              <a:t>yyyy</a:t>
             </a:r>
             <a:r>
               <a:rPr lang="pt-BR" sz="1400" dirty="0" smtClean="0">
                 <a:latin typeface="Courier New" pitchFamily="49" charset="0"/>
                 <a:cs typeface="Courier New" pitchFamily="49" charset="0"/>
               </a:rPr>
-              <a:t> = { “MM/</a:t>
-            </a:r>
-            <a:r>
-              <a:rPr lang="pt-BR" sz="1400" dirty="0" err="1" smtClean="0">
-                <a:latin typeface="Courier New" pitchFamily="49" charset="0"/>
-                <a:cs typeface="Courier New" pitchFamily="49" charset="0"/>
-              </a:rPr>
-              <a:t>yyyy</a:t>
-            </a:r>
-            <a:r>
-              <a:rPr lang="pt-BR" sz="1400" dirty="0" smtClean="0">
-                <a:latin typeface="Courier New" pitchFamily="49" charset="0"/>
-                <a:cs typeface="Courier New" pitchFamily="49" charset="0"/>
-              </a:rPr>
               <a:t>" }) </a:t>
             </a:r>
             <a:r>
+              <a:rPr lang="en-US" sz="1400" dirty="0" err="1" smtClean="0">
+                <a:latin typeface="Courier New" pitchFamily="49" charset="0"/>
+                <a:cs typeface="Courier New" pitchFamily="49" charset="0"/>
+              </a:rPr>
+              <a:t>DateTime</a:t>
+            </a:r>
+            <a:r>
               <a:rPr lang="en-US" sz="1400" dirty="0" smtClean="0">
                 <a:latin typeface="Courier New" pitchFamily="49" charset="0"/>
                 <a:cs typeface="Courier New" pitchFamily="49" charset="0"/>
               </a:rPr>
-              <a:t>Date date) {…}</a:t>
+              <a:t> date) {…}</a:t>
             </a:r>
             <a:endParaRPr lang="pt-BR" sz="1400" dirty="0" smtClean="0">
               <a:latin typeface="Courier New" pitchFamily="49" charset="0"/>
@@ -14077,7 +14632,12 @@
             <p:ph sz="quarter" idx="4"/>
           </p:nvPr>
         </p:nvSpPr>
-        <p:spPr/>
+        <p:spPr>
+          <a:xfrm>
+            <a:off x="179512" y="4149080"/>
+            <a:ext cx="8784976" cy="2664296"/>
+          </a:xfrm>
+        </p:spPr>
         <p:txBody>
           <a:bodyPr>
             <a:normAutofit fontScale="77500" lnSpcReduction="20000"/>
@@ -14335,9 +14895,34 @@
               <a:buNone/>
             </a:pPr>
             <a:r>
-              <a:rPr lang="pt-BR" dirty="0" smtClean="0"/>
-              <a:t>        &lt;/p&gt;</a:t>
-            </a:r>
+              <a:rPr lang="en-US" dirty="0" smtClean="0"/>
+              <a:t>	       &lt;</a:t>
+            </a:r>
+            <a:r>
+              <a:rPr lang="en-US" dirty="0" smtClean="0">
+                <a:solidFill>
+                  <a:srgbClr val="FF0000"/>
+                </a:solidFill>
+              </a:rPr>
+              <a:t>sentence</a:t>
+            </a:r>
+            <a:r>
+              <a:rPr lang="en-US" dirty="0" smtClean="0"/>
+              <a:t>&gt;Find users with 15 and 12/2013&lt;/</a:t>
+            </a:r>
+            <a:r>
+              <a:rPr lang="en-US" dirty="0" smtClean="0">
+                <a:solidFill>
+                  <a:srgbClr val="FF0000"/>
+                </a:solidFill>
+              </a:rPr>
+              <a:t>sentence</a:t>
+            </a:r>
+            <a:r>
+              <a:rPr lang="en-US" dirty="0" smtClean="0"/>
+              <a:t>&gt;.</a:t>
+            </a:r>
+            <a:endParaRPr lang="en-US" dirty="0" smtClean="0"/>
           </a:p>
           <a:p>
             <a:pPr>
@@ -14345,15 +14930,7 @@
             </a:pPr>
             <a:r>
               <a:rPr lang="pt-BR" dirty="0" smtClean="0"/>
-              <a:t>&lt;/</a:t>
-            </a:r>
-            <a:r>
-              <a:rPr lang="pt-BR" dirty="0" err="1" smtClean="0"/>
-              <a:t>body</a:t>
-            </a:r>
-            <a:r>
-              <a:rPr lang="pt-BR" dirty="0" smtClean="0"/>
-              <a:t>&gt;</a:t>
+              <a:t>        &lt;/p&gt;</a:t>
             </a:r>
           </a:p>
           <a:p>
@@ -14363,6 +14940,14 @@
             <a:r>
               <a:rPr lang="pt-BR" dirty="0" smtClean="0"/>
               <a:t>&lt;/</a:t>
+            </a:r>
+            <a:r>
+              <a:rPr lang="pt-BR" dirty="0" err="1" smtClean="0"/>
+              <a:t>body</a:t>
+            </a:r>
+            <a:r>
+              <a:rPr lang="pt-BR" dirty="0" smtClean="0"/>
+              <a:t>&gt;&lt;/</a:t>
             </a:r>
             <a:r>
               <a:rPr lang="pt-BR" dirty="0" err="1" smtClean="0"/>
@@ -14461,15 +15046,15 @@
         </p:nvSpPr>
         <p:spPr>
           <a:xfrm>
-            <a:off x="6228184" y="5661248"/>
-            <a:ext cx="2736304" cy="360040"/>
+            <a:off x="7020272" y="5661248"/>
+            <a:ext cx="1944216" cy="360040"/>
           </a:xfrm>
           <a:prstGeom prst="accentCallout1">
             <a:avLst>
               <a:gd name="adj1" fmla="val 9704"/>
               <a:gd name="adj2" fmla="val -5700"/>
-              <a:gd name="adj3" fmla="val -18835"/>
-              <a:gd name="adj4" fmla="val -16868"/>
+              <a:gd name="adj3" fmla="val -26416"/>
+              <a:gd name="adj4" fmla="val -58986"/>
             </a:avLst>
           </a:prstGeom>
           <a:solidFill>
@@ -14512,14 +15097,6 @@
               </a:rPr>
               <a:t>Meta-variable</a:t>
             </a:r>
-            <a:r>
-              <a:rPr lang="en-US" dirty="0" smtClean="0">
-                <a:solidFill>
-                  <a:schemeClr val="tx1"/>
-                </a:solidFill>
-              </a:rPr>
-              <a:t> $THIS.</a:t>
-            </a:r>
             <a:endParaRPr lang="pt-BR" dirty="0">
               <a:solidFill>
                 <a:schemeClr val="tx1"/>
@@ -14536,7 +15113,7 @@
         </p:nvSpPr>
         <p:spPr>
           <a:xfrm>
-            <a:off x="5148064" y="6093296"/>
+            <a:off x="5148064" y="6309320"/>
             <a:ext cx="3816424" cy="432048"/>
           </a:xfrm>
           <a:prstGeom prst="accentCallout1">
@@ -15909,8 +16486,8 @@
         </p:nvSpPr>
         <p:spPr>
           <a:xfrm>
-            <a:off x="3642173" y="5661248"/>
-            <a:ext cx="5501827" cy="523220"/>
+            <a:off x="3563888" y="5570076"/>
+            <a:ext cx="5472608" cy="523220"/>
           </a:xfrm>
           <a:prstGeom prst="rect">
             <a:avLst/>
@@ -15918,7 +16495,7 @@
           <a:noFill/>
         </p:spPr>
         <p:txBody>
-          <a:bodyPr wrap="none" rtlCol="0">
+          <a:bodyPr wrap="square" rtlCol="0">
             <a:spAutoFit/>
           </a:bodyPr>
           <a:lstStyle/>
@@ -15933,7 +16510,77 @@
                   </a:outerShdw>
                 </a:effectLst>
               </a:rPr>
-              <a:t>A test without assertion is useful?</a:t>
+              <a:t>Do exist tests </a:t>
+            </a:r>
+            <a:r>
+              <a:rPr lang="en-US" sz="2800" dirty="0" smtClean="0">
+                <a:effectLst>
+                  <a:outerShdw blurRad="38100" dist="38100" dir="2700000" algn="tl">
+                    <a:srgbClr val="000000">
+                      <a:alpha val="43137"/>
+                    </a:srgbClr>
+                  </a:outerShdw>
+                </a:effectLst>
+              </a:rPr>
+              <a:t>without </a:t>
+            </a:r>
+            <a:r>
+              <a:rPr lang="en-US" sz="2800" dirty="0" smtClean="0">
+                <a:effectLst>
+                  <a:outerShdw blurRad="38100" dist="38100" dir="2700000" algn="tl">
+                    <a:srgbClr val="000000">
+                      <a:alpha val="43137"/>
+                    </a:srgbClr>
+                  </a:outerShdw>
+                </a:effectLst>
+              </a:rPr>
+              <a:t>assertions?</a:t>
+            </a:r>
+            <a:endParaRPr lang="pt-BR" sz="2800" dirty="0">
+              <a:effectLst>
+                <a:outerShdw blurRad="38100" dist="38100" dir="2700000" algn="tl">
+                  <a:srgbClr val="000000">
+                    <a:alpha val="43137"/>
+                  </a:srgbClr>
+                </a:outerShdw>
+              </a:effectLst>
+            </a:endParaRPr>
+          </a:p>
+        </p:txBody>
+      </p:sp>
+      <p:sp>
+        <p:nvSpPr>
+          <p:cNvPr id="7" name="TextBox 6"/>
+          <p:cNvSpPr txBox="1"/>
+          <p:nvPr/>
+        </p:nvSpPr>
+        <p:spPr>
+          <a:xfrm>
+            <a:off x="4860032" y="6021288"/>
+            <a:ext cx="4043094" cy="523220"/>
+          </a:xfrm>
+          <a:prstGeom prst="rect">
+            <a:avLst/>
+          </a:prstGeom>
+          <a:noFill/>
+        </p:spPr>
+        <p:txBody>
+          <a:bodyPr wrap="none" rtlCol="0">
+            <a:spAutoFit/>
+          </a:bodyPr>
+          <a:lstStyle/>
+          <a:p>
+            <a:r>
+              <a:rPr lang="en-US" sz="2800" dirty="0" smtClean="0">
+                <a:effectLst>
+                  <a:outerShdw blurRad="38100" dist="38100" dir="2700000" algn="tl">
+                    <a:srgbClr val="000000">
+                      <a:alpha val="43137"/>
+                    </a:srgbClr>
+                  </a:outerShdw>
+                </a:effectLst>
+              </a:rPr>
+              <a:t>Coverage ≠ Correctness!</a:t>
             </a:r>
             <a:endParaRPr lang="pt-BR" sz="2800" dirty="0">
               <a:effectLst>
@@ -16048,6 +16695,88 @@
                             </p:childTnLst>
                           </p:cTn>
                         </p:par>
+                        <p:par>
+                          <p:cTn id="9" fill="hold">
+                            <p:stCondLst>
+                              <p:cond delay="500"/>
+                            </p:stCondLst>
+                            <p:childTnLst>
+                              <p:par>
+                                <p:cTn id="10" presetID="2" presetClass="entr" presetSubtype="4" fill="hold" grpId="0" nodeType="afterEffect">
+                                  <p:stCondLst>
+                                    <p:cond delay="10000"/>
+                                  </p:stCondLst>
+                                  <p:childTnLst>
+                                    <p:set>
+                                      <p:cBhvr>
+                                        <p:cTn id="11" dur="1" fill="hold">
+                                          <p:stCondLst>
+                                            <p:cond delay="0"/>
+                                          </p:stCondLst>
+                                        </p:cTn>
+                                        <p:tgtEl>
+                                          <p:spTgt spid="7"/>
+                                        </p:tgtEl>
+                                        <p:attrNameLst>
+                                          <p:attrName>style.visibility</p:attrName>
+                                        </p:attrNameLst>
+                                      </p:cBhvr>
+                                      <p:to>
+                                        <p:strVal val="visible"/>
+                                      </p:to>
+                                    </p:set>
+                                    <p:anim calcmode="lin" valueType="num">
+                                      <p:cBhvr additive="base">
+                                        <p:cTn id="12" dur="500" fill="hold"/>
+                                        <p:tgtEl>
+                                          <p:spTgt spid="7"/>
+                                        </p:tgtEl>
+                                        <p:attrNameLst>
+                                          <p:attrName>ppt_x</p:attrName>
+                                        </p:attrNameLst>
+                                      </p:cBhvr>
+                                      <p:tavLst>
+                                        <p:tav tm="0">
+                                          <p:val>
+                                            <p:strVal val="#ppt_x"/>
+                                          </p:val>
+                                        </p:tav>
+                                        <p:tav tm="100000">
+                                          <p:val>
+                                            <p:strVal val="#ppt_x"/>
+                                          </p:val>
+                                        </p:tav>
+                                      </p:tavLst>
+                                    </p:anim>
+                                    <p:anim calcmode="lin" valueType="num">
+                                      <p:cBhvr additive="base">
+                                        <p:cTn id="13" dur="500" fill="hold"/>
+                                        <p:tgtEl>
+                                          <p:spTgt spid="7"/>
+                                        </p:tgtEl>
+                                        <p:attrNameLst>
+                                          <p:attrName>ppt_y</p:attrName>
+                                        </p:attrNameLst>
+                                      </p:cBhvr>
+                                      <p:tavLst>
+                                        <p:tav tm="0">
+                                          <p:val>
+                                            <p:strVal val="1+#ppt_h/2"/>
+                                          </p:val>
+                                        </p:tav>
+                                        <p:tav tm="100000">
+                                          <p:val>
+                                            <p:strVal val="#ppt_y"/>
+                                          </p:val>
+                                        </p:tav>
+                                      </p:tavLst>
+                                    </p:anim>
+                                  </p:childTnLst>
+                                </p:cTn>
+                              </p:par>
+                            </p:childTnLst>
+                          </p:cTn>
+                        </p:par>
                       </p:childTnLst>
                     </p:cTn>
                   </p:par>
@@ -16074,6 +16803,7 @@
     </p:tnLst>
     <p:bldLst>
       <p:bldP spid="11" grpId="0"/>
+      <p:bldP spid="7" grpId="0"/>
     </p:bldLst>
   </p:timing>
 </p:sld>
@@ -17755,8 +18485,13 @@
             <a:pPr lvl="1"/>
             <a:r>
               <a:rPr lang="en-US" dirty="0" smtClean="0"/>
-              <a:t>Pause on failure listener is a must have.</a:t>
-            </a:r>
+              <a:t>Pause on failure listener is a must </a:t>
+            </a:r>
+            <a:r>
+              <a:rPr lang="en-US" dirty="0" smtClean="0"/>
+              <a:t>have feature.</a:t>
+            </a:r>
+            <a:endParaRPr lang="en-US" dirty="0" smtClean="0"/>
           </a:p>
           <a:p>
             <a:pPr lvl="1"/>
@@ -17797,25 +18532,74 @@
           <a:p>
             <a:r>
               <a:rPr lang="en-US" dirty="0" smtClean="0"/>
-              <a:t>Automatic screenshots of SUT;</a:t>
-            </a:r>
-          </a:p>
-          <a:p>
-            <a:r>
-              <a:rPr lang="en-US" dirty="0" smtClean="0"/>
-              <a:t>Smart table comparison: high customizable table comparison;</a:t>
-            </a:r>
-          </a:p>
-          <a:p>
-            <a:r>
-              <a:rPr lang="en-US" dirty="0" smtClean="0"/>
-              <a:t>Smart node  comparison: no more missing images or other elements and attributes;</a:t>
-            </a:r>
-          </a:p>
-          <a:p>
-            <a:r>
-              <a:rPr lang="en-US" dirty="0" smtClean="0"/>
-              <a:t>Compare Excel report: compare your table specification (in HTML of Excel) with a download excel file.</a:t>
+              <a:t>Automatic </a:t>
+            </a:r>
+            <a:r>
+              <a:rPr lang="en-US" dirty="0" smtClean="0"/>
+              <a:t>screenshots </a:t>
+            </a:r>
+            <a:r>
+              <a:rPr lang="en-US" dirty="0" smtClean="0"/>
+              <a:t>of SUT;</a:t>
+            </a:r>
+          </a:p>
+          <a:p>
+            <a:r>
+              <a:rPr lang="en-US" dirty="0" smtClean="0"/>
+              <a:t>High </a:t>
+            </a:r>
+            <a:r>
+              <a:rPr lang="en-US" dirty="0" smtClean="0"/>
+              <a:t>customizable </a:t>
+            </a:r>
+            <a:r>
+              <a:rPr lang="en-US" dirty="0" smtClean="0"/>
+              <a:t>fields and table comparison</a:t>
+            </a:r>
+            <a:r>
+              <a:rPr lang="en-US" dirty="0" smtClean="0"/>
+              <a:t>;</a:t>
+            </a:r>
+          </a:p>
+          <a:p>
+            <a:r>
+              <a:rPr lang="en-US" dirty="0" smtClean="0"/>
+              <a:t>Smart node </a:t>
+            </a:r>
+            <a:r>
+              <a:rPr lang="en-US" dirty="0" smtClean="0"/>
+              <a:t>comparison</a:t>
+            </a:r>
+            <a:r>
+              <a:rPr lang="en-US" dirty="0" smtClean="0"/>
+              <a:t>: no more missing images or other elements and </a:t>
+            </a:r>
+            <a:r>
+              <a:rPr lang="en-US" dirty="0" smtClean="0"/>
+              <a:t>attributes (also inside tables);</a:t>
+            </a:r>
+            <a:endParaRPr lang="en-US" dirty="0" smtClean="0"/>
+          </a:p>
+          <a:p>
+            <a:r>
+              <a:rPr lang="en-US" dirty="0" smtClean="0"/>
+              <a:t>Compare Excel report: compare your table specification (in HTML </a:t>
+            </a:r>
+            <a:r>
+              <a:rPr lang="en-US" dirty="0" smtClean="0"/>
+              <a:t>or </a:t>
+            </a:r>
+            <a:r>
+              <a:rPr lang="en-US" dirty="0" smtClean="0"/>
+              <a:t>Excel) with a </a:t>
+            </a:r>
+            <a:r>
+              <a:rPr lang="en-US" dirty="0" smtClean="0"/>
+              <a:t>downloaded Excel </a:t>
+            </a:r>
+            <a:r>
+              <a:rPr lang="en-US" dirty="0" smtClean="0"/>
+              <a:t>file.</a:t>
             </a:r>
             <a:endParaRPr lang="pt-BR" dirty="0" smtClean="0"/>
           </a:p>
@@ -17962,7 +18746,11 @@
             </a:r>
             <a:r>
               <a:rPr lang="en-US" dirty="0" smtClean="0"/>
-              <a:t> can be set.</a:t>
+              <a:t> can be </a:t>
+            </a:r>
+            <a:r>
+              <a:rPr lang="en-US" dirty="0" smtClean="0"/>
+              <a:t>set relative to test or by absolute path.</a:t>
             </a:r>
             <a:endParaRPr lang="pt-BR" dirty="0"/>
           </a:p>
@@ -18067,7 +18855,15 @@
           <a:p>
             <a:r>
               <a:rPr lang="en-US" dirty="0" smtClean="0"/>
-              <a:t>Tools must serve not slave!</a:t>
+              <a:t>Tools must </a:t>
+            </a:r>
+            <a:r>
+              <a:rPr lang="en-US" dirty="0" smtClean="0"/>
+              <a:t>serve, </a:t>
+            </a:r>
+            <a:r>
+              <a:rPr lang="en-US" dirty="0" smtClean="0"/>
+              <a:t>not slave!</a:t>
             </a:r>
           </a:p>
           <a:p>
@@ -18080,7 +18876,15 @@
           <a:p>
             <a:r>
               <a:rPr lang="en-US" dirty="0" smtClean="0"/>
-              <a:t>Better abstractions implies in happier test designers and developers:</a:t>
+              <a:t>Better abstractions implies in happier test designers </a:t>
+            </a:r>
+            <a:r>
+              <a:rPr lang="en-US" dirty="0" smtClean="0"/>
+              <a:t>and, perhaps, </a:t>
+            </a:r>
+            <a:r>
+              <a:rPr lang="en-US" dirty="0" smtClean="0"/>
+              <a:t>developers:</a:t>
             </a:r>
           </a:p>
           <a:p>
@@ -18100,13 +18904,29 @@
             <a:pPr lvl="1"/>
             <a:r>
               <a:rPr lang="en-US" dirty="0" smtClean="0"/>
-              <a:t>Errors are stressing to developers, help them to find problems is a good thing.</a:t>
-            </a:r>
-          </a:p>
-          <a:p>
-            <a:r>
-              <a:rPr lang="en-US" dirty="0" smtClean="0"/>
-              <a:t>Concurrent tests depend on concurrent system:</a:t>
+              <a:t>Errors are stressing to </a:t>
+            </a:r>
+            <a:r>
+              <a:rPr lang="en-US" dirty="0" smtClean="0"/>
+              <a:t>all, specially to developers</a:t>
+            </a:r>
+            <a:r>
+              <a:rPr lang="en-US" dirty="0" smtClean="0"/>
+              <a:t>,</a:t>
+            </a:r>
+            <a:r>
+              <a:rPr lang="en-US" dirty="0" smtClean="0"/>
+              <a:t> </a:t>
+            </a:r>
+            <a:r>
+              <a:rPr lang="en-US" dirty="0" smtClean="0"/>
+              <a:t>help them to find problems is a good thing.</a:t>
+            </a:r>
+          </a:p>
+          <a:p>
+            <a:r>
+              <a:rPr lang="en-US" dirty="0" smtClean="0"/>
+              <a:t>Concurrent testing depend on concurrent system:</a:t>
             </a:r>
           </a:p>
           <a:p>
@@ -18187,18 +19007,42 @@
         </p:nvSpPr>
         <p:spPr/>
         <p:txBody>
-          <a:bodyPr/>
+          <a:bodyPr>
+            <a:normAutofit/>
+          </a:bodyPr>
           <a:lstStyle/>
           <a:p>
             <a:r>
               <a:rPr lang="en-US" dirty="0" smtClean="0"/>
-              <a:t>Heavy users;</a:t>
-            </a:r>
-          </a:p>
-          <a:p>
-            <a:r>
-              <a:rPr lang="en-US" dirty="0" smtClean="0"/>
-              <a:t>Define what is best for the SUT at the moment: packages of configurations can be part of customization, for example: automatic inclusion of time variables such as ‘d’, ‘</a:t>
+              <a:t>Heavy users (very welcome);</a:t>
+            </a:r>
+          </a:p>
+          <a:p>
+            <a:r>
+              <a:rPr lang="en-US" u="sng" dirty="0" smtClean="0"/>
+              <a:t>Load and stress test data can be fully generated with the help of looped </a:t>
+            </a:r>
+            <a:r>
+              <a:rPr lang="en-US" u="sng" dirty="0" smtClean="0"/>
+              <a:t>specifications;</a:t>
+            </a:r>
+          </a:p>
+          <a:p>
+            <a:r>
+              <a:rPr lang="en-US" dirty="0" smtClean="0"/>
+              <a:t>Built in commons configurations: packages </a:t>
+            </a:r>
+            <a:r>
+              <a:rPr lang="en-US" dirty="0" smtClean="0"/>
+              <a:t>of configurations can be part of customization, for example: automatic inclusion of time variables such as ‘d</a:t>
+            </a:r>
+            <a:r>
+              <a:rPr lang="en-US" dirty="0" smtClean="0"/>
+              <a:t>’ or </a:t>
+            </a:r>
+            <a:r>
+              <a:rPr lang="en-US" dirty="0" smtClean="0"/>
+              <a:t>‘</a:t>
             </a:r>
             <a:r>
               <a:rPr lang="en-US" dirty="0" err="1" smtClean="0"/>
@@ -18233,19 +19077,10 @@
               <a:t> </a:t>
             </a:r>
             <a:r>
-              <a:rPr lang="en-US" dirty="0" err="1" smtClean="0"/>
-              <a:t>repectivelly</a:t>
-            </a:r>
-            <a:r>
-              <a:rPr lang="en-US" dirty="0" smtClean="0"/>
-              <a:t>;</a:t>
-            </a:r>
-          </a:p>
-          <a:p>
-            <a:r>
-              <a:rPr lang="en-US" dirty="0" smtClean="0"/>
-              <a:t>Load and stress test data can be fully generated with the help of looped specifications;</a:t>
-            </a:r>
+              <a:rPr lang="en-US" dirty="0" smtClean="0"/>
+              <a:t>respectively, disable CSS/JS/images to speed up;</a:t>
+            </a:r>
+            <a:endParaRPr lang="en-US" dirty="0" smtClean="0"/>
           </a:p>
           <a:p>
             <a:r>
@@ -18259,12 +19094,8 @@
               <a:t>Creation of other profiles (i.e. h3270 terminal </a:t>
             </a:r>
             <a:r>
-              <a:rPr lang="en-US" dirty="0" err="1" smtClean="0"/>
-              <a:t>iteraction</a:t>
-            </a:r>
-            <a:r>
-              <a:rPr lang="en-US" dirty="0" smtClean="0"/>
-              <a:t>).</a:t>
+              <a:rPr lang="en-US" dirty="0" smtClean="0"/>
+              <a:t>interaction, file handlers – Ant is enough?).</a:t>
             </a:r>
             <a:endParaRPr lang="pt-BR" dirty="0" smtClean="0"/>
           </a:p>
@@ -18354,7 +19185,7 @@
           <a:p>
             <a:r>
               <a:rPr lang="en-US" sz="2400" dirty="0" smtClean="0"/>
-              <a:t>Good support (</a:t>
+              <a:t>Good support </a:t>
             </a:r>
             <a:r>
               <a:rPr lang="en-US" sz="2400" dirty="0" smtClean="0">
@@ -18364,8 +19195,9 @@
             </a:r>
             <a:r>
               <a:rPr lang="en-US" sz="2400" dirty="0" smtClean="0"/>
-              <a:t>);</a:t>
-            </a:r>
+              <a:t>;</a:t>
+            </a:r>
+            <a:endParaRPr lang="en-US" sz="2400" dirty="0" smtClean="0"/>
           </a:p>
           <a:p>
             <a:r>
@@ -18456,8 +19288,13 @@
           <a:p>
             <a:r>
               <a:rPr lang="en-US" sz="2400" dirty="0" smtClean="0"/>
-              <a:t>Event aware;</a:t>
-            </a:r>
+              <a:t>Event </a:t>
+            </a:r>
+            <a:r>
+              <a:rPr lang="en-US" sz="2400" dirty="0" smtClean="0"/>
+              <a:t>aware (listeners);</a:t>
+            </a:r>
+            <a:endParaRPr lang="en-US" sz="2400" dirty="0" smtClean="0"/>
           </a:p>
           <a:p>
             <a:r>
@@ -18468,7 +19305,7 @@
           <a:p>
             <a:r>
               <a:rPr lang="en-US" sz="2400" dirty="0" smtClean="0"/>
-              <a:t>Support for concurrency issues and thread-safe;</a:t>
+              <a:t>Thread-safe and support for concurrency issues;</a:t>
             </a:r>
           </a:p>
           <a:p>
@@ -18704,7 +19541,11 @@
             <a:pPr lvl="1"/>
             <a:r>
               <a:rPr lang="en-US" dirty="0" smtClean="0"/>
-              <a:t>Port to other languages.</a:t>
+              <a:t>Ports </a:t>
+            </a:r>
+            <a:r>
+              <a:rPr lang="en-US" dirty="0" smtClean="0"/>
+              <a:t>to other languages.</a:t>
             </a:r>
           </a:p>
           <a:p>
@@ -18731,7 +19572,15 @@
             <a:pPr lvl="1"/>
             <a:r>
               <a:rPr lang="en-US" dirty="0" smtClean="0"/>
-              <a:t>Fixtures for every project (“But I’m not the only one”)</a:t>
+              <a:t>Fixtures for every project (</a:t>
+            </a:r>
+            <a:r>
+              <a:rPr lang="en-US" u="sng" dirty="0" smtClean="0"/>
+              <a:t>“But I’m not the only one”</a:t>
+            </a:r>
+            <a:r>
+              <a:rPr lang="en-US" dirty="0" smtClean="0"/>
+              <a:t>)</a:t>
             </a:r>
           </a:p>
           <a:p>
@@ -18826,8 +19675,13 @@
             <a:pPr lvl="1"/>
             <a:r>
               <a:rPr lang="en-US" dirty="0" smtClean="0"/>
-              <a:t>Wiki style;</a:t>
-            </a:r>
+              <a:t>Wiki </a:t>
+            </a:r>
+            <a:r>
+              <a:rPr lang="en-US" dirty="0" smtClean="0"/>
+              <a:t>style (PO are writers?);</a:t>
+            </a:r>
+            <a:endParaRPr lang="en-US" dirty="0" smtClean="0"/>
           </a:p>
           <a:p>
             <a:pPr lvl="1"/>
@@ -19123,6 +19977,139 @@
           </a:p>
         </p:txBody>
       </p:sp>
+      <p:pic>
+        <p:nvPicPr>
+          <p:cNvPr id="23555" name="Picture 3"/>
+          <p:cNvPicPr>
+            <a:picLocks noChangeAspect="1" noChangeArrowheads="1"/>
+          </p:cNvPicPr>
+          <p:nvPr/>
+        </p:nvPicPr>
+        <p:blipFill>
+          <a:blip r:embed="rId4" cstate="print"/>
+          <a:srcRect/>
+          <a:stretch>
+            <a:fillRect/>
+          </a:stretch>
+        </p:blipFill>
+        <p:spPr bwMode="auto">
+          <a:xfrm>
+            <a:off x="5396870" y="4912905"/>
+            <a:ext cx="3567618" cy="1828463"/>
+          </a:xfrm>
+          <a:prstGeom prst="rect">
+            <a:avLst/>
+          </a:prstGeom>
+          <a:noFill/>
+          <a:ln w="9525">
+            <a:solidFill>
+              <a:schemeClr val="bg2"/>
+            </a:solidFill>
+            <a:miter lim="800000"/>
+            <a:headEnd/>
+            <a:tailEnd/>
+          </a:ln>
+          <a:effectLst>
+            <a:outerShdw blurRad="50800" dist="38100" dir="2700000" algn="tl" rotWithShape="0">
+              <a:prstClr val="black">
+                <a:alpha val="40000"/>
+              </a:prstClr>
+            </a:outerShdw>
+          </a:effectLst>
+        </p:spPr>
+      </p:pic>
+      <p:sp>
+        <p:nvSpPr>
+          <p:cNvPr id="11" name="Rectangle 10"/>
+          <p:cNvSpPr/>
+          <p:nvPr/>
+        </p:nvSpPr>
+        <p:spPr>
+          <a:xfrm>
+            <a:off x="5364088" y="4509120"/>
+            <a:ext cx="3600400" cy="360040"/>
+          </a:xfrm>
+          <a:prstGeom prst="rect">
+            <a:avLst/>
+          </a:prstGeom>
+          <a:solidFill>
+            <a:schemeClr val="accent2">
+              <a:lumMod val="20000"/>
+              <a:lumOff val="80000"/>
+            </a:schemeClr>
+          </a:solidFill>
+          <a:ln>
+            <a:solidFill>
+              <a:schemeClr val="tx1"/>
+            </a:solidFill>
+          </a:ln>
+        </p:spPr>
+        <p:style>
+          <a:lnRef idx="2">
+            <a:schemeClr val="accent1">
+              <a:shade val="50000"/>
+            </a:schemeClr>
+          </a:lnRef>
+          <a:fillRef idx="1">
+            <a:schemeClr val="accent1"/>
+          </a:fillRef>
+          <a:effectRef idx="0">
+            <a:schemeClr val="accent1"/>
+          </a:effectRef>
+          <a:fontRef idx="minor">
+            <a:schemeClr val="lt1"/>
+          </a:fontRef>
+        </p:style>
+        <p:txBody>
+          <a:bodyPr rtlCol="0" anchor="ctr"/>
+          <a:lstStyle/>
+          <a:p>
+            <a:pPr algn="ctr"/>
+            <a:r>
+              <a:rPr lang="en-US" sz="2000" dirty="0" smtClean="0">
+                <a:solidFill>
+                  <a:schemeClr val="tx1"/>
+                </a:solidFill>
+                <a:effectLst>
+                  <a:outerShdw blurRad="38100" dist="38100" dir="2700000" algn="tl">
+                    <a:srgbClr val="000000">
+                      <a:alpha val="43137"/>
+                    </a:srgbClr>
+                  </a:outerShdw>
+                </a:effectLst>
+              </a:rPr>
+              <a:t>Plain and match by </a:t>
+            </a:r>
+            <a:r>
+              <a:rPr lang="en-US" sz="2000" dirty="0" err="1" smtClean="0">
+                <a:solidFill>
+                  <a:schemeClr val="tx1"/>
+                </a:solidFill>
+                <a:effectLst>
+                  <a:outerShdw blurRad="38100" dist="38100" dir="2700000" algn="tl">
+                    <a:srgbClr val="000000">
+                      <a:alpha val="43137"/>
+                    </a:srgbClr>
+                  </a:outerShdw>
+                </a:effectLst>
+              </a:rPr>
+              <a:t>regexp</a:t>
+            </a:r>
+            <a:endParaRPr lang="pt-BR" sz="2000" dirty="0">
+              <a:solidFill>
+                <a:schemeClr val="tx1"/>
+              </a:solidFill>
+              <a:effectLst>
+                <a:outerShdw blurRad="38100" dist="38100" dir="2700000" algn="tl">
+                  <a:srgbClr val="000000">
+                    <a:alpha val="43137"/>
+                  </a:srgbClr>
+                </a:outerShdw>
+              </a:effectLst>
+            </a:endParaRPr>
+          </a:p>
+        </p:txBody>
+      </p:sp>
     </p:spTree>
   </p:cSld>
   <p:clrMapOvr>
@@ -19785,31 +20772,6 @@
           <a:chExt cx="0" cy="0"/>
         </a:xfrm>
       </p:grpSpPr>
-      <p:sp>
-        <p:nvSpPr>
-          <p:cNvPr id="2" name="Title 1"/>
-          <p:cNvSpPr>
-            <a:spLocks noGrp="1"/>
-          </p:cNvSpPr>
-          <p:nvPr>
-            <p:ph type="title"/>
-          </p:nvPr>
-        </p:nvSpPr>
-        <p:spPr/>
-        <p:txBody>
-          <a:bodyPr>
-            <a:normAutofit fontScale="90000"/>
-          </a:bodyPr>
-          <a:lstStyle/>
-          <a:p>
-            <a:r>
-              <a:rPr lang="en-US" dirty="0" smtClean="0"/>
-              <a:t>Specification audience</a:t>
-            </a:r>
-            <a:endParaRPr lang="pt-BR" dirty="0"/>
-          </a:p>
-        </p:txBody>
-      </p:sp>
       <p:pic>
         <p:nvPicPr>
           <p:cNvPr id="1026" name="Picture 2"/>
@@ -19827,7 +20789,7 @@
         </p:blipFill>
         <p:spPr bwMode="auto">
           <a:xfrm>
-            <a:off x="130284" y="1268760"/>
+            <a:off x="130284" y="2257708"/>
             <a:ext cx="8523510" cy="2304256"/>
           </a:xfrm>
           <a:prstGeom prst="rect">
@@ -19844,13 +20806,38 @@
       </p:pic>
       <p:sp>
         <p:nvSpPr>
+          <p:cNvPr id="2" name="Title 1"/>
+          <p:cNvSpPr>
+            <a:spLocks noGrp="1"/>
+          </p:cNvSpPr>
+          <p:nvPr>
+            <p:ph type="title"/>
+          </p:nvPr>
+        </p:nvSpPr>
+        <p:spPr/>
+        <p:txBody>
+          <a:bodyPr>
+            <a:normAutofit fontScale="90000"/>
+          </a:bodyPr>
+          <a:lstStyle/>
+          <a:p>
+            <a:r>
+              <a:rPr lang="en-US" dirty="0" smtClean="0"/>
+              <a:t>Specification audience</a:t>
+            </a:r>
+            <a:endParaRPr lang="pt-BR" dirty="0"/>
+          </a:p>
+        </p:txBody>
+      </p:sp>
+      <p:sp>
+        <p:nvSpPr>
           <p:cNvPr id="6" name="TextBox 5"/>
           <p:cNvSpPr txBox="1"/>
           <p:nvPr/>
         </p:nvSpPr>
         <p:spPr>
           <a:xfrm rot="16200000">
-            <a:off x="7996462" y="2452810"/>
+            <a:off x="7996462" y="3441758"/>
             <a:ext cx="1636987" cy="276999"/>
           </a:xfrm>
           <a:prstGeom prst="rect">
@@ -19880,48 +20867,22 @@
           </a:p>
         </p:txBody>
       </p:sp>
-      <p:pic>
-        <p:nvPicPr>
-          <p:cNvPr id="1028" name="Picture 4" descr="C:\Java\googlecode\svn\trunk\specrunner-core\logos\specrunner.png"/>
-          <p:cNvPicPr>
-            <a:picLocks noChangeAspect="1" noChangeArrowheads="1"/>
-          </p:cNvPicPr>
+      <p:sp>
+        <p:nvSpPr>
+          <p:cNvPr id="9" name="TextBox 8"/>
+          <p:cNvSpPr txBox="1"/>
           <p:nvPr/>
-        </p:nvPicPr>
-        <p:blipFill>
-          <a:blip r:embed="rId3" cstate="print"/>
-          <a:srcRect/>
-          <a:stretch>
-            <a:fillRect/>
-          </a:stretch>
-        </p:blipFill>
-        <p:spPr bwMode="auto">
+        </p:nvSpPr>
+        <p:spPr>
           <a:xfrm>
-            <a:off x="1835696" y="3645024"/>
-            <a:ext cx="6840760" cy="1195620"/>
+            <a:off x="4572000" y="4725144"/>
+            <a:ext cx="4137671" cy="646331"/>
           </a:xfrm>
           <a:prstGeom prst="rect">
             <a:avLst/>
           </a:prstGeom>
           <a:noFill/>
         </p:spPr>
-      </p:pic>
-      <p:sp>
-        <p:nvSpPr>
-          <p:cNvPr id="9" name="TextBox 8"/>
-          <p:cNvSpPr txBox="1"/>
-          <p:nvPr/>
-        </p:nvSpPr>
-        <p:spPr>
-          <a:xfrm>
-            <a:off x="5076056" y="4725144"/>
-            <a:ext cx="3611886" cy="523220"/>
-          </a:xfrm>
-          <a:prstGeom prst="rect">
-            <a:avLst/>
-          </a:prstGeom>
-          <a:noFill/>
-        </p:spPr>
         <p:txBody>
           <a:bodyPr wrap="none" rtlCol="0">
             <a:spAutoFit/>
@@ -19929,54 +20890,146 @@
           <a:lstStyle/>
           <a:p>
             <a:r>
-              <a:rPr lang="en-US" sz="2800" dirty="0" smtClean="0"/>
-              <a:t>That’s is all you need!</a:t>
-            </a:r>
-            <a:endParaRPr lang="pt-BR" sz="2800" dirty="0"/>
-          </a:p>
-        </p:txBody>
-      </p:sp>
-      <p:sp>
-        <p:nvSpPr>
-          <p:cNvPr id="11" name="Rectangle 10"/>
-          <p:cNvSpPr/>
+              <a:rPr lang="en-US" sz="3600" dirty="0" smtClean="0"/>
+              <a:t>That’s all you need!</a:t>
+            </a:r>
+            <a:endParaRPr lang="pt-BR" sz="3600" dirty="0"/>
+          </a:p>
+        </p:txBody>
+      </p:sp>
+      <p:grpSp>
+        <p:nvGrpSpPr>
+          <p:cNvPr id="13" name="Group 12"/>
+          <p:cNvGrpSpPr/>
           <p:nvPr/>
-        </p:nvSpPr>
-        <p:spPr>
+        </p:nvGrpSpPr>
+        <p:grpSpPr>
           <a:xfrm>
-            <a:off x="1691680" y="1196752"/>
-            <a:ext cx="6984776" cy="2448272"/>
+            <a:off x="395536" y="2348880"/>
+            <a:ext cx="8208913" cy="1368152"/>
+            <a:chOff x="395536" y="2348880"/>
+            <a:chExt cx="8208913" cy="1368152"/>
           </a:xfrm>
-          <a:prstGeom prst="rect">
-            <a:avLst/>
-          </a:prstGeom>
-          <a:noFill/>
-        </p:spPr>
-        <p:style>
-          <a:lnRef idx="2">
-            <a:schemeClr val="accent1">
-              <a:shade val="50000"/>
-            </a:schemeClr>
-          </a:lnRef>
-          <a:fillRef idx="1">
-            <a:schemeClr val="accent1"/>
-          </a:fillRef>
-          <a:effectRef idx="0">
-            <a:schemeClr val="accent1"/>
-          </a:effectRef>
-          <a:fontRef idx="minor">
-            <a:schemeClr val="lt1"/>
-          </a:fontRef>
-        </p:style>
-        <p:txBody>
-          <a:bodyPr rtlCol="0" anchor="ctr"/>
-          <a:lstStyle/>
-          <a:p>
-            <a:pPr algn="ctr"/>
-            <a:endParaRPr lang="pt-BR"/>
-          </a:p>
-        </p:txBody>
-      </p:sp>
+        </p:grpSpPr>
+        <p:sp>
+          <p:nvSpPr>
+            <p:cNvPr id="8" name="Rectangle 7"/>
+            <p:cNvSpPr/>
+            <p:nvPr/>
+          </p:nvSpPr>
+          <p:spPr>
+            <a:xfrm>
+              <a:off x="2771800" y="3140968"/>
+              <a:ext cx="1080120" cy="576064"/>
+            </a:xfrm>
+            <a:prstGeom prst="rect">
+              <a:avLst/>
+            </a:prstGeom>
+            <a:solidFill>
+              <a:schemeClr val="bg1"/>
+            </a:solidFill>
+            <a:ln>
+              <a:noFill/>
+            </a:ln>
+          </p:spPr>
+          <p:style>
+            <a:lnRef idx="2">
+              <a:schemeClr val="accent1">
+                <a:shade val="50000"/>
+              </a:schemeClr>
+            </a:lnRef>
+            <a:fillRef idx="1">
+              <a:schemeClr val="accent1"/>
+            </a:fillRef>
+            <a:effectRef idx="0">
+              <a:schemeClr val="accent1"/>
+            </a:effectRef>
+            <a:fontRef idx="minor">
+              <a:schemeClr val="lt1"/>
+            </a:fontRef>
+          </p:style>
+          <p:txBody>
+            <a:bodyPr rtlCol="0" anchor="ctr"/>
+            <a:lstStyle/>
+            <a:p>
+              <a:pPr algn="ctr"/>
+              <a:endParaRPr lang="pt-BR"/>
+            </a:p>
+          </p:txBody>
+        </p:sp>
+        <p:pic>
+          <p:nvPicPr>
+            <p:cNvPr id="1028" name="Picture 4" descr="C:\Java\googlecode\svn\trunk\specrunner-core\logos\specrunner.png"/>
+            <p:cNvPicPr>
+              <a:picLocks noChangeAspect="1" noChangeArrowheads="1"/>
+            </p:cNvPicPr>
+            <p:nvPr/>
+          </p:nvPicPr>
+          <p:blipFill>
+            <a:blip r:embed="rId3" cstate="print"/>
+            <a:srcRect/>
+            <a:stretch>
+              <a:fillRect/>
+            </a:stretch>
+          </p:blipFill>
+          <p:spPr bwMode="auto">
+            <a:xfrm>
+              <a:off x="1475656" y="2348880"/>
+              <a:ext cx="7128793" cy="1233809"/>
+            </a:xfrm>
+            <a:prstGeom prst="rect">
+              <a:avLst/>
+            </a:prstGeom>
+            <a:noFill/>
+          </p:spPr>
+        </p:pic>
+        <p:sp>
+          <p:nvSpPr>
+            <p:cNvPr id="12" name="Rectangle 11"/>
+            <p:cNvSpPr/>
+            <p:nvPr/>
+          </p:nvSpPr>
+          <p:spPr>
+            <a:xfrm>
+              <a:off x="395536" y="3068960"/>
+              <a:ext cx="1080120" cy="576064"/>
+            </a:xfrm>
+            <a:prstGeom prst="rect">
+              <a:avLst/>
+            </a:prstGeom>
+            <a:solidFill>
+              <a:schemeClr val="bg1"/>
+            </a:solidFill>
+            <a:ln>
+              <a:noFill/>
+            </a:ln>
+          </p:spPr>
+          <p:style>
+            <a:lnRef idx="2">
+              <a:schemeClr val="accent1">
+                <a:shade val="50000"/>
+              </a:schemeClr>
+            </a:lnRef>
+            <a:fillRef idx="1">
+              <a:schemeClr val="accent1"/>
+            </a:fillRef>
+            <a:effectRef idx="0">
+              <a:schemeClr val="accent1"/>
+            </a:effectRef>
+            <a:fontRef idx="minor">
+              <a:schemeClr val="lt1"/>
+            </a:fontRef>
+          </p:style>
+          <p:txBody>
+            <a:bodyPr rtlCol="0" anchor="ctr"/>
+            <a:lstStyle/>
+            <a:p>
+              <a:pPr algn="ctr"/>
+              <a:endParaRPr lang="pt-BR"/>
+            </a:p>
+          </p:txBody>
+        </p:sp>
+      </p:grpSp>
     </p:spTree>
   </p:cSld>
   <p:clrMapOvr>
@@ -19985,9 +21038,216 @@
   <p:timing>
     <p:tnLst>
       <p:par>
-        <p:cTn id="1" dur="indefinite" restart="never" nodeType="tmRoot"/>
+        <p:cTn id="1" dur="indefinite" restart="never" nodeType="tmRoot">
+          <p:childTnLst>
+            <p:seq concurrent="1" nextAc="seek">
+              <p:cTn id="2" dur="indefinite" nodeType="mainSeq">
+                <p:childTnLst>
+                  <p:par>
+                    <p:cTn id="3" fill="hold">
+                      <p:stCondLst>
+                        <p:cond delay="indefinite"/>
+                      </p:stCondLst>
+                      <p:childTnLst>
+                        <p:par>
+                          <p:cTn id="4" fill="hold">
+                            <p:stCondLst>
+                              <p:cond delay="0"/>
+                            </p:stCondLst>
+                            <p:childTnLst>
+                              <p:par>
+                                <p:cTn id="5" presetID="53" presetClass="entr" presetSubtype="0" fill="hold" nodeType="clickEffect">
+                                  <p:stCondLst>
+                                    <p:cond delay="0"/>
+                                  </p:stCondLst>
+                                  <p:childTnLst>
+                                    <p:set>
+                                      <p:cBhvr>
+                                        <p:cTn id="6" dur="1" fill="hold">
+                                          <p:stCondLst>
+                                            <p:cond delay="0"/>
+                                          </p:stCondLst>
+                                        </p:cTn>
+                                        <p:tgtEl>
+                                          <p:spTgt spid="13"/>
+                                        </p:tgtEl>
+                                        <p:attrNameLst>
+                                          <p:attrName>style.visibility</p:attrName>
+                                        </p:attrNameLst>
+                                      </p:cBhvr>
+                                      <p:to>
+                                        <p:strVal val="visible"/>
+                                      </p:to>
+                                    </p:set>
+                                    <p:anim calcmode="lin" valueType="num">
+                                      <p:cBhvr>
+                                        <p:cTn id="7" dur="500" fill="hold"/>
+                                        <p:tgtEl>
+                                          <p:spTgt spid="13"/>
+                                        </p:tgtEl>
+                                        <p:attrNameLst>
+                                          <p:attrName>ppt_w</p:attrName>
+                                        </p:attrNameLst>
+                                      </p:cBhvr>
+                                      <p:tavLst>
+                                        <p:tav tm="0">
+                                          <p:val>
+                                            <p:fltVal val="0"/>
+                                          </p:val>
+                                        </p:tav>
+                                        <p:tav tm="100000">
+                                          <p:val>
+                                            <p:strVal val="#ppt_w"/>
+                                          </p:val>
+                                        </p:tav>
+                                      </p:tavLst>
+                                    </p:anim>
+                                    <p:anim calcmode="lin" valueType="num">
+                                      <p:cBhvr>
+                                        <p:cTn id="8" dur="500" fill="hold"/>
+                                        <p:tgtEl>
+                                          <p:spTgt spid="13"/>
+                                        </p:tgtEl>
+                                        <p:attrNameLst>
+                                          <p:attrName>ppt_h</p:attrName>
+                                        </p:attrNameLst>
+                                      </p:cBhvr>
+                                      <p:tavLst>
+                                        <p:tav tm="0">
+                                          <p:val>
+                                            <p:fltVal val="0"/>
+                                          </p:val>
+                                        </p:tav>
+                                        <p:tav tm="100000">
+                                          <p:val>
+                                            <p:strVal val="#ppt_h"/>
+                                          </p:val>
+                                        </p:tav>
+                                      </p:tavLst>
+                                    </p:anim>
+                                    <p:animEffect transition="in" filter="fade">
+                                      <p:cBhvr>
+                                        <p:cTn id="9" dur="500"/>
+                                        <p:tgtEl>
+                                          <p:spTgt spid="13"/>
+                                        </p:tgtEl>
+                                      </p:cBhvr>
+                                    </p:animEffect>
+                                  </p:childTnLst>
+                                </p:cTn>
+                              </p:par>
+                            </p:childTnLst>
+                          </p:cTn>
+                        </p:par>
+                        <p:par>
+                          <p:cTn id="10" fill="hold">
+                            <p:stCondLst>
+                              <p:cond delay="500"/>
+                            </p:stCondLst>
+                            <p:childTnLst>
+                              <p:par>
+                                <p:cTn id="11" presetID="2" presetClass="entr" presetSubtype="4" fill="hold" grpId="0" nodeType="afterEffect">
+                                  <p:stCondLst>
+                                    <p:cond delay="2000"/>
+                                  </p:stCondLst>
+                                  <p:childTnLst>
+                                    <p:set>
+                                      <p:cBhvr>
+                                        <p:cTn id="12" dur="1" fill="hold">
+                                          <p:stCondLst>
+                                            <p:cond delay="0"/>
+                                          </p:stCondLst>
+                                        </p:cTn>
+                                        <p:tgtEl>
+                                          <p:spTgt spid="9"/>
+                                        </p:tgtEl>
+                                        <p:attrNameLst>
+                                          <p:attrName>style.visibility</p:attrName>
+                                        </p:attrNameLst>
+                                      </p:cBhvr>
+                                      <p:to>
+                                        <p:strVal val="visible"/>
+                                      </p:to>
+                                    </p:set>
+                                    <p:anim calcmode="lin" valueType="num">
+                                      <p:cBhvr additive="base">
+                                        <p:cTn id="13" dur="500" fill="hold"/>
+                                        <p:tgtEl>
+                                          <p:spTgt spid="9"/>
+                                        </p:tgtEl>
+                                        <p:attrNameLst>
+                                          <p:attrName>ppt_x</p:attrName>
+                                        </p:attrNameLst>
+                                      </p:cBhvr>
+                                      <p:tavLst>
+                                        <p:tav tm="0">
+                                          <p:val>
+                                            <p:strVal val="#ppt_x"/>
+                                          </p:val>
+                                        </p:tav>
+                                        <p:tav tm="100000">
+                                          <p:val>
+                                            <p:strVal val="#ppt_x"/>
+                                          </p:val>
+                                        </p:tav>
+                                      </p:tavLst>
+                                    </p:anim>
+                                    <p:anim calcmode="lin" valueType="num">
+                                      <p:cBhvr additive="base">
+                                        <p:cTn id="14" dur="500" fill="hold"/>
+                                        <p:tgtEl>
+                                          <p:spTgt spid="9"/>
+                                        </p:tgtEl>
+                                        <p:attrNameLst>
+                                          <p:attrName>ppt_y</p:attrName>
+                                        </p:attrNameLst>
+                                      </p:cBhvr>
+                                      <p:tavLst>
+                                        <p:tav tm="0">
+                                          <p:val>
+                                            <p:strVal val="1+#ppt_h/2"/>
+                                          </p:val>
+                                        </p:tav>
+                                        <p:tav tm="100000">
+                                          <p:val>
+                                            <p:strVal val="#ppt_y"/>
+                                          </p:val>
+                                        </p:tav>
+                                      </p:tavLst>
+                                    </p:anim>
+                                  </p:childTnLst>
+                                </p:cTn>
+                              </p:par>
+                            </p:childTnLst>
+                          </p:cTn>
+                        </p:par>
+                      </p:childTnLst>
+                    </p:cTn>
+                  </p:par>
+                </p:childTnLst>
+              </p:cTn>
+              <p:prevCondLst>
+                <p:cond evt="onPrev" delay="0">
+                  <p:tgtEl>
+                    <p:sldTgt/>
+                  </p:tgtEl>
+                </p:cond>
+              </p:prevCondLst>
+              <p:nextCondLst>
+                <p:cond evt="onNext" delay="0">
+                  <p:tgtEl>
+                    <p:sldTgt/>
+                  </p:tgtEl>
+                </p:cond>
+              </p:nextCondLst>
+            </p:seq>
+          </p:childTnLst>
+        </p:cTn>
       </p:par>
     </p:tnLst>
+    <p:bldLst>
+      <p:bldP spid="9" grpId="0"/>
+    </p:bldLst>
   </p:timing>
 </p:sld>
 </file>
@@ -20051,7 +21311,31 @@
           <a:p>
             <a:r>
               <a:rPr lang="en-US" dirty="0" smtClean="0"/>
-              <a:t>Old school (one “rule” to rule them all = hide)</a:t>
+              <a:t>Old school </a:t>
+            </a:r>
+            <a:r>
+              <a:rPr lang="en-US" dirty="0" smtClean="0"/>
+              <a:t>(“one </a:t>
+            </a:r>
+            <a:r>
+              <a:rPr lang="en-US" u="sng" dirty="0" smtClean="0"/>
+              <a:t>rule</a:t>
+            </a:r>
+            <a:r>
+              <a:rPr lang="en-US" dirty="0" smtClean="0"/>
+              <a:t> </a:t>
+            </a:r>
+            <a:r>
+              <a:rPr lang="en-US" dirty="0" smtClean="0"/>
+              <a:t>to rule them </a:t>
+            </a:r>
+            <a:r>
+              <a:rPr lang="en-US" dirty="0" smtClean="0"/>
+              <a:t>all” </a:t>
+            </a:r>
+            <a:r>
+              <a:rPr lang="en-US" dirty="0" smtClean="0"/>
+              <a:t>= hide)</a:t>
             </a:r>
           </a:p>
           <a:p>
